--- a/FET_Team_Alpha.pptx
+++ b/FET_Team_Alpha.pptx
@@ -9,9 +9,10 @@
     <p:sldId id="259" r:id="rId3"/>
     <p:sldId id="260" r:id="rId4"/>
     <p:sldId id="263" r:id="rId5"/>
-    <p:sldId id="264" r:id="rId6"/>
-    <p:sldId id="265" r:id="rId7"/>
-    <p:sldId id="261" r:id="rId8"/>
+    <p:sldId id="266" r:id="rId6"/>
+    <p:sldId id="264" r:id="rId7"/>
+    <p:sldId id="265" r:id="rId8"/>
+    <p:sldId id="261" r:id="rId9"/>
   </p:sldIdLst>
   <p:sldSz cx="12192000" cy="6858000"/>
   <p:notesSz cx="6858000" cy="9144000"/>
@@ -112,7 +113,7 @@
   </p:defaultTextStyle>
   <p:extLst>
     <p:ext uri="{EFAFB233-063F-42B5-8137-9DF3F51BA10A}">
-      <p15:sldGuideLst xmlns:p15="http://schemas.microsoft.com/office/powerpoint/2012/main" xmlns="">
+      <p15:sldGuideLst xmlns="" xmlns:p15="http://schemas.microsoft.com/office/powerpoint/2012/main">
         <p15:guide id="1" orient="horz" pos="2160">
           <p15:clr>
             <a:srgbClr val="A4A3A4"/>
@@ -5975,7 +5976,7 @@
           <p:cNvPr id="2" name="Title 1">
             <a:extLst>
               <a:ext uri="{FF2B5EF4-FFF2-40B4-BE49-F238E27FC236}">
-                <a16:creationId xmlns:a16="http://schemas.microsoft.com/office/drawing/2014/main" xmlns="" id="{34F229C2-1B18-4DAD-A59F-BAFA36BB47FB}"/>
+                <a16:creationId xmlns="" xmlns:a16="http://schemas.microsoft.com/office/drawing/2014/main" id="{34F229C2-1B18-4DAD-A59F-BAFA36BB47FB}"/>
               </a:ext>
             </a:extLst>
           </p:cNvPr>
@@ -6012,7 +6013,7 @@
           <p:cNvPr id="3" name="Subtitle 2">
             <a:extLst>
               <a:ext uri="{FF2B5EF4-FFF2-40B4-BE49-F238E27FC236}">
-                <a16:creationId xmlns:a16="http://schemas.microsoft.com/office/drawing/2014/main" xmlns="" id="{AF5D7A9E-4487-4A85-BBFE-6178516A170A}"/>
+                <a16:creationId xmlns="" xmlns:a16="http://schemas.microsoft.com/office/drawing/2014/main" id="{AF5D7A9E-4487-4A85-BBFE-6178516A170A}"/>
               </a:ext>
             </a:extLst>
           </p:cNvPr>
@@ -6082,7 +6083,7 @@
           <p:cNvPr id="4" name="Date Placeholder 3">
             <a:extLst>
               <a:ext uri="{FF2B5EF4-FFF2-40B4-BE49-F238E27FC236}">
-                <a16:creationId xmlns:a16="http://schemas.microsoft.com/office/drawing/2014/main" xmlns="" id="{B8AB601B-1149-4B76-A2CD-66350C450574}"/>
+                <a16:creationId xmlns="" xmlns:a16="http://schemas.microsoft.com/office/drawing/2014/main" id="{B8AB601B-1149-4B76-A2CD-66350C450574}"/>
               </a:ext>
             </a:extLst>
           </p:cNvPr>
@@ -6111,7 +6112,7 @@
           <p:cNvPr id="5" name="Footer Placeholder 4">
             <a:extLst>
               <a:ext uri="{FF2B5EF4-FFF2-40B4-BE49-F238E27FC236}">
-                <a16:creationId xmlns:a16="http://schemas.microsoft.com/office/drawing/2014/main" xmlns="" id="{A7980FFF-A207-44DC-B3DF-58A81CD799CA}"/>
+                <a16:creationId xmlns="" xmlns:a16="http://schemas.microsoft.com/office/drawing/2014/main" id="{A7980FFF-A207-44DC-B3DF-58A81CD799CA}"/>
               </a:ext>
             </a:extLst>
           </p:cNvPr>
@@ -6136,7 +6137,7 @@
           <p:cNvPr id="6" name="Slide Number Placeholder 5">
             <a:extLst>
               <a:ext uri="{FF2B5EF4-FFF2-40B4-BE49-F238E27FC236}">
-                <a16:creationId xmlns:a16="http://schemas.microsoft.com/office/drawing/2014/main" xmlns="" id="{6BFA48B9-19CD-4F0E-8415-5D662B48CF0C}"/>
+                <a16:creationId xmlns="" xmlns:a16="http://schemas.microsoft.com/office/drawing/2014/main" id="{6BFA48B9-19CD-4F0E-8415-5D662B48CF0C}"/>
               </a:ext>
             </a:extLst>
           </p:cNvPr>
@@ -6195,7 +6196,7 @@
           <p:cNvPr id="2" name="Title 1">
             <a:extLst>
               <a:ext uri="{FF2B5EF4-FFF2-40B4-BE49-F238E27FC236}">
-                <a16:creationId xmlns:a16="http://schemas.microsoft.com/office/drawing/2014/main" xmlns="" id="{75015D52-1B10-4DF5-A94F-87790A455988}"/>
+                <a16:creationId xmlns="" xmlns:a16="http://schemas.microsoft.com/office/drawing/2014/main" id="{75015D52-1B10-4DF5-A94F-87790A455988}"/>
               </a:ext>
             </a:extLst>
           </p:cNvPr>
@@ -6223,7 +6224,7 @@
           <p:cNvPr id="3" name="Vertical Text Placeholder 2">
             <a:extLst>
               <a:ext uri="{FF2B5EF4-FFF2-40B4-BE49-F238E27FC236}">
-                <a16:creationId xmlns:a16="http://schemas.microsoft.com/office/drawing/2014/main" xmlns="" id="{47A701BD-7640-44E9-B584-F9D2D7ACF9AF}"/>
+                <a16:creationId xmlns="" xmlns:a16="http://schemas.microsoft.com/office/drawing/2014/main" id="{47A701BD-7640-44E9-B584-F9D2D7ACF9AF}"/>
               </a:ext>
             </a:extLst>
           </p:cNvPr>
@@ -6280,7 +6281,7 @@
           <p:cNvPr id="4" name="Date Placeholder 3">
             <a:extLst>
               <a:ext uri="{FF2B5EF4-FFF2-40B4-BE49-F238E27FC236}">
-                <a16:creationId xmlns:a16="http://schemas.microsoft.com/office/drawing/2014/main" xmlns="" id="{04B0B202-247C-4E16-B8D2-86031235F615}"/>
+                <a16:creationId xmlns="" xmlns:a16="http://schemas.microsoft.com/office/drawing/2014/main" id="{04B0B202-247C-4E16-B8D2-86031235F615}"/>
               </a:ext>
             </a:extLst>
           </p:cNvPr>
@@ -6309,7 +6310,7 @@
           <p:cNvPr id="5" name="Footer Placeholder 4">
             <a:extLst>
               <a:ext uri="{FF2B5EF4-FFF2-40B4-BE49-F238E27FC236}">
-                <a16:creationId xmlns:a16="http://schemas.microsoft.com/office/drawing/2014/main" xmlns="" id="{71951F90-B7F8-4462-A2C3-58F9A06ED0D8}"/>
+                <a16:creationId xmlns="" xmlns:a16="http://schemas.microsoft.com/office/drawing/2014/main" id="{71951F90-B7F8-4462-A2C3-58F9A06ED0D8}"/>
               </a:ext>
             </a:extLst>
           </p:cNvPr>
@@ -6334,7 +6335,7 @@
           <p:cNvPr id="6" name="Slide Number Placeholder 5">
             <a:extLst>
               <a:ext uri="{FF2B5EF4-FFF2-40B4-BE49-F238E27FC236}">
-                <a16:creationId xmlns:a16="http://schemas.microsoft.com/office/drawing/2014/main" xmlns="" id="{09D19E04-2AF1-4FD5-A11D-E5A513A8F9B7}"/>
+                <a16:creationId xmlns="" xmlns:a16="http://schemas.microsoft.com/office/drawing/2014/main" id="{09D19E04-2AF1-4FD5-A11D-E5A513A8F9B7}"/>
               </a:ext>
             </a:extLst>
           </p:cNvPr>
@@ -6393,7 +6394,7 @@
           <p:cNvPr id="2" name="Vertical Title 1">
             <a:extLst>
               <a:ext uri="{FF2B5EF4-FFF2-40B4-BE49-F238E27FC236}">
-                <a16:creationId xmlns:a16="http://schemas.microsoft.com/office/drawing/2014/main" xmlns="" id="{7FDD83EC-D0E5-4372-9848-85A01F643FE6}"/>
+                <a16:creationId xmlns="" xmlns:a16="http://schemas.microsoft.com/office/drawing/2014/main" id="{7FDD83EC-D0E5-4372-9848-85A01F643FE6}"/>
               </a:ext>
             </a:extLst>
           </p:cNvPr>
@@ -6426,7 +6427,7 @@
           <p:cNvPr id="3" name="Vertical Text Placeholder 2">
             <a:extLst>
               <a:ext uri="{FF2B5EF4-FFF2-40B4-BE49-F238E27FC236}">
-                <a16:creationId xmlns:a16="http://schemas.microsoft.com/office/drawing/2014/main" xmlns="" id="{351273DC-E85B-4052-8C7F-26E4CD59CB6D}"/>
+                <a16:creationId xmlns="" xmlns:a16="http://schemas.microsoft.com/office/drawing/2014/main" id="{351273DC-E85B-4052-8C7F-26E4CD59CB6D}"/>
               </a:ext>
             </a:extLst>
           </p:cNvPr>
@@ -6488,7 +6489,7 @@
           <p:cNvPr id="4" name="Date Placeholder 3">
             <a:extLst>
               <a:ext uri="{FF2B5EF4-FFF2-40B4-BE49-F238E27FC236}">
-                <a16:creationId xmlns:a16="http://schemas.microsoft.com/office/drawing/2014/main" xmlns="" id="{26882466-9368-4E1A-A0D8-9ED65ACCA5C6}"/>
+                <a16:creationId xmlns="" xmlns:a16="http://schemas.microsoft.com/office/drawing/2014/main" id="{26882466-9368-4E1A-A0D8-9ED65ACCA5C6}"/>
               </a:ext>
             </a:extLst>
           </p:cNvPr>
@@ -6517,7 +6518,7 @@
           <p:cNvPr id="5" name="Footer Placeholder 4">
             <a:extLst>
               <a:ext uri="{FF2B5EF4-FFF2-40B4-BE49-F238E27FC236}">
-                <a16:creationId xmlns:a16="http://schemas.microsoft.com/office/drawing/2014/main" xmlns="" id="{18B36E25-36BE-4B81-92F2-11DAC012522A}"/>
+                <a16:creationId xmlns="" xmlns:a16="http://schemas.microsoft.com/office/drawing/2014/main" id="{18B36E25-36BE-4B81-92F2-11DAC012522A}"/>
               </a:ext>
             </a:extLst>
           </p:cNvPr>
@@ -6542,7 +6543,7 @@
           <p:cNvPr id="6" name="Slide Number Placeholder 5">
             <a:extLst>
               <a:ext uri="{FF2B5EF4-FFF2-40B4-BE49-F238E27FC236}">
-                <a16:creationId xmlns:a16="http://schemas.microsoft.com/office/drawing/2014/main" xmlns="" id="{40353170-24DA-4B8F-A669-65DD8A863893}"/>
+                <a16:creationId xmlns="" xmlns:a16="http://schemas.microsoft.com/office/drawing/2014/main" id="{40353170-24DA-4B8F-A669-65DD8A863893}"/>
               </a:ext>
             </a:extLst>
           </p:cNvPr>
@@ -6601,7 +6602,7 @@
           <p:cNvPr id="2" name="Title 1">
             <a:extLst>
               <a:ext uri="{FF2B5EF4-FFF2-40B4-BE49-F238E27FC236}">
-                <a16:creationId xmlns:a16="http://schemas.microsoft.com/office/drawing/2014/main" xmlns="" id="{8ED37506-F5D0-4691-8DC1-0469BCA81750}"/>
+                <a16:creationId xmlns="" xmlns:a16="http://schemas.microsoft.com/office/drawing/2014/main" id="{8ED37506-F5D0-4691-8DC1-0469BCA81750}"/>
               </a:ext>
             </a:extLst>
           </p:cNvPr>
@@ -6629,7 +6630,7 @@
           <p:cNvPr id="3" name="Content Placeholder 2">
             <a:extLst>
               <a:ext uri="{FF2B5EF4-FFF2-40B4-BE49-F238E27FC236}">
-                <a16:creationId xmlns:a16="http://schemas.microsoft.com/office/drawing/2014/main" xmlns="" id="{5BD74520-2C91-4A57-A85B-998215E3E73C}"/>
+                <a16:creationId xmlns="" xmlns:a16="http://schemas.microsoft.com/office/drawing/2014/main" id="{5BD74520-2C91-4A57-A85B-998215E3E73C}"/>
               </a:ext>
             </a:extLst>
           </p:cNvPr>
@@ -6686,7 +6687,7 @@
           <p:cNvPr id="4" name="Date Placeholder 3">
             <a:extLst>
               <a:ext uri="{FF2B5EF4-FFF2-40B4-BE49-F238E27FC236}">
-                <a16:creationId xmlns:a16="http://schemas.microsoft.com/office/drawing/2014/main" xmlns="" id="{BA4AAC30-199B-4A57-91C6-23C8FC739648}"/>
+                <a16:creationId xmlns="" xmlns:a16="http://schemas.microsoft.com/office/drawing/2014/main" id="{BA4AAC30-199B-4A57-91C6-23C8FC739648}"/>
               </a:ext>
             </a:extLst>
           </p:cNvPr>
@@ -6715,7 +6716,7 @@
           <p:cNvPr id="5" name="Footer Placeholder 4">
             <a:extLst>
               <a:ext uri="{FF2B5EF4-FFF2-40B4-BE49-F238E27FC236}">
-                <a16:creationId xmlns:a16="http://schemas.microsoft.com/office/drawing/2014/main" xmlns="" id="{92BE685E-FE18-4C49-9C8C-37A67F7D7F73}"/>
+                <a16:creationId xmlns="" xmlns:a16="http://schemas.microsoft.com/office/drawing/2014/main" id="{92BE685E-FE18-4C49-9C8C-37A67F7D7F73}"/>
               </a:ext>
             </a:extLst>
           </p:cNvPr>
@@ -6740,7 +6741,7 @@
           <p:cNvPr id="6" name="Slide Number Placeholder 5">
             <a:extLst>
               <a:ext uri="{FF2B5EF4-FFF2-40B4-BE49-F238E27FC236}">
-                <a16:creationId xmlns:a16="http://schemas.microsoft.com/office/drawing/2014/main" xmlns="" id="{CCCE2B16-09ED-4333-962E-CFB0C1928E0F}"/>
+                <a16:creationId xmlns="" xmlns:a16="http://schemas.microsoft.com/office/drawing/2014/main" id="{CCCE2B16-09ED-4333-962E-CFB0C1928E0F}"/>
               </a:ext>
             </a:extLst>
           </p:cNvPr>
@@ -6799,7 +6800,7 @@
           <p:cNvPr id="2" name="Title 1">
             <a:extLst>
               <a:ext uri="{FF2B5EF4-FFF2-40B4-BE49-F238E27FC236}">
-                <a16:creationId xmlns:a16="http://schemas.microsoft.com/office/drawing/2014/main" xmlns="" id="{A9C59C8F-24E3-4726-9302-C91E44681CD2}"/>
+                <a16:creationId xmlns="" xmlns:a16="http://schemas.microsoft.com/office/drawing/2014/main" id="{A9C59C8F-24E3-4726-9302-C91E44681CD2}"/>
               </a:ext>
             </a:extLst>
           </p:cNvPr>
@@ -6836,7 +6837,7 @@
           <p:cNvPr id="3" name="Text Placeholder 2">
             <a:extLst>
               <a:ext uri="{FF2B5EF4-FFF2-40B4-BE49-F238E27FC236}">
-                <a16:creationId xmlns:a16="http://schemas.microsoft.com/office/drawing/2014/main" xmlns="" id="{57FFF24C-6EDB-460C-B7FE-1847338A9A1B}"/>
+                <a16:creationId xmlns="" xmlns:a16="http://schemas.microsoft.com/office/drawing/2014/main" id="{57FFF24C-6EDB-460C-B7FE-1847338A9A1B}"/>
               </a:ext>
             </a:extLst>
           </p:cNvPr>
@@ -6961,7 +6962,7 @@
           <p:cNvPr id="4" name="Date Placeholder 3">
             <a:extLst>
               <a:ext uri="{FF2B5EF4-FFF2-40B4-BE49-F238E27FC236}">
-                <a16:creationId xmlns:a16="http://schemas.microsoft.com/office/drawing/2014/main" xmlns="" id="{47847617-C30C-4A4C-ACC3-08418E27245F}"/>
+                <a16:creationId xmlns="" xmlns:a16="http://schemas.microsoft.com/office/drawing/2014/main" id="{47847617-C30C-4A4C-ACC3-08418E27245F}"/>
               </a:ext>
             </a:extLst>
           </p:cNvPr>
@@ -6990,7 +6991,7 @@
           <p:cNvPr id="5" name="Footer Placeholder 4">
             <a:extLst>
               <a:ext uri="{FF2B5EF4-FFF2-40B4-BE49-F238E27FC236}">
-                <a16:creationId xmlns:a16="http://schemas.microsoft.com/office/drawing/2014/main" xmlns="" id="{4C422F91-6397-4E44-BECD-ACCF7E8439E7}"/>
+                <a16:creationId xmlns="" xmlns:a16="http://schemas.microsoft.com/office/drawing/2014/main" id="{4C422F91-6397-4E44-BECD-ACCF7E8439E7}"/>
               </a:ext>
             </a:extLst>
           </p:cNvPr>
@@ -7015,7 +7016,7 @@
           <p:cNvPr id="6" name="Slide Number Placeholder 5">
             <a:extLst>
               <a:ext uri="{FF2B5EF4-FFF2-40B4-BE49-F238E27FC236}">
-                <a16:creationId xmlns:a16="http://schemas.microsoft.com/office/drawing/2014/main" xmlns="" id="{C618409C-0815-49A9-A85B-99F878C7D0B9}"/>
+                <a16:creationId xmlns="" xmlns:a16="http://schemas.microsoft.com/office/drawing/2014/main" id="{C618409C-0815-49A9-A85B-99F878C7D0B9}"/>
               </a:ext>
             </a:extLst>
           </p:cNvPr>
@@ -7074,7 +7075,7 @@
           <p:cNvPr id="2" name="Title 1">
             <a:extLst>
               <a:ext uri="{FF2B5EF4-FFF2-40B4-BE49-F238E27FC236}">
-                <a16:creationId xmlns:a16="http://schemas.microsoft.com/office/drawing/2014/main" xmlns="" id="{688557C9-4782-45AD-A59B-B55E67C2F6C8}"/>
+                <a16:creationId xmlns="" xmlns:a16="http://schemas.microsoft.com/office/drawing/2014/main" id="{688557C9-4782-45AD-A59B-B55E67C2F6C8}"/>
               </a:ext>
             </a:extLst>
           </p:cNvPr>
@@ -7102,7 +7103,7 @@
           <p:cNvPr id="3" name="Content Placeholder 2">
             <a:extLst>
               <a:ext uri="{FF2B5EF4-FFF2-40B4-BE49-F238E27FC236}">
-                <a16:creationId xmlns:a16="http://schemas.microsoft.com/office/drawing/2014/main" xmlns="" id="{A7D8E295-EAC7-421F-BB63-0D39E59D48FC}"/>
+                <a16:creationId xmlns="" xmlns:a16="http://schemas.microsoft.com/office/drawing/2014/main" id="{A7D8E295-EAC7-421F-BB63-0D39E59D48FC}"/>
               </a:ext>
             </a:extLst>
           </p:cNvPr>
@@ -7164,7 +7165,7 @@
           <p:cNvPr id="4" name="Content Placeholder 3">
             <a:extLst>
               <a:ext uri="{FF2B5EF4-FFF2-40B4-BE49-F238E27FC236}">
-                <a16:creationId xmlns:a16="http://schemas.microsoft.com/office/drawing/2014/main" xmlns="" id="{4BE61B2C-E2D0-4ED0-89D6-55115DF0C5E9}"/>
+                <a16:creationId xmlns="" xmlns:a16="http://schemas.microsoft.com/office/drawing/2014/main" id="{4BE61B2C-E2D0-4ED0-89D6-55115DF0C5E9}"/>
               </a:ext>
             </a:extLst>
           </p:cNvPr>
@@ -7226,7 +7227,7 @@
           <p:cNvPr id="5" name="Date Placeholder 4">
             <a:extLst>
               <a:ext uri="{FF2B5EF4-FFF2-40B4-BE49-F238E27FC236}">
-                <a16:creationId xmlns:a16="http://schemas.microsoft.com/office/drawing/2014/main" xmlns="" id="{7FD45D22-8B54-460B-BCC4-DC74B8989EB0}"/>
+                <a16:creationId xmlns="" xmlns:a16="http://schemas.microsoft.com/office/drawing/2014/main" id="{7FD45D22-8B54-460B-BCC4-DC74B8989EB0}"/>
               </a:ext>
             </a:extLst>
           </p:cNvPr>
@@ -7255,7 +7256,7 @@
           <p:cNvPr id="6" name="Footer Placeholder 5">
             <a:extLst>
               <a:ext uri="{FF2B5EF4-FFF2-40B4-BE49-F238E27FC236}">
-                <a16:creationId xmlns:a16="http://schemas.microsoft.com/office/drawing/2014/main" xmlns="" id="{AD249550-7FAD-44DF-ACCB-DC8B5C63EC2A}"/>
+                <a16:creationId xmlns="" xmlns:a16="http://schemas.microsoft.com/office/drawing/2014/main" id="{AD249550-7FAD-44DF-ACCB-DC8B5C63EC2A}"/>
               </a:ext>
             </a:extLst>
           </p:cNvPr>
@@ -7280,7 +7281,7 @@
           <p:cNvPr id="7" name="Slide Number Placeholder 6">
             <a:extLst>
               <a:ext uri="{FF2B5EF4-FFF2-40B4-BE49-F238E27FC236}">
-                <a16:creationId xmlns:a16="http://schemas.microsoft.com/office/drawing/2014/main" xmlns="" id="{C216B2FF-ADB2-4150-92AD-1AF3F4A37721}"/>
+                <a16:creationId xmlns="" xmlns:a16="http://schemas.microsoft.com/office/drawing/2014/main" id="{C216B2FF-ADB2-4150-92AD-1AF3F4A37721}"/>
               </a:ext>
             </a:extLst>
           </p:cNvPr>
@@ -7339,7 +7340,7 @@
           <p:cNvPr id="2" name="Title 1">
             <a:extLst>
               <a:ext uri="{FF2B5EF4-FFF2-40B4-BE49-F238E27FC236}">
-                <a16:creationId xmlns:a16="http://schemas.microsoft.com/office/drawing/2014/main" xmlns="" id="{9196D46D-851A-4103-8955-E0BB417A8F76}"/>
+                <a16:creationId xmlns="" xmlns:a16="http://schemas.microsoft.com/office/drawing/2014/main" id="{9196D46D-851A-4103-8955-E0BB417A8F76}"/>
               </a:ext>
             </a:extLst>
           </p:cNvPr>
@@ -7372,7 +7373,7 @@
           <p:cNvPr id="3" name="Text Placeholder 2">
             <a:extLst>
               <a:ext uri="{FF2B5EF4-FFF2-40B4-BE49-F238E27FC236}">
-                <a16:creationId xmlns:a16="http://schemas.microsoft.com/office/drawing/2014/main" xmlns="" id="{E63791F9-9A2A-4157-A771-2A9F6D2B2647}"/>
+                <a16:creationId xmlns="" xmlns:a16="http://schemas.microsoft.com/office/drawing/2014/main" id="{E63791F9-9A2A-4157-A771-2A9F6D2B2647}"/>
               </a:ext>
             </a:extLst>
           </p:cNvPr>
@@ -7443,7 +7444,7 @@
           <p:cNvPr id="4" name="Content Placeholder 3">
             <a:extLst>
               <a:ext uri="{FF2B5EF4-FFF2-40B4-BE49-F238E27FC236}">
-                <a16:creationId xmlns:a16="http://schemas.microsoft.com/office/drawing/2014/main" xmlns="" id="{4928DB9F-6232-40E2-B23A-6BFABA8B2A07}"/>
+                <a16:creationId xmlns="" xmlns:a16="http://schemas.microsoft.com/office/drawing/2014/main" id="{4928DB9F-6232-40E2-B23A-6BFABA8B2A07}"/>
               </a:ext>
             </a:extLst>
           </p:cNvPr>
@@ -7505,7 +7506,7 @@
           <p:cNvPr id="5" name="Text Placeholder 4">
             <a:extLst>
               <a:ext uri="{FF2B5EF4-FFF2-40B4-BE49-F238E27FC236}">
-                <a16:creationId xmlns:a16="http://schemas.microsoft.com/office/drawing/2014/main" xmlns="" id="{2E503813-4F01-4183-A436-3D4A2F8D7FAC}"/>
+                <a16:creationId xmlns="" xmlns:a16="http://schemas.microsoft.com/office/drawing/2014/main" id="{2E503813-4F01-4183-A436-3D4A2F8D7FAC}"/>
               </a:ext>
             </a:extLst>
           </p:cNvPr>
@@ -7576,7 +7577,7 @@
           <p:cNvPr id="6" name="Content Placeholder 5">
             <a:extLst>
               <a:ext uri="{FF2B5EF4-FFF2-40B4-BE49-F238E27FC236}">
-                <a16:creationId xmlns:a16="http://schemas.microsoft.com/office/drawing/2014/main" xmlns="" id="{92E75875-6388-4B57-8487-F8F28C94B346}"/>
+                <a16:creationId xmlns="" xmlns:a16="http://schemas.microsoft.com/office/drawing/2014/main" id="{92E75875-6388-4B57-8487-F8F28C94B346}"/>
               </a:ext>
             </a:extLst>
           </p:cNvPr>
@@ -7638,7 +7639,7 @@
           <p:cNvPr id="7" name="Date Placeholder 6">
             <a:extLst>
               <a:ext uri="{FF2B5EF4-FFF2-40B4-BE49-F238E27FC236}">
-                <a16:creationId xmlns:a16="http://schemas.microsoft.com/office/drawing/2014/main" xmlns="" id="{2E6EEE64-DF67-4DA2-86A2-16F30687C666}"/>
+                <a16:creationId xmlns="" xmlns:a16="http://schemas.microsoft.com/office/drawing/2014/main" id="{2E6EEE64-DF67-4DA2-86A2-16F30687C666}"/>
               </a:ext>
             </a:extLst>
           </p:cNvPr>
@@ -7667,7 +7668,7 @@
           <p:cNvPr id="8" name="Footer Placeholder 7">
             <a:extLst>
               <a:ext uri="{FF2B5EF4-FFF2-40B4-BE49-F238E27FC236}">
-                <a16:creationId xmlns:a16="http://schemas.microsoft.com/office/drawing/2014/main" xmlns="" id="{151A3486-96DA-4137-AD44-20F3AD7A78F7}"/>
+                <a16:creationId xmlns="" xmlns:a16="http://schemas.microsoft.com/office/drawing/2014/main" id="{151A3486-96DA-4137-AD44-20F3AD7A78F7}"/>
               </a:ext>
             </a:extLst>
           </p:cNvPr>
@@ -7692,7 +7693,7 @@
           <p:cNvPr id="9" name="Slide Number Placeholder 8">
             <a:extLst>
               <a:ext uri="{FF2B5EF4-FFF2-40B4-BE49-F238E27FC236}">
-                <a16:creationId xmlns:a16="http://schemas.microsoft.com/office/drawing/2014/main" xmlns="" id="{2856EF8A-7D62-4A00-8D75-778D96877E8D}"/>
+                <a16:creationId xmlns="" xmlns:a16="http://schemas.microsoft.com/office/drawing/2014/main" id="{2856EF8A-7D62-4A00-8D75-778D96877E8D}"/>
               </a:ext>
             </a:extLst>
           </p:cNvPr>
@@ -7751,7 +7752,7 @@
           <p:cNvPr id="2" name="Title 1">
             <a:extLst>
               <a:ext uri="{FF2B5EF4-FFF2-40B4-BE49-F238E27FC236}">
-                <a16:creationId xmlns:a16="http://schemas.microsoft.com/office/drawing/2014/main" xmlns="" id="{38A76AD2-1BD0-410A-9F40-2B4D919E113F}"/>
+                <a16:creationId xmlns="" xmlns:a16="http://schemas.microsoft.com/office/drawing/2014/main" id="{38A76AD2-1BD0-410A-9F40-2B4D919E113F}"/>
               </a:ext>
             </a:extLst>
           </p:cNvPr>
@@ -7779,7 +7780,7 @@
           <p:cNvPr id="3" name="Date Placeholder 2">
             <a:extLst>
               <a:ext uri="{FF2B5EF4-FFF2-40B4-BE49-F238E27FC236}">
-                <a16:creationId xmlns:a16="http://schemas.microsoft.com/office/drawing/2014/main" xmlns="" id="{B76DC1C1-7DC1-408B-9F7C-44092DF1BA5E}"/>
+                <a16:creationId xmlns="" xmlns:a16="http://schemas.microsoft.com/office/drawing/2014/main" id="{B76DC1C1-7DC1-408B-9F7C-44092DF1BA5E}"/>
               </a:ext>
             </a:extLst>
           </p:cNvPr>
@@ -7808,7 +7809,7 @@
           <p:cNvPr id="4" name="Footer Placeholder 3">
             <a:extLst>
               <a:ext uri="{FF2B5EF4-FFF2-40B4-BE49-F238E27FC236}">
-                <a16:creationId xmlns:a16="http://schemas.microsoft.com/office/drawing/2014/main" xmlns="" id="{1988B3CB-F1D6-4015-8E69-9E56392136BE}"/>
+                <a16:creationId xmlns="" xmlns:a16="http://schemas.microsoft.com/office/drawing/2014/main" id="{1988B3CB-F1D6-4015-8E69-9E56392136BE}"/>
               </a:ext>
             </a:extLst>
           </p:cNvPr>
@@ -7833,7 +7834,7 @@
           <p:cNvPr id="5" name="Slide Number Placeholder 4">
             <a:extLst>
               <a:ext uri="{FF2B5EF4-FFF2-40B4-BE49-F238E27FC236}">
-                <a16:creationId xmlns:a16="http://schemas.microsoft.com/office/drawing/2014/main" xmlns="" id="{2976DB2F-F268-4FDC-9CD5-2EBD616E4E0C}"/>
+                <a16:creationId xmlns="" xmlns:a16="http://schemas.microsoft.com/office/drawing/2014/main" id="{2976DB2F-F268-4FDC-9CD5-2EBD616E4E0C}"/>
               </a:ext>
             </a:extLst>
           </p:cNvPr>
@@ -7892,7 +7893,7 @@
           <p:cNvPr id="2" name="Date Placeholder 1">
             <a:extLst>
               <a:ext uri="{FF2B5EF4-FFF2-40B4-BE49-F238E27FC236}">
-                <a16:creationId xmlns:a16="http://schemas.microsoft.com/office/drawing/2014/main" xmlns="" id="{B09BB632-A7D0-4749-B9CF-F49E9775CCD4}"/>
+                <a16:creationId xmlns="" xmlns:a16="http://schemas.microsoft.com/office/drawing/2014/main" id="{B09BB632-A7D0-4749-B9CF-F49E9775CCD4}"/>
               </a:ext>
             </a:extLst>
           </p:cNvPr>
@@ -7921,7 +7922,7 @@
           <p:cNvPr id="3" name="Footer Placeholder 2">
             <a:extLst>
               <a:ext uri="{FF2B5EF4-FFF2-40B4-BE49-F238E27FC236}">
-                <a16:creationId xmlns:a16="http://schemas.microsoft.com/office/drawing/2014/main" xmlns="" id="{7C31476A-958D-4647-87B6-2E90297AC343}"/>
+                <a16:creationId xmlns="" xmlns:a16="http://schemas.microsoft.com/office/drawing/2014/main" id="{7C31476A-958D-4647-87B6-2E90297AC343}"/>
               </a:ext>
             </a:extLst>
           </p:cNvPr>
@@ -7946,7 +7947,7 @@
           <p:cNvPr id="4" name="Slide Number Placeholder 3">
             <a:extLst>
               <a:ext uri="{FF2B5EF4-FFF2-40B4-BE49-F238E27FC236}">
-                <a16:creationId xmlns:a16="http://schemas.microsoft.com/office/drawing/2014/main" xmlns="" id="{39CC8DA2-A092-4AFC-9C20-45C1F53C56BB}"/>
+                <a16:creationId xmlns="" xmlns:a16="http://schemas.microsoft.com/office/drawing/2014/main" id="{39CC8DA2-A092-4AFC-9C20-45C1F53C56BB}"/>
               </a:ext>
             </a:extLst>
           </p:cNvPr>
@@ -8005,7 +8006,7 @@
           <p:cNvPr id="2" name="Title 1">
             <a:extLst>
               <a:ext uri="{FF2B5EF4-FFF2-40B4-BE49-F238E27FC236}">
-                <a16:creationId xmlns:a16="http://schemas.microsoft.com/office/drawing/2014/main" xmlns="" id="{4A61527B-9757-4419-BE21-3DFCFE7249B6}"/>
+                <a16:creationId xmlns="" xmlns:a16="http://schemas.microsoft.com/office/drawing/2014/main" id="{4A61527B-9757-4419-BE21-3DFCFE7249B6}"/>
               </a:ext>
             </a:extLst>
           </p:cNvPr>
@@ -8042,7 +8043,7 @@
           <p:cNvPr id="3" name="Content Placeholder 2">
             <a:extLst>
               <a:ext uri="{FF2B5EF4-FFF2-40B4-BE49-F238E27FC236}">
-                <a16:creationId xmlns:a16="http://schemas.microsoft.com/office/drawing/2014/main" xmlns="" id="{A9EFCCD0-D5F9-45E4-9468-65E19A840894}"/>
+                <a16:creationId xmlns="" xmlns:a16="http://schemas.microsoft.com/office/drawing/2014/main" id="{A9EFCCD0-D5F9-45E4-9468-65E19A840894}"/>
               </a:ext>
             </a:extLst>
           </p:cNvPr>
@@ -8132,7 +8133,7 @@
           <p:cNvPr id="4" name="Text Placeholder 3">
             <a:extLst>
               <a:ext uri="{FF2B5EF4-FFF2-40B4-BE49-F238E27FC236}">
-                <a16:creationId xmlns:a16="http://schemas.microsoft.com/office/drawing/2014/main" xmlns="" id="{06968D0D-8FF2-488E-B193-3E5E27B5B317}"/>
+                <a16:creationId xmlns="" xmlns:a16="http://schemas.microsoft.com/office/drawing/2014/main" id="{06968D0D-8FF2-488E-B193-3E5E27B5B317}"/>
               </a:ext>
             </a:extLst>
           </p:cNvPr>
@@ -8203,7 +8204,7 @@
           <p:cNvPr id="5" name="Date Placeholder 4">
             <a:extLst>
               <a:ext uri="{FF2B5EF4-FFF2-40B4-BE49-F238E27FC236}">
-                <a16:creationId xmlns:a16="http://schemas.microsoft.com/office/drawing/2014/main" xmlns="" id="{87D37CBA-C94F-4678-A3EF-5FEB64E3FAFD}"/>
+                <a16:creationId xmlns="" xmlns:a16="http://schemas.microsoft.com/office/drawing/2014/main" id="{87D37CBA-C94F-4678-A3EF-5FEB64E3FAFD}"/>
               </a:ext>
             </a:extLst>
           </p:cNvPr>
@@ -8232,7 +8233,7 @@
           <p:cNvPr id="6" name="Footer Placeholder 5">
             <a:extLst>
               <a:ext uri="{FF2B5EF4-FFF2-40B4-BE49-F238E27FC236}">
-                <a16:creationId xmlns:a16="http://schemas.microsoft.com/office/drawing/2014/main" xmlns="" id="{D63AFA71-4FD8-4E66-8471-80DEF4426579}"/>
+                <a16:creationId xmlns="" xmlns:a16="http://schemas.microsoft.com/office/drawing/2014/main" id="{D63AFA71-4FD8-4E66-8471-80DEF4426579}"/>
               </a:ext>
             </a:extLst>
           </p:cNvPr>
@@ -8257,7 +8258,7 @@
           <p:cNvPr id="7" name="Slide Number Placeholder 6">
             <a:extLst>
               <a:ext uri="{FF2B5EF4-FFF2-40B4-BE49-F238E27FC236}">
-                <a16:creationId xmlns:a16="http://schemas.microsoft.com/office/drawing/2014/main" xmlns="" id="{AFEF1FBF-74A6-4C8A-997D-5E2F53AB027D}"/>
+                <a16:creationId xmlns="" xmlns:a16="http://schemas.microsoft.com/office/drawing/2014/main" id="{AFEF1FBF-74A6-4C8A-997D-5E2F53AB027D}"/>
               </a:ext>
             </a:extLst>
           </p:cNvPr>
@@ -8316,7 +8317,7 @@
           <p:cNvPr id="2" name="Title 1">
             <a:extLst>
               <a:ext uri="{FF2B5EF4-FFF2-40B4-BE49-F238E27FC236}">
-                <a16:creationId xmlns:a16="http://schemas.microsoft.com/office/drawing/2014/main" xmlns="" id="{AFFE21E4-E7FC-49F3-A141-3A70032CBE78}"/>
+                <a16:creationId xmlns="" xmlns:a16="http://schemas.microsoft.com/office/drawing/2014/main" id="{AFFE21E4-E7FC-49F3-A141-3A70032CBE78}"/>
               </a:ext>
             </a:extLst>
           </p:cNvPr>
@@ -8353,7 +8354,7 @@
           <p:cNvPr id="3" name="Picture Placeholder 2">
             <a:extLst>
               <a:ext uri="{FF2B5EF4-FFF2-40B4-BE49-F238E27FC236}">
-                <a16:creationId xmlns:a16="http://schemas.microsoft.com/office/drawing/2014/main" xmlns="" id="{9928D29D-6988-4033-BA80-4C127CEF67D7}"/>
+                <a16:creationId xmlns="" xmlns:a16="http://schemas.microsoft.com/office/drawing/2014/main" id="{9928D29D-6988-4033-BA80-4C127CEF67D7}"/>
               </a:ext>
             </a:extLst>
           </p:cNvPr>
@@ -8420,7 +8421,7 @@
           <p:cNvPr id="4" name="Text Placeholder 3">
             <a:extLst>
               <a:ext uri="{FF2B5EF4-FFF2-40B4-BE49-F238E27FC236}">
-                <a16:creationId xmlns:a16="http://schemas.microsoft.com/office/drawing/2014/main" xmlns="" id="{F1A3F877-D929-46CD-9A5D-83EBA5AAA244}"/>
+                <a16:creationId xmlns="" xmlns:a16="http://schemas.microsoft.com/office/drawing/2014/main" id="{F1A3F877-D929-46CD-9A5D-83EBA5AAA244}"/>
               </a:ext>
             </a:extLst>
           </p:cNvPr>
@@ -8491,7 +8492,7 @@
           <p:cNvPr id="5" name="Date Placeholder 4">
             <a:extLst>
               <a:ext uri="{FF2B5EF4-FFF2-40B4-BE49-F238E27FC236}">
-                <a16:creationId xmlns:a16="http://schemas.microsoft.com/office/drawing/2014/main" xmlns="" id="{21DF4239-8B79-4455-8930-8C8072AE773D}"/>
+                <a16:creationId xmlns="" xmlns:a16="http://schemas.microsoft.com/office/drawing/2014/main" id="{21DF4239-8B79-4455-8930-8C8072AE773D}"/>
               </a:ext>
             </a:extLst>
           </p:cNvPr>
@@ -8520,7 +8521,7 @@
           <p:cNvPr id="6" name="Footer Placeholder 5">
             <a:extLst>
               <a:ext uri="{FF2B5EF4-FFF2-40B4-BE49-F238E27FC236}">
-                <a16:creationId xmlns:a16="http://schemas.microsoft.com/office/drawing/2014/main" xmlns="" id="{B6C0A30A-221A-475F-8BF3-13AE2102CAD4}"/>
+                <a16:creationId xmlns="" xmlns:a16="http://schemas.microsoft.com/office/drawing/2014/main" id="{B6C0A30A-221A-475F-8BF3-13AE2102CAD4}"/>
               </a:ext>
             </a:extLst>
           </p:cNvPr>
@@ -8545,7 +8546,7 @@
           <p:cNvPr id="7" name="Slide Number Placeholder 6">
             <a:extLst>
               <a:ext uri="{FF2B5EF4-FFF2-40B4-BE49-F238E27FC236}">
-                <a16:creationId xmlns:a16="http://schemas.microsoft.com/office/drawing/2014/main" xmlns="" id="{AFB30B1F-EFA7-4585-8EC9-DC2434285961}"/>
+                <a16:creationId xmlns="" xmlns:a16="http://schemas.microsoft.com/office/drawing/2014/main" id="{AFB30B1F-EFA7-4585-8EC9-DC2434285961}"/>
               </a:ext>
             </a:extLst>
           </p:cNvPr>
@@ -8609,7 +8610,7 @@
           <p:cNvPr id="2" name="Title Placeholder 1">
             <a:extLst>
               <a:ext uri="{FF2B5EF4-FFF2-40B4-BE49-F238E27FC236}">
-                <a16:creationId xmlns:a16="http://schemas.microsoft.com/office/drawing/2014/main" xmlns="" id="{1F3C0DD7-8B18-4F57-BDEA-13899A3AD231}"/>
+                <a16:creationId xmlns="" xmlns:a16="http://schemas.microsoft.com/office/drawing/2014/main" id="{1F3C0DD7-8B18-4F57-BDEA-13899A3AD231}"/>
               </a:ext>
             </a:extLst>
           </p:cNvPr>
@@ -8647,7 +8648,7 @@
           <p:cNvPr id="3" name="Text Placeholder 2">
             <a:extLst>
               <a:ext uri="{FF2B5EF4-FFF2-40B4-BE49-F238E27FC236}">
-                <a16:creationId xmlns:a16="http://schemas.microsoft.com/office/drawing/2014/main" xmlns="" id="{FAFB3DB6-17FA-4807-9B78-2F036E651377}"/>
+                <a16:creationId xmlns="" xmlns:a16="http://schemas.microsoft.com/office/drawing/2014/main" id="{FAFB3DB6-17FA-4807-9B78-2F036E651377}"/>
               </a:ext>
             </a:extLst>
           </p:cNvPr>
@@ -8714,7 +8715,7 @@
           <p:cNvPr id="4" name="Date Placeholder 3">
             <a:extLst>
               <a:ext uri="{FF2B5EF4-FFF2-40B4-BE49-F238E27FC236}">
-                <a16:creationId xmlns:a16="http://schemas.microsoft.com/office/drawing/2014/main" xmlns="" id="{9DF7E194-2133-4AC1-AF6A-BCC7111CFB15}"/>
+                <a16:creationId xmlns="" xmlns:a16="http://schemas.microsoft.com/office/drawing/2014/main" id="{9DF7E194-2133-4AC1-AF6A-BCC7111CFB15}"/>
               </a:ext>
             </a:extLst>
           </p:cNvPr>
@@ -8761,7 +8762,7 @@
           <p:cNvPr id="5" name="Footer Placeholder 4">
             <a:extLst>
               <a:ext uri="{FF2B5EF4-FFF2-40B4-BE49-F238E27FC236}">
-                <a16:creationId xmlns:a16="http://schemas.microsoft.com/office/drawing/2014/main" xmlns="" id="{5B58CACF-D692-44A0-956B-B3E39D22DBC8}"/>
+                <a16:creationId xmlns="" xmlns:a16="http://schemas.microsoft.com/office/drawing/2014/main" id="{5B58CACF-D692-44A0-956B-B3E39D22DBC8}"/>
               </a:ext>
             </a:extLst>
           </p:cNvPr>
@@ -8804,7 +8805,7 @@
           <p:cNvPr id="6" name="Slide Number Placeholder 5">
             <a:extLst>
               <a:ext uri="{FF2B5EF4-FFF2-40B4-BE49-F238E27FC236}">
-                <a16:creationId xmlns:a16="http://schemas.microsoft.com/office/drawing/2014/main" xmlns="" id="{62F954C0-E18B-4039-B1F7-D3979EDD43B6}"/>
+                <a16:creationId xmlns="" xmlns:a16="http://schemas.microsoft.com/office/drawing/2014/main" id="{62F954C0-E18B-4039-B1F7-D3979EDD43B6}"/>
               </a:ext>
             </a:extLst>
           </p:cNvPr>
@@ -9172,7 +9173,7 @@
           <p:cNvPr id="5" name="Picture 4" descr="A close up of a sign&#10;&#10;Description generated with high confidence">
             <a:extLst>
               <a:ext uri="{FF2B5EF4-FFF2-40B4-BE49-F238E27FC236}">
-                <a16:creationId xmlns:a16="http://schemas.microsoft.com/office/drawing/2014/main" xmlns="" id="{5E139E57-5F91-45C5-888F-43D9F9D6E453}"/>
+                <a16:creationId xmlns="" xmlns:a16="http://schemas.microsoft.com/office/drawing/2014/main" id="{5E139E57-5F91-45C5-888F-43D9F9D6E453}"/>
               </a:ext>
             </a:extLst>
           </p:cNvPr>
@@ -9207,7 +9208,7 @@
           <p:cNvPr id="11" name="Straight Connector 10">
             <a:extLst>
               <a:ext uri="{FF2B5EF4-FFF2-40B4-BE49-F238E27FC236}">
-                <a16:creationId xmlns:a16="http://schemas.microsoft.com/office/drawing/2014/main" xmlns="" id="{2146B420-36A0-4D0B-9233-827F6EE145CA}"/>
+                <a16:creationId xmlns="" xmlns:a16="http://schemas.microsoft.com/office/drawing/2014/main" id="{2146B420-36A0-4D0B-9233-827F6EE145CA}"/>
               </a:ext>
             </a:extLst>
           </p:cNvPr>
@@ -9248,7 +9249,7 @@
           <p:cNvPr id="12" name="Straight Connector 11">
             <a:extLst>
               <a:ext uri="{FF2B5EF4-FFF2-40B4-BE49-F238E27FC236}">
-                <a16:creationId xmlns:a16="http://schemas.microsoft.com/office/drawing/2014/main" xmlns="" id="{03AF7267-76D1-4929-9C05-18730E59F6DC}"/>
+                <a16:creationId xmlns="" xmlns:a16="http://schemas.microsoft.com/office/drawing/2014/main" id="{03AF7267-76D1-4929-9C05-18730E59F6DC}"/>
               </a:ext>
             </a:extLst>
           </p:cNvPr>
@@ -9291,7 +9292,7 @@
           <p:cNvPr id="14" name="Straight Connector 13">
             <a:extLst>
               <a:ext uri="{FF2B5EF4-FFF2-40B4-BE49-F238E27FC236}">
-                <a16:creationId xmlns:a16="http://schemas.microsoft.com/office/drawing/2014/main" xmlns="" id="{61BF793F-536F-4B18-9FB4-A58DA6AD4ADB}"/>
+                <a16:creationId xmlns="" xmlns:a16="http://schemas.microsoft.com/office/drawing/2014/main" id="{61BF793F-536F-4B18-9FB4-A58DA6AD4ADB}"/>
               </a:ext>
             </a:extLst>
           </p:cNvPr>
@@ -9334,7 +9335,7 @@
           <p:cNvPr id="16" name="Isosceles Triangle 15">
             <a:extLst>
               <a:ext uri="{FF2B5EF4-FFF2-40B4-BE49-F238E27FC236}">
-                <a16:creationId xmlns:a16="http://schemas.microsoft.com/office/drawing/2014/main" xmlns="" id="{BF9E7EFB-0E75-4EE6-AB73-DDA9454A8F98}"/>
+                <a16:creationId xmlns="" xmlns:a16="http://schemas.microsoft.com/office/drawing/2014/main" id="{BF9E7EFB-0E75-4EE6-AB73-DDA9454A8F98}"/>
               </a:ext>
             </a:extLst>
           </p:cNvPr>
@@ -9383,7 +9384,7 @@
           <p:cNvPr id="17" name="Straight Connector 16">
             <a:extLst>
               <a:ext uri="{FF2B5EF4-FFF2-40B4-BE49-F238E27FC236}">
-                <a16:creationId xmlns:a16="http://schemas.microsoft.com/office/drawing/2014/main" xmlns="" id="{1594C0D8-8E64-4876-8F3C-748597D9FF39}"/>
+                <a16:creationId xmlns="" xmlns:a16="http://schemas.microsoft.com/office/drawing/2014/main" id="{1594C0D8-8E64-4876-8F3C-748597D9FF39}"/>
               </a:ext>
             </a:extLst>
           </p:cNvPr>
@@ -9426,7 +9427,7 @@
           <p:cNvPr id="18" name="Straight Connector 17">
             <a:extLst>
               <a:ext uri="{FF2B5EF4-FFF2-40B4-BE49-F238E27FC236}">
-                <a16:creationId xmlns:a16="http://schemas.microsoft.com/office/drawing/2014/main" xmlns="" id="{060AA773-EF53-4CD0-8A3C-784BC7EDBB09}"/>
+                <a16:creationId xmlns="" xmlns:a16="http://schemas.microsoft.com/office/drawing/2014/main" id="{060AA773-EF53-4CD0-8A3C-784BC7EDBB09}"/>
               </a:ext>
             </a:extLst>
           </p:cNvPr>
@@ -9469,7 +9470,7 @@
           <p:cNvPr id="19" name="Straight Connector 18">
             <a:extLst>
               <a:ext uri="{FF2B5EF4-FFF2-40B4-BE49-F238E27FC236}">
-                <a16:creationId xmlns:a16="http://schemas.microsoft.com/office/drawing/2014/main" xmlns="" id="{FE27CC4F-B2BD-41C7-9429-7DF91BA15CAE}"/>
+                <a16:creationId xmlns="" xmlns:a16="http://schemas.microsoft.com/office/drawing/2014/main" id="{FE27CC4F-B2BD-41C7-9429-7DF91BA15CAE}"/>
               </a:ext>
             </a:extLst>
           </p:cNvPr>
@@ -9512,7 +9513,7 @@
           <p:cNvPr id="20" name="Straight Connector 19">
             <a:extLst>
               <a:ext uri="{FF2B5EF4-FFF2-40B4-BE49-F238E27FC236}">
-                <a16:creationId xmlns:a16="http://schemas.microsoft.com/office/drawing/2014/main" xmlns="" id="{8FC490E3-B524-43B0-BA7D-480E3A448CA2}"/>
+                <a16:creationId xmlns="" xmlns:a16="http://schemas.microsoft.com/office/drawing/2014/main" id="{8FC490E3-B524-43B0-BA7D-480E3A448CA2}"/>
               </a:ext>
             </a:extLst>
           </p:cNvPr>
@@ -9553,7 +9554,7 @@
           <p:cNvPr id="21" name="Straight Connector 20">
             <a:extLst>
               <a:ext uri="{FF2B5EF4-FFF2-40B4-BE49-F238E27FC236}">
-                <a16:creationId xmlns:a16="http://schemas.microsoft.com/office/drawing/2014/main" xmlns="" id="{8B206D0E-E433-473D-BD17-9F8223FA8A78}"/>
+                <a16:creationId xmlns="" xmlns:a16="http://schemas.microsoft.com/office/drawing/2014/main" id="{8B206D0E-E433-473D-BD17-9F8223FA8A78}"/>
               </a:ext>
             </a:extLst>
           </p:cNvPr>
@@ -9596,7 +9597,7 @@
           <p:cNvPr id="22" name="Straight Connector 21">
             <a:extLst>
               <a:ext uri="{FF2B5EF4-FFF2-40B4-BE49-F238E27FC236}">
-                <a16:creationId xmlns:a16="http://schemas.microsoft.com/office/drawing/2014/main" xmlns="" id="{6789F2F8-071F-49AC-B83C-4A8F267D4B27}"/>
+                <a16:creationId xmlns="" xmlns:a16="http://schemas.microsoft.com/office/drawing/2014/main" id="{6789F2F8-071F-49AC-B83C-4A8F267D4B27}"/>
               </a:ext>
             </a:extLst>
           </p:cNvPr>
@@ -9639,7 +9640,7 @@
           <p:cNvPr id="23" name="Rectangle 22">
             <a:extLst>
               <a:ext uri="{FF2B5EF4-FFF2-40B4-BE49-F238E27FC236}">
-                <a16:creationId xmlns:a16="http://schemas.microsoft.com/office/drawing/2014/main" xmlns="" id="{F1D0F582-6136-46AF-9D2E-F863BFE7A794}"/>
+                <a16:creationId xmlns="" xmlns:a16="http://schemas.microsoft.com/office/drawing/2014/main" id="{F1D0F582-6136-46AF-9D2E-F863BFE7A794}"/>
               </a:ext>
             </a:extLst>
           </p:cNvPr>
@@ -9691,7 +9692,7 @@
           <p:cNvPr id="25" name="Straight Connector 24">
             <a:extLst>
               <a:ext uri="{FF2B5EF4-FFF2-40B4-BE49-F238E27FC236}">
-                <a16:creationId xmlns:a16="http://schemas.microsoft.com/office/drawing/2014/main" xmlns="" id="{74EA430B-5D80-4466-B1FE-AE4CE4D84167}"/>
+                <a16:creationId xmlns="" xmlns:a16="http://schemas.microsoft.com/office/drawing/2014/main" id="{74EA430B-5D80-4466-B1FE-AE4CE4D84167}"/>
               </a:ext>
             </a:extLst>
           </p:cNvPr>
@@ -9734,7 +9735,7 @@
           <p:cNvPr id="26" name="Straight Connector 25">
             <a:extLst>
               <a:ext uri="{FF2B5EF4-FFF2-40B4-BE49-F238E27FC236}">
-                <a16:creationId xmlns:a16="http://schemas.microsoft.com/office/drawing/2014/main" xmlns="" id="{2F726E7E-679F-4201-BEA1-CF1B3DE568C8}"/>
+                <a16:creationId xmlns="" xmlns:a16="http://schemas.microsoft.com/office/drawing/2014/main" id="{2F726E7E-679F-4201-BEA1-CF1B3DE568C8}"/>
               </a:ext>
             </a:extLst>
           </p:cNvPr>
@@ -9777,7 +9778,7 @@
           <p:cNvPr id="28" name="Isosceles Triangle 27">
             <a:extLst>
               <a:ext uri="{FF2B5EF4-FFF2-40B4-BE49-F238E27FC236}">
-                <a16:creationId xmlns:a16="http://schemas.microsoft.com/office/drawing/2014/main" xmlns="" id="{627EA443-A12F-4877-9DE5-D3B72D6A09D8}"/>
+                <a16:creationId xmlns="" xmlns:a16="http://schemas.microsoft.com/office/drawing/2014/main" id="{627EA443-A12F-4877-9DE5-D3B72D6A09D8}"/>
               </a:ext>
             </a:extLst>
           </p:cNvPr>
@@ -9829,7 +9830,7 @@
           <p:cNvPr id="29" name="Rectangle 28">
             <a:extLst>
               <a:ext uri="{FF2B5EF4-FFF2-40B4-BE49-F238E27FC236}">
-                <a16:creationId xmlns:a16="http://schemas.microsoft.com/office/drawing/2014/main" xmlns="" id="{AC13F99A-D701-417E-B959-D72E7AFDA05C}"/>
+                <a16:creationId xmlns="" xmlns:a16="http://schemas.microsoft.com/office/drawing/2014/main" id="{AC13F99A-D701-417E-B959-D72E7AFDA05C}"/>
               </a:ext>
             </a:extLst>
           </p:cNvPr>
@@ -9883,7 +9884,7 @@
           <p:cNvPr id="31" name="Rectangle 30">
             <a:extLst>
               <a:ext uri="{FF2B5EF4-FFF2-40B4-BE49-F238E27FC236}">
-                <a16:creationId xmlns:a16="http://schemas.microsoft.com/office/drawing/2014/main" xmlns="" id="{5FE36792-F57D-45CE-AB92-8AF5FB80FD93}"/>
+                <a16:creationId xmlns="" xmlns:a16="http://schemas.microsoft.com/office/drawing/2014/main" id="{5FE36792-F57D-45CE-AB92-8AF5FB80FD93}"/>
               </a:ext>
             </a:extLst>
           </p:cNvPr>
@@ -9935,7 +9936,7 @@
           <p:cNvPr id="32" name="Rectangle 31">
             <a:extLst>
               <a:ext uri="{FF2B5EF4-FFF2-40B4-BE49-F238E27FC236}">
-                <a16:creationId xmlns:a16="http://schemas.microsoft.com/office/drawing/2014/main" xmlns="" id="{E8AAE5DD-157B-4943-A0CC-9B5B62896E51}"/>
+                <a16:creationId xmlns="" xmlns:a16="http://schemas.microsoft.com/office/drawing/2014/main" id="{E8AAE5DD-157B-4943-A0CC-9B5B62896E51}"/>
               </a:ext>
             </a:extLst>
           </p:cNvPr>
@@ -9987,7 +9988,7 @@
           <p:cNvPr id="33" name="Straight Connector 32">
             <a:extLst>
               <a:ext uri="{FF2B5EF4-FFF2-40B4-BE49-F238E27FC236}">
-                <a16:creationId xmlns:a16="http://schemas.microsoft.com/office/drawing/2014/main" xmlns="" id="{08603C70-C519-4147-AFEF-393C21088C13}"/>
+                <a16:creationId xmlns="" xmlns:a16="http://schemas.microsoft.com/office/drawing/2014/main" id="{08603C70-C519-4147-AFEF-393C21088C13}"/>
               </a:ext>
             </a:extLst>
           </p:cNvPr>
@@ -10030,7 +10031,7 @@
           <p:cNvPr id="34" name="Straight Connector 33">
             <a:extLst>
               <a:ext uri="{FF2B5EF4-FFF2-40B4-BE49-F238E27FC236}">
-                <a16:creationId xmlns:a16="http://schemas.microsoft.com/office/drawing/2014/main" xmlns="" id="{4B2CD1CA-1859-4CA3-BF48-5DC678C65FC6}"/>
+                <a16:creationId xmlns="" xmlns:a16="http://schemas.microsoft.com/office/drawing/2014/main" id="{4B2CD1CA-1859-4CA3-BF48-5DC678C65FC6}"/>
               </a:ext>
             </a:extLst>
           </p:cNvPr>
@@ -10073,7 +10074,7 @@
           <p:cNvPr id="35" name="Isosceles Triangle 34">
             <a:extLst>
               <a:ext uri="{FF2B5EF4-FFF2-40B4-BE49-F238E27FC236}">
-                <a16:creationId xmlns:a16="http://schemas.microsoft.com/office/drawing/2014/main" xmlns="" id="{564CDA47-2D29-4911-918C-F174644AAA79}"/>
+                <a16:creationId xmlns="" xmlns:a16="http://schemas.microsoft.com/office/drawing/2014/main" id="{564CDA47-2D29-4911-918C-F174644AAA79}"/>
               </a:ext>
             </a:extLst>
           </p:cNvPr>
@@ -10125,7 +10126,7 @@
           <p:cNvPr id="36" name="Straight Connector 35">
             <a:extLst>
               <a:ext uri="{FF2B5EF4-FFF2-40B4-BE49-F238E27FC236}">
-                <a16:creationId xmlns:a16="http://schemas.microsoft.com/office/drawing/2014/main" xmlns="" id="{6A064416-6C72-48E0-916C-E8A2ACE773F7}"/>
+                <a16:creationId xmlns="" xmlns:a16="http://schemas.microsoft.com/office/drawing/2014/main" id="{6A064416-6C72-48E0-916C-E8A2ACE773F7}"/>
               </a:ext>
             </a:extLst>
           </p:cNvPr>
@@ -10168,7 +10169,7 @@
           <p:cNvPr id="37" name="Straight Connector 36">
             <a:extLst>
               <a:ext uri="{FF2B5EF4-FFF2-40B4-BE49-F238E27FC236}">
-                <a16:creationId xmlns:a16="http://schemas.microsoft.com/office/drawing/2014/main" xmlns="" id="{A43A2005-9515-47DA-A35F-A08FFB42A556}"/>
+                <a16:creationId xmlns="" xmlns:a16="http://schemas.microsoft.com/office/drawing/2014/main" id="{A43A2005-9515-47DA-A35F-A08FFB42A556}"/>
               </a:ext>
             </a:extLst>
           </p:cNvPr>
@@ -10209,7 +10210,7 @@
           <p:cNvPr id="38" name="Straight Connector 37">
             <a:extLst>
               <a:ext uri="{FF2B5EF4-FFF2-40B4-BE49-F238E27FC236}">
-                <a16:creationId xmlns:a16="http://schemas.microsoft.com/office/drawing/2014/main" xmlns="" id="{46E641BD-A504-4488-8428-7FC1549F0262}"/>
+                <a16:creationId xmlns="" xmlns:a16="http://schemas.microsoft.com/office/drawing/2014/main" id="{46E641BD-A504-4488-8428-7FC1549F0262}"/>
               </a:ext>
             </a:extLst>
           </p:cNvPr>
@@ -10252,7 +10253,7 @@
           <p:cNvPr id="39" name="Straight Connector 38">
             <a:extLst>
               <a:ext uri="{FF2B5EF4-FFF2-40B4-BE49-F238E27FC236}">
-                <a16:creationId xmlns:a16="http://schemas.microsoft.com/office/drawing/2014/main" xmlns="" id="{8736F59A-4429-4ED2-A845-0D4822D5B996}"/>
+                <a16:creationId xmlns="" xmlns:a16="http://schemas.microsoft.com/office/drawing/2014/main" id="{8736F59A-4429-4ED2-A845-0D4822D5B996}"/>
               </a:ext>
             </a:extLst>
           </p:cNvPr>
@@ -10295,7 +10296,7 @@
           <p:cNvPr id="40" name="Straight Connector 39">
             <a:extLst>
               <a:ext uri="{FF2B5EF4-FFF2-40B4-BE49-F238E27FC236}">
-                <a16:creationId xmlns:a16="http://schemas.microsoft.com/office/drawing/2014/main" xmlns="" id="{7389F5A9-4DB2-4056-9B01-52DCEE34F09C}"/>
+                <a16:creationId xmlns="" xmlns:a16="http://schemas.microsoft.com/office/drawing/2014/main" id="{7389F5A9-4DB2-4056-9B01-52DCEE34F09C}"/>
               </a:ext>
             </a:extLst>
           </p:cNvPr>
@@ -10338,7 +10339,7 @@
           <p:cNvPr id="41" name="Straight Connector 40">
             <a:extLst>
               <a:ext uri="{FF2B5EF4-FFF2-40B4-BE49-F238E27FC236}">
-                <a16:creationId xmlns:a16="http://schemas.microsoft.com/office/drawing/2014/main" xmlns="" id="{F7A23DDE-8140-48AA-A0C3-9EDD2F53D500}"/>
+                <a16:creationId xmlns="" xmlns:a16="http://schemas.microsoft.com/office/drawing/2014/main" id="{F7A23DDE-8140-48AA-A0C3-9EDD2F53D500}"/>
               </a:ext>
             </a:extLst>
           </p:cNvPr>
@@ -10381,7 +10382,7 @@
           <p:cNvPr id="42" name="Isosceles Triangle 41">
             <a:extLst>
               <a:ext uri="{FF2B5EF4-FFF2-40B4-BE49-F238E27FC236}">
-                <a16:creationId xmlns:a16="http://schemas.microsoft.com/office/drawing/2014/main" xmlns="" id="{34FC8168-A4BA-4BC5-84E2-C18E35C7508C}"/>
+                <a16:creationId xmlns="" xmlns:a16="http://schemas.microsoft.com/office/drawing/2014/main" id="{34FC8168-A4BA-4BC5-84E2-C18E35C7508C}"/>
               </a:ext>
             </a:extLst>
           </p:cNvPr>
@@ -10433,7 +10434,7 @@
           <p:cNvPr id="43" name="Straight Connector 42">
             <a:extLst>
               <a:ext uri="{FF2B5EF4-FFF2-40B4-BE49-F238E27FC236}">
-                <a16:creationId xmlns:a16="http://schemas.microsoft.com/office/drawing/2014/main" xmlns="" id="{73C00932-8375-4385-A65D-10BB10B64CB2}"/>
+                <a16:creationId xmlns="" xmlns:a16="http://schemas.microsoft.com/office/drawing/2014/main" id="{73C00932-8375-4385-A65D-10BB10B64CB2}"/>
               </a:ext>
             </a:extLst>
           </p:cNvPr>
@@ -10476,7 +10477,7 @@
           <p:cNvPr id="44" name="Straight Connector 43">
             <a:extLst>
               <a:ext uri="{FF2B5EF4-FFF2-40B4-BE49-F238E27FC236}">
-                <a16:creationId xmlns:a16="http://schemas.microsoft.com/office/drawing/2014/main" xmlns="" id="{15E1C27C-A148-4B0D-8389-B17A75E1A01E}"/>
+                <a16:creationId xmlns="" xmlns:a16="http://schemas.microsoft.com/office/drawing/2014/main" id="{15E1C27C-A148-4B0D-8389-B17A75E1A01E}"/>
               </a:ext>
             </a:extLst>
           </p:cNvPr>
@@ -10519,7 +10520,7 @@
           <p:cNvPr id="46" name="Rectangle 45">
             <a:extLst>
               <a:ext uri="{FF2B5EF4-FFF2-40B4-BE49-F238E27FC236}">
-                <a16:creationId xmlns:a16="http://schemas.microsoft.com/office/drawing/2014/main" xmlns="" id="{DEBC1EB9-152F-4411-802C-B5A50E619E56}"/>
+                <a16:creationId xmlns="" xmlns:a16="http://schemas.microsoft.com/office/drawing/2014/main" id="{DEBC1EB9-152F-4411-802C-B5A50E619E56}"/>
               </a:ext>
             </a:extLst>
           </p:cNvPr>
@@ -10571,7 +10572,7 @@
           <p:cNvPr id="47" name="Rectangle 46">
             <a:extLst>
               <a:ext uri="{FF2B5EF4-FFF2-40B4-BE49-F238E27FC236}">
-                <a16:creationId xmlns:a16="http://schemas.microsoft.com/office/drawing/2014/main" xmlns="" id="{AAF08F5B-8A11-4181-8F8C-C456818C7C66}"/>
+                <a16:creationId xmlns="" xmlns:a16="http://schemas.microsoft.com/office/drawing/2014/main" id="{AAF08F5B-8A11-4181-8F8C-C456818C7C66}"/>
               </a:ext>
             </a:extLst>
           </p:cNvPr>
@@ -10623,7 +10624,7 @@
           <p:cNvPr id="48" name="Straight Connector 47">
             <a:extLst>
               <a:ext uri="{FF2B5EF4-FFF2-40B4-BE49-F238E27FC236}">
-                <a16:creationId xmlns:a16="http://schemas.microsoft.com/office/drawing/2014/main" xmlns="" id="{688331DD-3C8F-4537-B5DB-368CA1476026}"/>
+                <a16:creationId xmlns="" xmlns:a16="http://schemas.microsoft.com/office/drawing/2014/main" id="{688331DD-3C8F-4537-B5DB-368CA1476026}"/>
               </a:ext>
             </a:extLst>
           </p:cNvPr>
@@ -10666,7 +10667,7 @@
           <p:cNvPr id="49" name="Straight Connector 48">
             <a:extLst>
               <a:ext uri="{FF2B5EF4-FFF2-40B4-BE49-F238E27FC236}">
-                <a16:creationId xmlns:a16="http://schemas.microsoft.com/office/drawing/2014/main" xmlns="" id="{52341083-F7DD-4FCE-8E27-B87B3E4E594B}"/>
+                <a16:creationId xmlns="" xmlns:a16="http://schemas.microsoft.com/office/drawing/2014/main" id="{52341083-F7DD-4FCE-8E27-B87B3E4E594B}"/>
               </a:ext>
             </a:extLst>
           </p:cNvPr>
@@ -10709,7 +10710,7 @@
           <p:cNvPr id="50" name="Isosceles Triangle 49">
             <a:extLst>
               <a:ext uri="{FF2B5EF4-FFF2-40B4-BE49-F238E27FC236}">
-                <a16:creationId xmlns:a16="http://schemas.microsoft.com/office/drawing/2014/main" xmlns="" id="{A5A94AA0-A16F-4891-8F68-454A3ABFBD8D}"/>
+                <a16:creationId xmlns="" xmlns:a16="http://schemas.microsoft.com/office/drawing/2014/main" id="{A5A94AA0-A16F-4891-8F68-454A3ABFBD8D}"/>
               </a:ext>
             </a:extLst>
           </p:cNvPr>
@@ -10761,7 +10762,7 @@
           <p:cNvPr id="51" name="Straight Connector 50">
             <a:extLst>
               <a:ext uri="{FF2B5EF4-FFF2-40B4-BE49-F238E27FC236}">
-                <a16:creationId xmlns:a16="http://schemas.microsoft.com/office/drawing/2014/main" xmlns="" id="{DBD216EE-BBB1-411A-A754-CF364B591511}"/>
+                <a16:creationId xmlns="" xmlns:a16="http://schemas.microsoft.com/office/drawing/2014/main" id="{DBD216EE-BBB1-411A-A754-CF364B591511}"/>
               </a:ext>
             </a:extLst>
           </p:cNvPr>
@@ -10804,7 +10805,7 @@
           <p:cNvPr id="52" name="Straight Connector 51">
             <a:extLst>
               <a:ext uri="{FF2B5EF4-FFF2-40B4-BE49-F238E27FC236}">
-                <a16:creationId xmlns:a16="http://schemas.microsoft.com/office/drawing/2014/main" xmlns="" id="{D683E7DD-CAF7-4CC5-B7C0-A97C9E09F996}"/>
+                <a16:creationId xmlns="" xmlns:a16="http://schemas.microsoft.com/office/drawing/2014/main" id="{D683E7DD-CAF7-4CC5-B7C0-A97C9E09F996}"/>
               </a:ext>
             </a:extLst>
           </p:cNvPr>
@@ -10847,7 +10848,7 @@
           <p:cNvPr id="53" name="Straight Connector 52">
             <a:extLst>
               <a:ext uri="{FF2B5EF4-FFF2-40B4-BE49-F238E27FC236}">
-                <a16:creationId xmlns:a16="http://schemas.microsoft.com/office/drawing/2014/main" xmlns="" id="{4C16A1BA-5353-4E15-9369-EC51457D8C12}"/>
+                <a16:creationId xmlns="" xmlns:a16="http://schemas.microsoft.com/office/drawing/2014/main" id="{4C16A1BA-5353-4E15-9369-EC51457D8C12}"/>
               </a:ext>
             </a:extLst>
           </p:cNvPr>
@@ -10890,7 +10891,7 @@
           <p:cNvPr id="54" name="Straight Connector 53">
             <a:extLst>
               <a:ext uri="{FF2B5EF4-FFF2-40B4-BE49-F238E27FC236}">
-                <a16:creationId xmlns:a16="http://schemas.microsoft.com/office/drawing/2014/main" xmlns="" id="{118039DC-6FB7-4A80-AB3D-E0678BD0FE21}"/>
+                <a16:creationId xmlns="" xmlns:a16="http://schemas.microsoft.com/office/drawing/2014/main" id="{118039DC-6FB7-4A80-AB3D-E0678BD0FE21}"/>
               </a:ext>
             </a:extLst>
           </p:cNvPr>
@@ -10933,7 +10934,7 @@
           <p:cNvPr id="55" name="Straight Connector 54">
             <a:extLst>
               <a:ext uri="{FF2B5EF4-FFF2-40B4-BE49-F238E27FC236}">
-                <a16:creationId xmlns:a16="http://schemas.microsoft.com/office/drawing/2014/main" xmlns="" id="{D6DF9E4E-B1C2-4D67-82F5-051C905FFC43}"/>
+                <a16:creationId xmlns="" xmlns:a16="http://schemas.microsoft.com/office/drawing/2014/main" id="{D6DF9E4E-B1C2-4D67-82F5-051C905FFC43}"/>
               </a:ext>
             </a:extLst>
           </p:cNvPr>
@@ -10976,7 +10977,7 @@
           <p:cNvPr id="56" name="Straight Connector 55">
             <a:extLst>
               <a:ext uri="{FF2B5EF4-FFF2-40B4-BE49-F238E27FC236}">
-                <a16:creationId xmlns:a16="http://schemas.microsoft.com/office/drawing/2014/main" xmlns="" id="{25271C66-205C-44C2-B158-16CA6C0956EA}"/>
+                <a16:creationId xmlns="" xmlns:a16="http://schemas.microsoft.com/office/drawing/2014/main" id="{25271C66-205C-44C2-B158-16CA6C0956EA}"/>
               </a:ext>
             </a:extLst>
           </p:cNvPr>
@@ -11019,7 +11020,7 @@
           <p:cNvPr id="58" name="Straight Connector 57">
             <a:extLst>
               <a:ext uri="{FF2B5EF4-FFF2-40B4-BE49-F238E27FC236}">
-                <a16:creationId xmlns:a16="http://schemas.microsoft.com/office/drawing/2014/main" xmlns="" id="{88860B99-42F3-42AA-A34B-F845AABE8707}"/>
+                <a16:creationId xmlns="" xmlns:a16="http://schemas.microsoft.com/office/drawing/2014/main" id="{88860B99-42F3-42AA-A34B-F845AABE8707}"/>
               </a:ext>
             </a:extLst>
           </p:cNvPr>
@@ -11062,7 +11063,7 @@
           <p:cNvPr id="59" name="Straight Connector 58">
             <a:extLst>
               <a:ext uri="{FF2B5EF4-FFF2-40B4-BE49-F238E27FC236}">
-                <a16:creationId xmlns:a16="http://schemas.microsoft.com/office/drawing/2014/main" xmlns="" id="{4DC06792-E418-49F2-9C3A-130CEA832025}"/>
+                <a16:creationId xmlns="" xmlns:a16="http://schemas.microsoft.com/office/drawing/2014/main" id="{4DC06792-E418-49F2-9C3A-130CEA832025}"/>
               </a:ext>
             </a:extLst>
           </p:cNvPr>
@@ -11105,7 +11106,7 @@
           <p:cNvPr id="61" name="Straight Connector 60">
             <a:extLst>
               <a:ext uri="{FF2B5EF4-FFF2-40B4-BE49-F238E27FC236}">
-                <a16:creationId xmlns:a16="http://schemas.microsoft.com/office/drawing/2014/main" xmlns="" id="{8435BA16-339D-447E-85E4-A9C6AD24AFF7}"/>
+                <a16:creationId xmlns="" xmlns:a16="http://schemas.microsoft.com/office/drawing/2014/main" id="{8435BA16-339D-447E-85E4-A9C6AD24AFF7}"/>
               </a:ext>
             </a:extLst>
           </p:cNvPr>
@@ -11148,7 +11149,7 @@
           <p:cNvPr id="66" name="Straight Connector 65">
             <a:extLst>
               <a:ext uri="{FF2B5EF4-FFF2-40B4-BE49-F238E27FC236}">
-                <a16:creationId xmlns:a16="http://schemas.microsoft.com/office/drawing/2014/main" xmlns="" id="{54632096-0FE8-40DE-A22B-F50AD3133EC9}"/>
+                <a16:creationId xmlns="" xmlns:a16="http://schemas.microsoft.com/office/drawing/2014/main" id="{54632096-0FE8-40DE-A22B-F50AD3133EC9}"/>
               </a:ext>
             </a:extLst>
           </p:cNvPr>
@@ -11191,7 +11192,7 @@
           <p:cNvPr id="67" name="Isosceles Triangle 66">
             <a:extLst>
               <a:ext uri="{FF2B5EF4-FFF2-40B4-BE49-F238E27FC236}">
-                <a16:creationId xmlns:a16="http://schemas.microsoft.com/office/drawing/2014/main" xmlns="" id="{6F9D9936-9E40-497C-A740-5CABF5667B8F}"/>
+                <a16:creationId xmlns="" xmlns:a16="http://schemas.microsoft.com/office/drawing/2014/main" id="{6F9D9936-9E40-497C-A740-5CABF5667B8F}"/>
               </a:ext>
             </a:extLst>
           </p:cNvPr>
@@ -11243,7 +11244,7 @@
           <p:cNvPr id="70" name="Straight Connector 69">
             <a:extLst>
               <a:ext uri="{FF2B5EF4-FFF2-40B4-BE49-F238E27FC236}">
-                <a16:creationId xmlns:a16="http://schemas.microsoft.com/office/drawing/2014/main" xmlns="" id="{CDD2F396-7DF1-464F-8123-BE6B1A8E5F37}"/>
+                <a16:creationId xmlns="" xmlns:a16="http://schemas.microsoft.com/office/drawing/2014/main" id="{CDD2F396-7DF1-464F-8123-BE6B1A8E5F37}"/>
               </a:ext>
             </a:extLst>
           </p:cNvPr>
@@ -11286,7 +11287,7 @@
           <p:cNvPr id="71" name="Straight Connector 70">
             <a:extLst>
               <a:ext uri="{FF2B5EF4-FFF2-40B4-BE49-F238E27FC236}">
-                <a16:creationId xmlns:a16="http://schemas.microsoft.com/office/drawing/2014/main" xmlns="" id="{5C929269-7742-47A6-8930-E3CF0E249AA3}"/>
+                <a16:creationId xmlns="" xmlns:a16="http://schemas.microsoft.com/office/drawing/2014/main" id="{5C929269-7742-47A6-8930-E3CF0E249AA3}"/>
               </a:ext>
             </a:extLst>
           </p:cNvPr>
@@ -11329,7 +11330,7 @@
           <p:cNvPr id="72" name="Isosceles Triangle 71">
             <a:extLst>
               <a:ext uri="{FF2B5EF4-FFF2-40B4-BE49-F238E27FC236}">
-                <a16:creationId xmlns:a16="http://schemas.microsoft.com/office/drawing/2014/main" xmlns="" id="{AA45AF28-810B-43E0-8A8D-F4F567664EEF}"/>
+                <a16:creationId xmlns="" xmlns:a16="http://schemas.microsoft.com/office/drawing/2014/main" id="{AA45AF28-810B-43E0-8A8D-F4F567664EEF}"/>
               </a:ext>
             </a:extLst>
           </p:cNvPr>
@@ -11378,7 +11379,7 @@
           <p:cNvPr id="73" name="Straight Connector 72">
             <a:extLst>
               <a:ext uri="{FF2B5EF4-FFF2-40B4-BE49-F238E27FC236}">
-                <a16:creationId xmlns:a16="http://schemas.microsoft.com/office/drawing/2014/main" xmlns="" id="{911015BD-4412-43F9-8F8A-61C26BDF1CA0}"/>
+                <a16:creationId xmlns="" xmlns:a16="http://schemas.microsoft.com/office/drawing/2014/main" id="{911015BD-4412-43F9-8F8A-61C26BDF1CA0}"/>
               </a:ext>
             </a:extLst>
           </p:cNvPr>
@@ -11423,7 +11424,7 @@
           <p:cNvPr id="74" name="Straight Connector 73">
             <a:extLst>
               <a:ext uri="{FF2B5EF4-FFF2-40B4-BE49-F238E27FC236}">
-                <a16:creationId xmlns:a16="http://schemas.microsoft.com/office/drawing/2014/main" xmlns="" id="{AC8AAC73-6E94-4086-9831-9B94DCF31BCF}"/>
+                <a16:creationId xmlns="" xmlns:a16="http://schemas.microsoft.com/office/drawing/2014/main" id="{AC8AAC73-6E94-4086-9831-9B94DCF31BCF}"/>
               </a:ext>
             </a:extLst>
           </p:cNvPr>
@@ -11466,7 +11467,7 @@
           <p:cNvPr id="76" name="Straight Connector 75">
             <a:extLst>
               <a:ext uri="{FF2B5EF4-FFF2-40B4-BE49-F238E27FC236}">
-                <a16:creationId xmlns:a16="http://schemas.microsoft.com/office/drawing/2014/main" xmlns="" id="{B56EAE09-B729-403E-B917-7FC011EDE45B}"/>
+                <a16:creationId xmlns="" xmlns:a16="http://schemas.microsoft.com/office/drawing/2014/main" id="{B56EAE09-B729-403E-B917-7FC011EDE45B}"/>
               </a:ext>
             </a:extLst>
           </p:cNvPr>
@@ -11509,7 +11510,7 @@
           <p:cNvPr id="77" name="Straight Connector 76">
             <a:extLst>
               <a:ext uri="{FF2B5EF4-FFF2-40B4-BE49-F238E27FC236}">
-                <a16:creationId xmlns:a16="http://schemas.microsoft.com/office/drawing/2014/main" xmlns="" id="{8F84F5DB-07BB-48E9-8597-4597025FCBBB}"/>
+                <a16:creationId xmlns="" xmlns:a16="http://schemas.microsoft.com/office/drawing/2014/main" id="{8F84F5DB-07BB-48E9-8597-4597025FCBBB}"/>
               </a:ext>
             </a:extLst>
           </p:cNvPr>
@@ -11552,7 +11553,7 @@
           <p:cNvPr id="78" name="Straight Connector 77">
             <a:extLst>
               <a:ext uri="{FF2B5EF4-FFF2-40B4-BE49-F238E27FC236}">
-                <a16:creationId xmlns:a16="http://schemas.microsoft.com/office/drawing/2014/main" xmlns="" id="{53434B5C-0921-4DBE-9DFD-DB63F84CD373}"/>
+                <a16:creationId xmlns="" xmlns:a16="http://schemas.microsoft.com/office/drawing/2014/main" id="{53434B5C-0921-4DBE-9DFD-DB63F84CD373}"/>
               </a:ext>
             </a:extLst>
           </p:cNvPr>
@@ -11595,7 +11596,7 @@
           <p:cNvPr id="79" name="Isosceles Triangle 78">
             <a:extLst>
               <a:ext uri="{FF2B5EF4-FFF2-40B4-BE49-F238E27FC236}">
-                <a16:creationId xmlns:a16="http://schemas.microsoft.com/office/drawing/2014/main" xmlns="" id="{BF2C25F6-9D1F-4B32-8DDD-434CDB0AED36}"/>
+                <a16:creationId xmlns="" xmlns:a16="http://schemas.microsoft.com/office/drawing/2014/main" id="{BF2C25F6-9D1F-4B32-8DDD-434CDB0AED36}"/>
               </a:ext>
             </a:extLst>
           </p:cNvPr>
@@ -11647,7 +11648,7 @@
           <p:cNvPr id="80" name="Straight Connector 79">
             <a:extLst>
               <a:ext uri="{FF2B5EF4-FFF2-40B4-BE49-F238E27FC236}">
-                <a16:creationId xmlns:a16="http://schemas.microsoft.com/office/drawing/2014/main" xmlns="" id="{6F7F0BCC-751B-4F40-8EE7-41BB2F98A729}"/>
+                <a16:creationId xmlns="" xmlns:a16="http://schemas.microsoft.com/office/drawing/2014/main" id="{6F7F0BCC-751B-4F40-8EE7-41BB2F98A729}"/>
               </a:ext>
             </a:extLst>
           </p:cNvPr>
@@ -11690,7 +11691,7 @@
           <p:cNvPr id="81" name="Straight Connector 80">
             <a:extLst>
               <a:ext uri="{FF2B5EF4-FFF2-40B4-BE49-F238E27FC236}">
-                <a16:creationId xmlns:a16="http://schemas.microsoft.com/office/drawing/2014/main" xmlns="" id="{4A1A71A0-1AD4-43AD-AC6F-E852D1A1F37F}"/>
+                <a16:creationId xmlns="" xmlns:a16="http://schemas.microsoft.com/office/drawing/2014/main" id="{4A1A71A0-1AD4-43AD-AC6F-E852D1A1F37F}"/>
               </a:ext>
             </a:extLst>
           </p:cNvPr>
@@ -11733,7 +11734,7 @@
           <p:cNvPr id="82" name="Rectangle 81">
             <a:extLst>
               <a:ext uri="{FF2B5EF4-FFF2-40B4-BE49-F238E27FC236}">
-                <a16:creationId xmlns:a16="http://schemas.microsoft.com/office/drawing/2014/main" xmlns="" id="{2D9A6CF3-D6FB-409C-BF62-11741E320E36}"/>
+                <a16:creationId xmlns="" xmlns:a16="http://schemas.microsoft.com/office/drawing/2014/main" id="{2D9A6CF3-D6FB-409C-BF62-11741E320E36}"/>
               </a:ext>
             </a:extLst>
           </p:cNvPr>
@@ -11787,7 +11788,7 @@
           <p:cNvPr id="83" name="Rectangle 82">
             <a:extLst>
               <a:ext uri="{FF2B5EF4-FFF2-40B4-BE49-F238E27FC236}">
-                <a16:creationId xmlns:a16="http://schemas.microsoft.com/office/drawing/2014/main" xmlns="" id="{C7CFB15B-A3BE-4BC4-A4B4-7FD5AC45B7F5}"/>
+                <a16:creationId xmlns="" xmlns:a16="http://schemas.microsoft.com/office/drawing/2014/main" id="{C7CFB15B-A3BE-4BC4-A4B4-7FD5AC45B7F5}"/>
               </a:ext>
             </a:extLst>
           </p:cNvPr>
@@ -11839,7 +11840,7 @@
           <p:cNvPr id="84" name="Straight Connector 83">
             <a:extLst>
               <a:ext uri="{FF2B5EF4-FFF2-40B4-BE49-F238E27FC236}">
-                <a16:creationId xmlns:a16="http://schemas.microsoft.com/office/drawing/2014/main" xmlns="" id="{EFEDEA9C-A228-48DF-8208-F036ACE8A2E1}"/>
+                <a16:creationId xmlns="" xmlns:a16="http://schemas.microsoft.com/office/drawing/2014/main" id="{EFEDEA9C-A228-48DF-8208-F036ACE8A2E1}"/>
               </a:ext>
             </a:extLst>
           </p:cNvPr>
@@ -11882,7 +11883,7 @@
           <p:cNvPr id="85" name="Straight Connector 84">
             <a:extLst>
               <a:ext uri="{FF2B5EF4-FFF2-40B4-BE49-F238E27FC236}">
-                <a16:creationId xmlns:a16="http://schemas.microsoft.com/office/drawing/2014/main" xmlns="" id="{0F52C2FC-8CED-4838-9D0C-D91D9CF1A543}"/>
+                <a16:creationId xmlns="" xmlns:a16="http://schemas.microsoft.com/office/drawing/2014/main" id="{0F52C2FC-8CED-4838-9D0C-D91D9CF1A543}"/>
               </a:ext>
             </a:extLst>
           </p:cNvPr>
@@ -11925,7 +11926,7 @@
           <p:cNvPr id="86" name="Isosceles Triangle 85">
             <a:extLst>
               <a:ext uri="{FF2B5EF4-FFF2-40B4-BE49-F238E27FC236}">
-                <a16:creationId xmlns:a16="http://schemas.microsoft.com/office/drawing/2014/main" xmlns="" id="{B7ED0C76-026A-4A74-ABE8-E4C0A55A7F4A}"/>
+                <a16:creationId xmlns="" xmlns:a16="http://schemas.microsoft.com/office/drawing/2014/main" id="{B7ED0C76-026A-4A74-ABE8-E4C0A55A7F4A}"/>
               </a:ext>
             </a:extLst>
           </p:cNvPr>
@@ -11977,7 +11978,7 @@
           <p:cNvPr id="87" name="Straight Connector 86">
             <a:extLst>
               <a:ext uri="{FF2B5EF4-FFF2-40B4-BE49-F238E27FC236}">
-                <a16:creationId xmlns:a16="http://schemas.microsoft.com/office/drawing/2014/main" xmlns="" id="{809D7291-5074-445C-9DE6-B86ED881E03E}"/>
+                <a16:creationId xmlns="" xmlns:a16="http://schemas.microsoft.com/office/drawing/2014/main" id="{809D7291-5074-445C-9DE6-B86ED881E03E}"/>
               </a:ext>
             </a:extLst>
           </p:cNvPr>
@@ -12020,7 +12021,7 @@
           <p:cNvPr id="88" name="Straight Connector 87">
             <a:extLst>
               <a:ext uri="{FF2B5EF4-FFF2-40B4-BE49-F238E27FC236}">
-                <a16:creationId xmlns:a16="http://schemas.microsoft.com/office/drawing/2014/main" xmlns="" id="{7E837AD0-FE98-44EC-9DBD-3D9054C815F5}"/>
+                <a16:creationId xmlns="" xmlns:a16="http://schemas.microsoft.com/office/drawing/2014/main" id="{7E837AD0-FE98-44EC-9DBD-3D9054C815F5}"/>
               </a:ext>
             </a:extLst>
           </p:cNvPr>
@@ -12061,7 +12062,7 @@
           <p:cNvPr id="89" name="Straight Connector 88">
             <a:extLst>
               <a:ext uri="{FF2B5EF4-FFF2-40B4-BE49-F238E27FC236}">
-                <a16:creationId xmlns:a16="http://schemas.microsoft.com/office/drawing/2014/main" xmlns="" id="{72621610-EF04-427B-8480-6465CF900A2D}"/>
+                <a16:creationId xmlns="" xmlns:a16="http://schemas.microsoft.com/office/drawing/2014/main" id="{72621610-EF04-427B-8480-6465CF900A2D}"/>
               </a:ext>
             </a:extLst>
           </p:cNvPr>
@@ -12104,7 +12105,7 @@
           <p:cNvPr id="90" name="Straight Connector 89">
             <a:extLst>
               <a:ext uri="{FF2B5EF4-FFF2-40B4-BE49-F238E27FC236}">
-                <a16:creationId xmlns:a16="http://schemas.microsoft.com/office/drawing/2014/main" xmlns="" id="{CDA495FD-B260-4622-9D46-A065F0966C51}"/>
+                <a16:creationId xmlns="" xmlns:a16="http://schemas.microsoft.com/office/drawing/2014/main" id="{CDA495FD-B260-4622-9D46-A065F0966C51}"/>
               </a:ext>
             </a:extLst>
           </p:cNvPr>
@@ -12147,7 +12148,7 @@
           <p:cNvPr id="91" name="Straight Connector 90">
             <a:extLst>
               <a:ext uri="{FF2B5EF4-FFF2-40B4-BE49-F238E27FC236}">
-                <a16:creationId xmlns:a16="http://schemas.microsoft.com/office/drawing/2014/main" xmlns="" id="{33A2377F-FA0B-4BFC-9859-7A4408ADD22F}"/>
+                <a16:creationId xmlns="" xmlns:a16="http://schemas.microsoft.com/office/drawing/2014/main" id="{33A2377F-FA0B-4BFC-9859-7A4408ADD22F}"/>
               </a:ext>
             </a:extLst>
           </p:cNvPr>
@@ -12190,7 +12191,7 @@
           <p:cNvPr id="92" name="Straight Connector 91">
             <a:extLst>
               <a:ext uri="{FF2B5EF4-FFF2-40B4-BE49-F238E27FC236}">
-                <a16:creationId xmlns:a16="http://schemas.microsoft.com/office/drawing/2014/main" xmlns="" id="{C0A51856-EFBE-4097-B8E6-D16972C0228F}"/>
+                <a16:creationId xmlns="" xmlns:a16="http://schemas.microsoft.com/office/drawing/2014/main" id="{C0A51856-EFBE-4097-B8E6-D16972C0228F}"/>
               </a:ext>
             </a:extLst>
           </p:cNvPr>
@@ -12233,7 +12234,7 @@
           <p:cNvPr id="93" name="Isosceles Triangle 92">
             <a:extLst>
               <a:ext uri="{FF2B5EF4-FFF2-40B4-BE49-F238E27FC236}">
-                <a16:creationId xmlns:a16="http://schemas.microsoft.com/office/drawing/2014/main" xmlns="" id="{57730D24-329A-4438-92CB-6827489E7738}"/>
+                <a16:creationId xmlns="" xmlns:a16="http://schemas.microsoft.com/office/drawing/2014/main" id="{57730D24-329A-4438-92CB-6827489E7738}"/>
               </a:ext>
             </a:extLst>
           </p:cNvPr>
@@ -12285,7 +12286,7 @@
           <p:cNvPr id="94" name="Rectangle 93">
             <a:extLst>
               <a:ext uri="{FF2B5EF4-FFF2-40B4-BE49-F238E27FC236}">
-                <a16:creationId xmlns:a16="http://schemas.microsoft.com/office/drawing/2014/main" xmlns="" id="{67736EBA-4C50-469C-B783-E517DC6751A1}"/>
+                <a16:creationId xmlns="" xmlns:a16="http://schemas.microsoft.com/office/drawing/2014/main" id="{67736EBA-4C50-469C-B783-E517DC6751A1}"/>
               </a:ext>
             </a:extLst>
           </p:cNvPr>
@@ -12337,7 +12338,7 @@
           <p:cNvPr id="95" name="Rectangle 94">
             <a:extLst>
               <a:ext uri="{FF2B5EF4-FFF2-40B4-BE49-F238E27FC236}">
-                <a16:creationId xmlns:a16="http://schemas.microsoft.com/office/drawing/2014/main" xmlns="" id="{537E6895-84BA-4C70-B885-58DC0C5645ED}"/>
+                <a16:creationId xmlns="" xmlns:a16="http://schemas.microsoft.com/office/drawing/2014/main" id="{537E6895-84BA-4C70-B885-58DC0C5645ED}"/>
               </a:ext>
             </a:extLst>
           </p:cNvPr>
@@ -12391,7 +12392,7 @@
           <p:cNvPr id="97" name="TextBox 96">
             <a:extLst>
               <a:ext uri="{FF2B5EF4-FFF2-40B4-BE49-F238E27FC236}">
-                <a16:creationId xmlns:a16="http://schemas.microsoft.com/office/drawing/2014/main" xmlns="" id="{1F306F2E-9899-49B2-AD37-2842FCB072B8}"/>
+                <a16:creationId xmlns="" xmlns:a16="http://schemas.microsoft.com/office/drawing/2014/main" id="{1F306F2E-9899-49B2-AD37-2842FCB072B8}"/>
               </a:ext>
             </a:extLst>
           </p:cNvPr>
@@ -12435,7 +12436,7 @@
           <p:cNvPr id="98" name="Straight Connector 97">
             <a:extLst>
               <a:ext uri="{FF2B5EF4-FFF2-40B4-BE49-F238E27FC236}">
-                <a16:creationId xmlns:a16="http://schemas.microsoft.com/office/drawing/2014/main" xmlns="" id="{F05920BD-1B93-4C1F-9D50-53E94ECB491B}"/>
+                <a16:creationId xmlns="" xmlns:a16="http://schemas.microsoft.com/office/drawing/2014/main" id="{F05920BD-1B93-4C1F-9D50-53E94ECB491B}"/>
               </a:ext>
             </a:extLst>
           </p:cNvPr>
@@ -12478,7 +12479,7 @@
           <p:cNvPr id="101" name="Straight Connector 100">
             <a:extLst>
               <a:ext uri="{FF2B5EF4-FFF2-40B4-BE49-F238E27FC236}">
-                <a16:creationId xmlns:a16="http://schemas.microsoft.com/office/drawing/2014/main" xmlns="" id="{A6B7171F-9D11-4250-B3B4-8B3A873B31E2}"/>
+                <a16:creationId xmlns="" xmlns:a16="http://schemas.microsoft.com/office/drawing/2014/main" id="{A6B7171F-9D11-4250-B3B4-8B3A873B31E2}"/>
               </a:ext>
             </a:extLst>
           </p:cNvPr>
@@ -12521,7 +12522,7 @@
           <p:cNvPr id="103" name="Isosceles Triangle 102">
             <a:extLst>
               <a:ext uri="{FF2B5EF4-FFF2-40B4-BE49-F238E27FC236}">
-                <a16:creationId xmlns:a16="http://schemas.microsoft.com/office/drawing/2014/main" xmlns="" id="{BDD4FF3E-017D-4F00-A5E9-A02EBB9D7B23}"/>
+                <a16:creationId xmlns="" xmlns:a16="http://schemas.microsoft.com/office/drawing/2014/main" id="{BDD4FF3E-017D-4F00-A5E9-A02EBB9D7B23}"/>
               </a:ext>
             </a:extLst>
           </p:cNvPr>
@@ -12603,7 +12604,7 @@
           <p:cNvPr id="3" name="Group 2">
             <a:extLst>
               <a:ext uri="{FF2B5EF4-FFF2-40B4-BE49-F238E27FC236}">
-                <a16:creationId xmlns:a16="http://schemas.microsoft.com/office/drawing/2014/main" xmlns="" id="{FCDE87D1-8591-4038-B6D3-70BE723EDC19}"/>
+                <a16:creationId xmlns="" xmlns:a16="http://schemas.microsoft.com/office/drawing/2014/main" id="{FCDE87D1-8591-4038-B6D3-70BE723EDC19}"/>
               </a:ext>
             </a:extLst>
           </p:cNvPr>
@@ -12623,7 +12624,7 @@
             <p:cNvPr id="11" name="Straight Connector 10">
               <a:extLst>
                 <a:ext uri="{FF2B5EF4-FFF2-40B4-BE49-F238E27FC236}">
-                  <a16:creationId xmlns:a16="http://schemas.microsoft.com/office/drawing/2014/main" xmlns="" id="{2146B420-36A0-4D0B-9233-827F6EE145CA}"/>
+                  <a16:creationId xmlns="" xmlns:a16="http://schemas.microsoft.com/office/drawing/2014/main" id="{2146B420-36A0-4D0B-9233-827F6EE145CA}"/>
                 </a:ext>
               </a:extLst>
             </p:cNvPr>
@@ -12664,7 +12665,7 @@
             <p:cNvPr id="12" name="Straight Connector 11">
               <a:extLst>
                 <a:ext uri="{FF2B5EF4-FFF2-40B4-BE49-F238E27FC236}">
-                  <a16:creationId xmlns:a16="http://schemas.microsoft.com/office/drawing/2014/main" xmlns="" id="{03AF7267-76D1-4929-9C05-18730E59F6DC}"/>
+                  <a16:creationId xmlns="" xmlns:a16="http://schemas.microsoft.com/office/drawing/2014/main" id="{03AF7267-76D1-4929-9C05-18730E59F6DC}"/>
                 </a:ext>
               </a:extLst>
             </p:cNvPr>
@@ -12707,7 +12708,7 @@
             <p:cNvPr id="16" name="Isosceles Triangle 15">
               <a:extLst>
                 <a:ext uri="{FF2B5EF4-FFF2-40B4-BE49-F238E27FC236}">
-                  <a16:creationId xmlns:a16="http://schemas.microsoft.com/office/drawing/2014/main" xmlns="" id="{BF9E7EFB-0E75-4EE6-AB73-DDA9454A8F98}"/>
+                  <a16:creationId xmlns="" xmlns:a16="http://schemas.microsoft.com/office/drawing/2014/main" id="{BF9E7EFB-0E75-4EE6-AB73-DDA9454A8F98}"/>
                 </a:ext>
               </a:extLst>
             </p:cNvPr>
@@ -12759,7 +12760,7 @@
             <p:cNvPr id="17" name="Straight Connector 16">
               <a:extLst>
                 <a:ext uri="{FF2B5EF4-FFF2-40B4-BE49-F238E27FC236}">
-                  <a16:creationId xmlns:a16="http://schemas.microsoft.com/office/drawing/2014/main" xmlns="" id="{1594C0D8-8E64-4876-8F3C-748597D9FF39}"/>
+                  <a16:creationId xmlns="" xmlns:a16="http://schemas.microsoft.com/office/drawing/2014/main" id="{1594C0D8-8E64-4876-8F3C-748597D9FF39}"/>
                 </a:ext>
               </a:extLst>
             </p:cNvPr>
@@ -12802,7 +12803,7 @@
             <p:cNvPr id="23" name="Rectangle 22">
               <a:extLst>
                 <a:ext uri="{FF2B5EF4-FFF2-40B4-BE49-F238E27FC236}">
-                  <a16:creationId xmlns:a16="http://schemas.microsoft.com/office/drawing/2014/main" xmlns="" id="{F1D0F582-6136-46AF-9D2E-F863BFE7A794}"/>
+                  <a16:creationId xmlns="" xmlns:a16="http://schemas.microsoft.com/office/drawing/2014/main" id="{F1D0F582-6136-46AF-9D2E-F863BFE7A794}"/>
                 </a:ext>
               </a:extLst>
             </p:cNvPr>
@@ -12854,7 +12855,7 @@
             <p:cNvPr id="25" name="Straight Connector 24">
               <a:extLst>
                 <a:ext uri="{FF2B5EF4-FFF2-40B4-BE49-F238E27FC236}">
-                  <a16:creationId xmlns:a16="http://schemas.microsoft.com/office/drawing/2014/main" xmlns="" id="{74EA430B-5D80-4466-B1FE-AE4CE4D84167}"/>
+                  <a16:creationId xmlns="" xmlns:a16="http://schemas.microsoft.com/office/drawing/2014/main" id="{74EA430B-5D80-4466-B1FE-AE4CE4D84167}"/>
                 </a:ext>
               </a:extLst>
             </p:cNvPr>
@@ -12897,7 +12898,7 @@
             <p:cNvPr id="26" name="Straight Connector 25">
               <a:extLst>
                 <a:ext uri="{FF2B5EF4-FFF2-40B4-BE49-F238E27FC236}">
-                  <a16:creationId xmlns:a16="http://schemas.microsoft.com/office/drawing/2014/main" xmlns="" id="{2F726E7E-679F-4201-BEA1-CF1B3DE568C8}"/>
+                  <a16:creationId xmlns="" xmlns:a16="http://schemas.microsoft.com/office/drawing/2014/main" id="{2F726E7E-679F-4201-BEA1-CF1B3DE568C8}"/>
                 </a:ext>
               </a:extLst>
             </p:cNvPr>
@@ -12940,7 +12941,7 @@
             <p:cNvPr id="28" name="Isosceles Triangle 27">
               <a:extLst>
                 <a:ext uri="{FF2B5EF4-FFF2-40B4-BE49-F238E27FC236}">
-                  <a16:creationId xmlns:a16="http://schemas.microsoft.com/office/drawing/2014/main" xmlns="" id="{627EA443-A12F-4877-9DE5-D3B72D6A09D8}"/>
+                  <a16:creationId xmlns="" xmlns:a16="http://schemas.microsoft.com/office/drawing/2014/main" id="{627EA443-A12F-4877-9DE5-D3B72D6A09D8}"/>
                 </a:ext>
               </a:extLst>
             </p:cNvPr>
@@ -12992,7 +12993,7 @@
             <p:cNvPr id="29" name="Rectangle 28">
               <a:extLst>
                 <a:ext uri="{FF2B5EF4-FFF2-40B4-BE49-F238E27FC236}">
-                  <a16:creationId xmlns:a16="http://schemas.microsoft.com/office/drawing/2014/main" xmlns="" id="{AC13F99A-D701-417E-B959-D72E7AFDA05C}"/>
+                  <a16:creationId xmlns="" xmlns:a16="http://schemas.microsoft.com/office/drawing/2014/main" id="{AC13F99A-D701-417E-B959-D72E7AFDA05C}"/>
                 </a:ext>
               </a:extLst>
             </p:cNvPr>
@@ -13046,7 +13047,7 @@
             <p:cNvPr id="66" name="Straight Connector 65">
               <a:extLst>
                 <a:ext uri="{FF2B5EF4-FFF2-40B4-BE49-F238E27FC236}">
-                  <a16:creationId xmlns:a16="http://schemas.microsoft.com/office/drawing/2014/main" xmlns="" id="{54632096-0FE8-40DE-A22B-F50AD3133EC9}"/>
+                  <a16:creationId xmlns="" xmlns:a16="http://schemas.microsoft.com/office/drawing/2014/main" id="{54632096-0FE8-40DE-A22B-F50AD3133EC9}"/>
                 </a:ext>
               </a:extLst>
             </p:cNvPr>
@@ -13089,7 +13090,7 @@
             <p:cNvPr id="74" name="Straight Connector 73">
               <a:extLst>
                 <a:ext uri="{FF2B5EF4-FFF2-40B4-BE49-F238E27FC236}">
-                  <a16:creationId xmlns:a16="http://schemas.microsoft.com/office/drawing/2014/main" xmlns="" id="{AC8AAC73-6E94-4086-9831-9B94DCF31BCF}"/>
+                  <a16:creationId xmlns="" xmlns:a16="http://schemas.microsoft.com/office/drawing/2014/main" id="{AC8AAC73-6E94-4086-9831-9B94DCF31BCF}"/>
                 </a:ext>
               </a:extLst>
             </p:cNvPr>
@@ -13132,7 +13133,7 @@
             <p:cNvPr id="94" name="Rectangle 93">
               <a:extLst>
                 <a:ext uri="{FF2B5EF4-FFF2-40B4-BE49-F238E27FC236}">
-                  <a16:creationId xmlns:a16="http://schemas.microsoft.com/office/drawing/2014/main" xmlns="" id="{67736EBA-4C50-469C-B783-E517DC6751A1}"/>
+                  <a16:creationId xmlns="" xmlns:a16="http://schemas.microsoft.com/office/drawing/2014/main" id="{67736EBA-4C50-469C-B783-E517DC6751A1}"/>
                 </a:ext>
               </a:extLst>
             </p:cNvPr>
@@ -13185,7 +13186,7 @@
           <p:cNvPr id="7" name="Group 6">
             <a:extLst>
               <a:ext uri="{FF2B5EF4-FFF2-40B4-BE49-F238E27FC236}">
-                <a16:creationId xmlns:a16="http://schemas.microsoft.com/office/drawing/2014/main" xmlns="" id="{072F9B5D-AC4E-4A95-850A-874895BEB9EA}"/>
+                <a16:creationId xmlns="" xmlns:a16="http://schemas.microsoft.com/office/drawing/2014/main" id="{072F9B5D-AC4E-4A95-850A-874895BEB9EA}"/>
               </a:ext>
             </a:extLst>
           </p:cNvPr>
@@ -13205,7 +13206,7 @@
             <p:cNvPr id="99" name="Straight Connector 98">
               <a:extLst>
                 <a:ext uri="{FF2B5EF4-FFF2-40B4-BE49-F238E27FC236}">
-                  <a16:creationId xmlns:a16="http://schemas.microsoft.com/office/drawing/2014/main" xmlns="" id="{6ECE9C8F-99BC-4746-85EA-B6AE0815D869}"/>
+                  <a16:creationId xmlns="" xmlns:a16="http://schemas.microsoft.com/office/drawing/2014/main" id="{6ECE9C8F-99BC-4746-85EA-B6AE0815D869}"/>
                 </a:ext>
               </a:extLst>
             </p:cNvPr>
@@ -13246,7 +13247,7 @@
             <p:cNvPr id="103" name="Straight Connector 102">
               <a:extLst>
                 <a:ext uri="{FF2B5EF4-FFF2-40B4-BE49-F238E27FC236}">
-                  <a16:creationId xmlns:a16="http://schemas.microsoft.com/office/drawing/2014/main" xmlns="" id="{5CA985A1-58CE-4D9C-AB62-C19FCC180D95}"/>
+                  <a16:creationId xmlns="" xmlns:a16="http://schemas.microsoft.com/office/drawing/2014/main" id="{5CA985A1-58CE-4D9C-AB62-C19FCC180D95}"/>
                 </a:ext>
               </a:extLst>
             </p:cNvPr>
@@ -13289,7 +13290,7 @@
             <p:cNvPr id="104" name="Rectangle 103">
               <a:extLst>
                 <a:ext uri="{FF2B5EF4-FFF2-40B4-BE49-F238E27FC236}">
-                  <a16:creationId xmlns:a16="http://schemas.microsoft.com/office/drawing/2014/main" xmlns="" id="{F25BA23B-F213-4A90-8EF1-8FB19F342BEE}"/>
+                  <a16:creationId xmlns="" xmlns:a16="http://schemas.microsoft.com/office/drawing/2014/main" id="{F25BA23B-F213-4A90-8EF1-8FB19F342BEE}"/>
                 </a:ext>
               </a:extLst>
             </p:cNvPr>
@@ -13341,7 +13342,7 @@
             <p:cNvPr id="105" name="Straight Connector 104">
               <a:extLst>
                 <a:ext uri="{FF2B5EF4-FFF2-40B4-BE49-F238E27FC236}">
-                  <a16:creationId xmlns:a16="http://schemas.microsoft.com/office/drawing/2014/main" xmlns="" id="{D6E838D4-6428-4010-972F-51C9D6C7C14D}"/>
+                  <a16:creationId xmlns="" xmlns:a16="http://schemas.microsoft.com/office/drawing/2014/main" id="{D6E838D4-6428-4010-972F-51C9D6C7C14D}"/>
                 </a:ext>
               </a:extLst>
             </p:cNvPr>
@@ -13384,7 +13385,7 @@
             <p:cNvPr id="106" name="Straight Connector 105">
               <a:extLst>
                 <a:ext uri="{FF2B5EF4-FFF2-40B4-BE49-F238E27FC236}">
-                  <a16:creationId xmlns:a16="http://schemas.microsoft.com/office/drawing/2014/main" xmlns="" id="{BE6ECDB1-63AC-4CF1-92E9-3450EBF930CC}"/>
+                  <a16:creationId xmlns="" xmlns:a16="http://schemas.microsoft.com/office/drawing/2014/main" id="{BE6ECDB1-63AC-4CF1-92E9-3450EBF930CC}"/>
                 </a:ext>
               </a:extLst>
             </p:cNvPr>
@@ -13427,7 +13428,7 @@
             <p:cNvPr id="107" name="Isosceles Triangle 106">
               <a:extLst>
                 <a:ext uri="{FF2B5EF4-FFF2-40B4-BE49-F238E27FC236}">
-                  <a16:creationId xmlns:a16="http://schemas.microsoft.com/office/drawing/2014/main" xmlns="" id="{16C87518-22DF-452C-9123-BED344752714}"/>
+                  <a16:creationId xmlns="" xmlns:a16="http://schemas.microsoft.com/office/drawing/2014/main" id="{16C87518-22DF-452C-9123-BED344752714}"/>
                 </a:ext>
               </a:extLst>
             </p:cNvPr>
@@ -13479,7 +13480,7 @@
             <p:cNvPr id="108" name="Rectangle 107">
               <a:extLst>
                 <a:ext uri="{FF2B5EF4-FFF2-40B4-BE49-F238E27FC236}">
-                  <a16:creationId xmlns:a16="http://schemas.microsoft.com/office/drawing/2014/main" xmlns="" id="{CF333E49-E8B0-43B3-AD76-F8135FB0C162}"/>
+                  <a16:creationId xmlns="" xmlns:a16="http://schemas.microsoft.com/office/drawing/2014/main" id="{CF333E49-E8B0-43B3-AD76-F8135FB0C162}"/>
                 </a:ext>
               </a:extLst>
             </p:cNvPr>
@@ -13533,7 +13534,7 @@
             <p:cNvPr id="109" name="Straight Connector 108">
               <a:extLst>
                 <a:ext uri="{FF2B5EF4-FFF2-40B4-BE49-F238E27FC236}">
-                  <a16:creationId xmlns:a16="http://schemas.microsoft.com/office/drawing/2014/main" xmlns="" id="{6A39D844-176B-4486-A0D2-EC5880E38AD8}"/>
+                  <a16:creationId xmlns="" xmlns:a16="http://schemas.microsoft.com/office/drawing/2014/main" id="{6A39D844-176B-4486-A0D2-EC5880E38AD8}"/>
                 </a:ext>
               </a:extLst>
             </p:cNvPr>
@@ -13576,7 +13577,7 @@
             <p:cNvPr id="110" name="Straight Connector 109">
               <a:extLst>
                 <a:ext uri="{FF2B5EF4-FFF2-40B4-BE49-F238E27FC236}">
-                  <a16:creationId xmlns:a16="http://schemas.microsoft.com/office/drawing/2014/main" xmlns="" id="{4992A096-E1A3-4D68-8B5A-8860B85E6BBE}"/>
+                  <a16:creationId xmlns="" xmlns:a16="http://schemas.microsoft.com/office/drawing/2014/main" id="{4992A096-E1A3-4D68-8B5A-8860B85E6BBE}"/>
                 </a:ext>
               </a:extLst>
             </p:cNvPr>
@@ -13619,7 +13620,7 @@
             <p:cNvPr id="111" name="Rectangle 110">
               <a:extLst>
                 <a:ext uri="{FF2B5EF4-FFF2-40B4-BE49-F238E27FC236}">
-                  <a16:creationId xmlns:a16="http://schemas.microsoft.com/office/drawing/2014/main" xmlns="" id="{49DAE2C2-25BB-4C2E-A982-D02717ECA92A}"/>
+                  <a16:creationId xmlns="" xmlns:a16="http://schemas.microsoft.com/office/drawing/2014/main" id="{49DAE2C2-25BB-4C2E-A982-D02717ECA92A}"/>
                 </a:ext>
               </a:extLst>
             </p:cNvPr>
@@ -13672,7 +13673,7 @@
           <p:cNvPr id="116" name="Rectangle 115">
             <a:extLst>
               <a:ext uri="{FF2B5EF4-FFF2-40B4-BE49-F238E27FC236}">
-                <a16:creationId xmlns:a16="http://schemas.microsoft.com/office/drawing/2014/main" xmlns="" id="{69B43366-83B4-42A8-90FF-62E2DE31B89E}"/>
+                <a16:creationId xmlns="" xmlns:a16="http://schemas.microsoft.com/office/drawing/2014/main" id="{69B43366-83B4-42A8-90FF-62E2DE31B89E}"/>
               </a:ext>
             </a:extLst>
           </p:cNvPr>
@@ -13724,7 +13725,7 @@
           <p:cNvPr id="112" name="Content Placeholder 6">
             <a:extLst>
               <a:ext uri="{FF2B5EF4-FFF2-40B4-BE49-F238E27FC236}">
-                <a16:creationId xmlns:a16="http://schemas.microsoft.com/office/drawing/2014/main" xmlns="" id="{14DEBC71-E8CF-459C-BB79-177A4BDAE8E3}"/>
+                <a16:creationId xmlns="" xmlns:a16="http://schemas.microsoft.com/office/drawing/2014/main" id="{14DEBC71-E8CF-459C-BB79-177A4BDAE8E3}"/>
               </a:ext>
             </a:extLst>
           </p:cNvPr>
@@ -13948,7 +13949,7 @@
           <p:cNvPr id="118" name="Content Placeholder 6">
             <a:extLst>
               <a:ext uri="{FF2B5EF4-FFF2-40B4-BE49-F238E27FC236}">
-                <a16:creationId xmlns:a16="http://schemas.microsoft.com/office/drawing/2014/main" xmlns="" id="{839D6536-7552-4359-88F9-930223DF034A}"/>
+                <a16:creationId xmlns="" xmlns:a16="http://schemas.microsoft.com/office/drawing/2014/main" id="{839D6536-7552-4359-88F9-930223DF034A}"/>
               </a:ext>
             </a:extLst>
           </p:cNvPr>
@@ -14167,7 +14168,7 @@
           <p:cNvPr id="4" name="Rectangle 3">
             <a:extLst>
               <a:ext uri="{FF2B5EF4-FFF2-40B4-BE49-F238E27FC236}">
-                <a16:creationId xmlns:a16="http://schemas.microsoft.com/office/drawing/2014/main" xmlns="" id="{1897429A-619D-4C7B-B04D-5BFB33E614B8}"/>
+                <a16:creationId xmlns="" xmlns:a16="http://schemas.microsoft.com/office/drawing/2014/main" id="{1897429A-619D-4C7B-B04D-5BFB33E614B8}"/>
               </a:ext>
             </a:extLst>
           </p:cNvPr>
@@ -14219,7 +14220,7 @@
           <p:cNvPr id="115" name="Content Placeholder 6">
             <a:extLst>
               <a:ext uri="{FF2B5EF4-FFF2-40B4-BE49-F238E27FC236}">
-                <a16:creationId xmlns:a16="http://schemas.microsoft.com/office/drawing/2014/main" xmlns="" id="{F0240B7A-24C1-48F7-9658-70A3D836DB6B}"/>
+                <a16:creationId xmlns="" xmlns:a16="http://schemas.microsoft.com/office/drawing/2014/main" id="{F0240B7A-24C1-48F7-9658-70A3D836DB6B}"/>
               </a:ext>
             </a:extLst>
           </p:cNvPr>
@@ -14484,7 +14485,7 @@
           <p:cNvPr id="117" name="Rectangle 116">
             <a:extLst>
               <a:ext uri="{FF2B5EF4-FFF2-40B4-BE49-F238E27FC236}">
-                <a16:creationId xmlns:a16="http://schemas.microsoft.com/office/drawing/2014/main" xmlns="" id="{AA1024E2-2E7B-4B07-86EB-68AD04C18494}"/>
+                <a16:creationId xmlns="" xmlns:a16="http://schemas.microsoft.com/office/drawing/2014/main" id="{AA1024E2-2E7B-4B07-86EB-68AD04C18494}"/>
               </a:ext>
             </a:extLst>
           </p:cNvPr>
@@ -14538,7 +14539,7 @@
           <p:cNvPr id="119" name="Content Placeholder 6">
             <a:extLst>
               <a:ext uri="{FF2B5EF4-FFF2-40B4-BE49-F238E27FC236}">
-                <a16:creationId xmlns:a16="http://schemas.microsoft.com/office/drawing/2014/main" xmlns="" id="{44CF78FC-2EFD-4735-856C-51288F21AEFE}"/>
+                <a16:creationId xmlns="" xmlns:a16="http://schemas.microsoft.com/office/drawing/2014/main" id="{44CF78FC-2EFD-4735-856C-51288F21AEFE}"/>
               </a:ext>
             </a:extLst>
           </p:cNvPr>
@@ -14860,7 +14861,7 @@
           <p:cNvPr id="3" name="Group 2">
             <a:extLst>
               <a:ext uri="{FF2B5EF4-FFF2-40B4-BE49-F238E27FC236}">
-                <a16:creationId xmlns:a16="http://schemas.microsoft.com/office/drawing/2014/main" xmlns="" id="{FCDE87D1-8591-4038-B6D3-70BE723EDC19}"/>
+                <a16:creationId xmlns="" xmlns:a16="http://schemas.microsoft.com/office/drawing/2014/main" id="{FCDE87D1-8591-4038-B6D3-70BE723EDC19}"/>
               </a:ext>
             </a:extLst>
           </p:cNvPr>
@@ -14880,7 +14881,7 @@
             <p:cNvPr id="11" name="Straight Connector 10">
               <a:extLst>
                 <a:ext uri="{FF2B5EF4-FFF2-40B4-BE49-F238E27FC236}">
-                  <a16:creationId xmlns:a16="http://schemas.microsoft.com/office/drawing/2014/main" xmlns="" id="{2146B420-36A0-4D0B-9233-827F6EE145CA}"/>
+                  <a16:creationId xmlns="" xmlns:a16="http://schemas.microsoft.com/office/drawing/2014/main" id="{2146B420-36A0-4D0B-9233-827F6EE145CA}"/>
                 </a:ext>
               </a:extLst>
             </p:cNvPr>
@@ -14921,7 +14922,7 @@
             <p:cNvPr id="12" name="Straight Connector 11">
               <a:extLst>
                 <a:ext uri="{FF2B5EF4-FFF2-40B4-BE49-F238E27FC236}">
-                  <a16:creationId xmlns:a16="http://schemas.microsoft.com/office/drawing/2014/main" xmlns="" id="{03AF7267-76D1-4929-9C05-18730E59F6DC}"/>
+                  <a16:creationId xmlns="" xmlns:a16="http://schemas.microsoft.com/office/drawing/2014/main" id="{03AF7267-76D1-4929-9C05-18730E59F6DC}"/>
                 </a:ext>
               </a:extLst>
             </p:cNvPr>
@@ -14964,7 +14965,7 @@
             <p:cNvPr id="16" name="Isosceles Triangle 15">
               <a:extLst>
                 <a:ext uri="{FF2B5EF4-FFF2-40B4-BE49-F238E27FC236}">
-                  <a16:creationId xmlns:a16="http://schemas.microsoft.com/office/drawing/2014/main" xmlns="" id="{BF9E7EFB-0E75-4EE6-AB73-DDA9454A8F98}"/>
+                  <a16:creationId xmlns="" xmlns:a16="http://schemas.microsoft.com/office/drawing/2014/main" id="{BF9E7EFB-0E75-4EE6-AB73-DDA9454A8F98}"/>
                 </a:ext>
               </a:extLst>
             </p:cNvPr>
@@ -15016,7 +15017,7 @@
             <p:cNvPr id="17" name="Straight Connector 16">
               <a:extLst>
                 <a:ext uri="{FF2B5EF4-FFF2-40B4-BE49-F238E27FC236}">
-                  <a16:creationId xmlns:a16="http://schemas.microsoft.com/office/drawing/2014/main" xmlns="" id="{1594C0D8-8E64-4876-8F3C-748597D9FF39}"/>
+                  <a16:creationId xmlns="" xmlns:a16="http://schemas.microsoft.com/office/drawing/2014/main" id="{1594C0D8-8E64-4876-8F3C-748597D9FF39}"/>
                 </a:ext>
               </a:extLst>
             </p:cNvPr>
@@ -15059,7 +15060,7 @@
             <p:cNvPr id="23" name="Rectangle 22">
               <a:extLst>
                 <a:ext uri="{FF2B5EF4-FFF2-40B4-BE49-F238E27FC236}">
-                  <a16:creationId xmlns:a16="http://schemas.microsoft.com/office/drawing/2014/main" xmlns="" id="{F1D0F582-6136-46AF-9D2E-F863BFE7A794}"/>
+                  <a16:creationId xmlns="" xmlns:a16="http://schemas.microsoft.com/office/drawing/2014/main" id="{F1D0F582-6136-46AF-9D2E-F863BFE7A794}"/>
                 </a:ext>
               </a:extLst>
             </p:cNvPr>
@@ -15111,7 +15112,7 @@
             <p:cNvPr id="25" name="Straight Connector 24">
               <a:extLst>
                 <a:ext uri="{FF2B5EF4-FFF2-40B4-BE49-F238E27FC236}">
-                  <a16:creationId xmlns:a16="http://schemas.microsoft.com/office/drawing/2014/main" xmlns="" id="{74EA430B-5D80-4466-B1FE-AE4CE4D84167}"/>
+                  <a16:creationId xmlns="" xmlns:a16="http://schemas.microsoft.com/office/drawing/2014/main" id="{74EA430B-5D80-4466-B1FE-AE4CE4D84167}"/>
                 </a:ext>
               </a:extLst>
             </p:cNvPr>
@@ -15154,7 +15155,7 @@
             <p:cNvPr id="26" name="Straight Connector 25">
               <a:extLst>
                 <a:ext uri="{FF2B5EF4-FFF2-40B4-BE49-F238E27FC236}">
-                  <a16:creationId xmlns:a16="http://schemas.microsoft.com/office/drawing/2014/main" xmlns="" id="{2F726E7E-679F-4201-BEA1-CF1B3DE568C8}"/>
+                  <a16:creationId xmlns="" xmlns:a16="http://schemas.microsoft.com/office/drawing/2014/main" id="{2F726E7E-679F-4201-BEA1-CF1B3DE568C8}"/>
                 </a:ext>
               </a:extLst>
             </p:cNvPr>
@@ -15197,7 +15198,7 @@
             <p:cNvPr id="28" name="Isosceles Triangle 27">
               <a:extLst>
                 <a:ext uri="{FF2B5EF4-FFF2-40B4-BE49-F238E27FC236}">
-                  <a16:creationId xmlns:a16="http://schemas.microsoft.com/office/drawing/2014/main" xmlns="" id="{627EA443-A12F-4877-9DE5-D3B72D6A09D8}"/>
+                  <a16:creationId xmlns="" xmlns:a16="http://schemas.microsoft.com/office/drawing/2014/main" id="{627EA443-A12F-4877-9DE5-D3B72D6A09D8}"/>
                 </a:ext>
               </a:extLst>
             </p:cNvPr>
@@ -15249,7 +15250,7 @@
             <p:cNvPr id="29" name="Rectangle 28">
               <a:extLst>
                 <a:ext uri="{FF2B5EF4-FFF2-40B4-BE49-F238E27FC236}">
-                  <a16:creationId xmlns:a16="http://schemas.microsoft.com/office/drawing/2014/main" xmlns="" id="{AC13F99A-D701-417E-B959-D72E7AFDA05C}"/>
+                  <a16:creationId xmlns="" xmlns:a16="http://schemas.microsoft.com/office/drawing/2014/main" id="{AC13F99A-D701-417E-B959-D72E7AFDA05C}"/>
                 </a:ext>
               </a:extLst>
             </p:cNvPr>
@@ -15303,7 +15304,7 @@
             <p:cNvPr id="66" name="Straight Connector 65">
               <a:extLst>
                 <a:ext uri="{FF2B5EF4-FFF2-40B4-BE49-F238E27FC236}">
-                  <a16:creationId xmlns:a16="http://schemas.microsoft.com/office/drawing/2014/main" xmlns="" id="{54632096-0FE8-40DE-A22B-F50AD3133EC9}"/>
+                  <a16:creationId xmlns="" xmlns:a16="http://schemas.microsoft.com/office/drawing/2014/main" id="{54632096-0FE8-40DE-A22B-F50AD3133EC9}"/>
                 </a:ext>
               </a:extLst>
             </p:cNvPr>
@@ -15346,7 +15347,7 @@
             <p:cNvPr id="74" name="Straight Connector 73">
               <a:extLst>
                 <a:ext uri="{FF2B5EF4-FFF2-40B4-BE49-F238E27FC236}">
-                  <a16:creationId xmlns:a16="http://schemas.microsoft.com/office/drawing/2014/main" xmlns="" id="{AC8AAC73-6E94-4086-9831-9B94DCF31BCF}"/>
+                  <a16:creationId xmlns="" xmlns:a16="http://schemas.microsoft.com/office/drawing/2014/main" id="{AC8AAC73-6E94-4086-9831-9B94DCF31BCF}"/>
                 </a:ext>
               </a:extLst>
             </p:cNvPr>
@@ -15389,7 +15390,7 @@
             <p:cNvPr id="94" name="Rectangle 93">
               <a:extLst>
                 <a:ext uri="{FF2B5EF4-FFF2-40B4-BE49-F238E27FC236}">
-                  <a16:creationId xmlns:a16="http://schemas.microsoft.com/office/drawing/2014/main" xmlns="" id="{67736EBA-4C50-469C-B783-E517DC6751A1}"/>
+                  <a16:creationId xmlns="" xmlns:a16="http://schemas.microsoft.com/office/drawing/2014/main" id="{67736EBA-4C50-469C-B783-E517DC6751A1}"/>
                 </a:ext>
               </a:extLst>
             </p:cNvPr>
@@ -15442,7 +15443,7 @@
           <p:cNvPr id="7" name="Group 6">
             <a:extLst>
               <a:ext uri="{FF2B5EF4-FFF2-40B4-BE49-F238E27FC236}">
-                <a16:creationId xmlns:a16="http://schemas.microsoft.com/office/drawing/2014/main" xmlns="" id="{072F9B5D-AC4E-4A95-850A-874895BEB9EA}"/>
+                <a16:creationId xmlns="" xmlns:a16="http://schemas.microsoft.com/office/drawing/2014/main" id="{072F9B5D-AC4E-4A95-850A-874895BEB9EA}"/>
               </a:ext>
             </a:extLst>
           </p:cNvPr>
@@ -15462,7 +15463,7 @@
             <p:cNvPr id="99" name="Straight Connector 98">
               <a:extLst>
                 <a:ext uri="{FF2B5EF4-FFF2-40B4-BE49-F238E27FC236}">
-                  <a16:creationId xmlns:a16="http://schemas.microsoft.com/office/drawing/2014/main" xmlns="" id="{6ECE9C8F-99BC-4746-85EA-B6AE0815D869}"/>
+                  <a16:creationId xmlns="" xmlns:a16="http://schemas.microsoft.com/office/drawing/2014/main" id="{6ECE9C8F-99BC-4746-85EA-B6AE0815D869}"/>
                 </a:ext>
               </a:extLst>
             </p:cNvPr>
@@ -15503,7 +15504,7 @@
             <p:cNvPr id="103" name="Straight Connector 102">
               <a:extLst>
                 <a:ext uri="{FF2B5EF4-FFF2-40B4-BE49-F238E27FC236}">
-                  <a16:creationId xmlns:a16="http://schemas.microsoft.com/office/drawing/2014/main" xmlns="" id="{5CA985A1-58CE-4D9C-AB62-C19FCC180D95}"/>
+                  <a16:creationId xmlns="" xmlns:a16="http://schemas.microsoft.com/office/drawing/2014/main" id="{5CA985A1-58CE-4D9C-AB62-C19FCC180D95}"/>
                 </a:ext>
               </a:extLst>
             </p:cNvPr>
@@ -15546,7 +15547,7 @@
             <p:cNvPr id="104" name="Rectangle 103">
               <a:extLst>
                 <a:ext uri="{FF2B5EF4-FFF2-40B4-BE49-F238E27FC236}">
-                  <a16:creationId xmlns:a16="http://schemas.microsoft.com/office/drawing/2014/main" xmlns="" id="{F25BA23B-F213-4A90-8EF1-8FB19F342BEE}"/>
+                  <a16:creationId xmlns="" xmlns:a16="http://schemas.microsoft.com/office/drawing/2014/main" id="{F25BA23B-F213-4A90-8EF1-8FB19F342BEE}"/>
                 </a:ext>
               </a:extLst>
             </p:cNvPr>
@@ -15598,7 +15599,7 @@
             <p:cNvPr id="105" name="Straight Connector 104">
               <a:extLst>
                 <a:ext uri="{FF2B5EF4-FFF2-40B4-BE49-F238E27FC236}">
-                  <a16:creationId xmlns:a16="http://schemas.microsoft.com/office/drawing/2014/main" xmlns="" id="{D6E838D4-6428-4010-972F-51C9D6C7C14D}"/>
+                  <a16:creationId xmlns="" xmlns:a16="http://schemas.microsoft.com/office/drawing/2014/main" id="{D6E838D4-6428-4010-972F-51C9D6C7C14D}"/>
                 </a:ext>
               </a:extLst>
             </p:cNvPr>
@@ -15641,7 +15642,7 @@
             <p:cNvPr id="106" name="Straight Connector 105">
               <a:extLst>
                 <a:ext uri="{FF2B5EF4-FFF2-40B4-BE49-F238E27FC236}">
-                  <a16:creationId xmlns:a16="http://schemas.microsoft.com/office/drawing/2014/main" xmlns="" id="{BE6ECDB1-63AC-4CF1-92E9-3450EBF930CC}"/>
+                  <a16:creationId xmlns="" xmlns:a16="http://schemas.microsoft.com/office/drawing/2014/main" id="{BE6ECDB1-63AC-4CF1-92E9-3450EBF930CC}"/>
                 </a:ext>
               </a:extLst>
             </p:cNvPr>
@@ -15684,7 +15685,7 @@
             <p:cNvPr id="107" name="Isosceles Triangle 106">
               <a:extLst>
                 <a:ext uri="{FF2B5EF4-FFF2-40B4-BE49-F238E27FC236}">
-                  <a16:creationId xmlns:a16="http://schemas.microsoft.com/office/drawing/2014/main" xmlns="" id="{16C87518-22DF-452C-9123-BED344752714}"/>
+                  <a16:creationId xmlns="" xmlns:a16="http://schemas.microsoft.com/office/drawing/2014/main" id="{16C87518-22DF-452C-9123-BED344752714}"/>
                 </a:ext>
               </a:extLst>
             </p:cNvPr>
@@ -15736,7 +15737,7 @@
             <p:cNvPr id="108" name="Rectangle 107">
               <a:extLst>
                 <a:ext uri="{FF2B5EF4-FFF2-40B4-BE49-F238E27FC236}">
-                  <a16:creationId xmlns:a16="http://schemas.microsoft.com/office/drawing/2014/main" xmlns="" id="{CF333E49-E8B0-43B3-AD76-F8135FB0C162}"/>
+                  <a16:creationId xmlns="" xmlns:a16="http://schemas.microsoft.com/office/drawing/2014/main" id="{CF333E49-E8B0-43B3-AD76-F8135FB0C162}"/>
                 </a:ext>
               </a:extLst>
             </p:cNvPr>
@@ -15790,7 +15791,7 @@
             <p:cNvPr id="109" name="Straight Connector 108">
               <a:extLst>
                 <a:ext uri="{FF2B5EF4-FFF2-40B4-BE49-F238E27FC236}">
-                  <a16:creationId xmlns:a16="http://schemas.microsoft.com/office/drawing/2014/main" xmlns="" id="{6A39D844-176B-4486-A0D2-EC5880E38AD8}"/>
+                  <a16:creationId xmlns="" xmlns:a16="http://schemas.microsoft.com/office/drawing/2014/main" id="{6A39D844-176B-4486-A0D2-EC5880E38AD8}"/>
                 </a:ext>
               </a:extLst>
             </p:cNvPr>
@@ -15833,7 +15834,7 @@
             <p:cNvPr id="110" name="Straight Connector 109">
               <a:extLst>
                 <a:ext uri="{FF2B5EF4-FFF2-40B4-BE49-F238E27FC236}">
-                  <a16:creationId xmlns:a16="http://schemas.microsoft.com/office/drawing/2014/main" xmlns="" id="{4992A096-E1A3-4D68-8B5A-8860B85E6BBE}"/>
+                  <a16:creationId xmlns="" xmlns:a16="http://schemas.microsoft.com/office/drawing/2014/main" id="{4992A096-E1A3-4D68-8B5A-8860B85E6BBE}"/>
                 </a:ext>
               </a:extLst>
             </p:cNvPr>
@@ -15876,7 +15877,7 @@
             <p:cNvPr id="111" name="Rectangle 110">
               <a:extLst>
                 <a:ext uri="{FF2B5EF4-FFF2-40B4-BE49-F238E27FC236}">
-                  <a16:creationId xmlns:a16="http://schemas.microsoft.com/office/drawing/2014/main" xmlns="" id="{49DAE2C2-25BB-4C2E-A982-D02717ECA92A}"/>
+                  <a16:creationId xmlns="" xmlns:a16="http://schemas.microsoft.com/office/drawing/2014/main" id="{49DAE2C2-25BB-4C2E-A982-D02717ECA92A}"/>
                 </a:ext>
               </a:extLst>
             </p:cNvPr>
@@ -15929,7 +15930,7 @@
           <p:cNvPr id="112" name="Content Placeholder 6">
             <a:extLst>
               <a:ext uri="{FF2B5EF4-FFF2-40B4-BE49-F238E27FC236}">
-                <a16:creationId xmlns:a16="http://schemas.microsoft.com/office/drawing/2014/main" xmlns="" id="{14DEBC71-E8CF-459C-BB79-177A4BDAE8E3}"/>
+                <a16:creationId xmlns="" xmlns:a16="http://schemas.microsoft.com/office/drawing/2014/main" id="{14DEBC71-E8CF-459C-BB79-177A4BDAE8E3}"/>
               </a:ext>
             </a:extLst>
           </p:cNvPr>
@@ -16138,7 +16139,7 @@
           <p:cNvPr id="5" name="Straight Connector 4">
             <a:extLst>
               <a:ext uri="{FF2B5EF4-FFF2-40B4-BE49-F238E27FC236}">
-                <a16:creationId xmlns:a16="http://schemas.microsoft.com/office/drawing/2014/main" xmlns="" id="{8C2DB7FB-9109-4887-8625-124DD9F8A881}"/>
+                <a16:creationId xmlns="" xmlns:a16="http://schemas.microsoft.com/office/drawing/2014/main" id="{8C2DB7FB-9109-4887-8625-124DD9F8A881}"/>
               </a:ext>
             </a:extLst>
           </p:cNvPr>
@@ -16383,11 +16384,7 @@
             </a:pPr>
             <a:r>
               <a:rPr lang="en-US" sz="1800" dirty="0" smtClean="0"/>
-              <a:t>Gives more control to brokers which leads to </a:t>
-            </a:r>
-            <a:r>
-              <a:rPr lang="en-US" sz="1800" dirty="0" smtClean="0"/>
-              <a:t>inflation</a:t>
+              <a:t>Gives more control to brokers which leads to inflation</a:t>
             </a:r>
           </a:p>
           <a:p>
@@ -16460,7 +16457,7 @@
           <p:cNvPr id="34" name="Content Placeholder 6">
             <a:extLst>
               <a:ext uri="{FF2B5EF4-FFF2-40B4-BE49-F238E27FC236}">
-                <a16:creationId xmlns:a16="http://schemas.microsoft.com/office/drawing/2014/main" xmlns="" id="{14DEBC71-E8CF-459C-BB79-177A4BDAE8E3}"/>
+                <a16:creationId xmlns="" xmlns:a16="http://schemas.microsoft.com/office/drawing/2014/main" id="{14DEBC71-E8CF-459C-BB79-177A4BDAE8E3}"/>
               </a:ext>
             </a:extLst>
           </p:cNvPr>
@@ -16669,7 +16666,7 @@
           <p:cNvPr id="35" name="Straight Connector 34">
             <a:extLst>
               <a:ext uri="{FF2B5EF4-FFF2-40B4-BE49-F238E27FC236}">
-                <a16:creationId xmlns:a16="http://schemas.microsoft.com/office/drawing/2014/main" xmlns="" id="{8C2DB7FB-9109-4887-8625-124DD9F8A881}"/>
+                <a16:creationId xmlns="" xmlns:a16="http://schemas.microsoft.com/office/drawing/2014/main" id="{8C2DB7FB-9109-4887-8625-124DD9F8A881}"/>
               </a:ext>
             </a:extLst>
           </p:cNvPr>
@@ -16965,7 +16962,7 @@
           <p:cNvPr id="3" name="Group 2">
             <a:extLst>
               <a:ext uri="{FF2B5EF4-FFF2-40B4-BE49-F238E27FC236}">
-                <a16:creationId xmlns:a16="http://schemas.microsoft.com/office/drawing/2014/main" xmlns="" id="{FCDE87D1-8591-4038-B6D3-70BE723EDC19}"/>
+                <a16:creationId xmlns="" xmlns:a16="http://schemas.microsoft.com/office/drawing/2014/main" id="{FCDE87D1-8591-4038-B6D3-70BE723EDC19}"/>
               </a:ext>
             </a:extLst>
           </p:cNvPr>
@@ -16985,7 +16982,7 @@
             <p:cNvPr id="11" name="Straight Connector 10">
               <a:extLst>
                 <a:ext uri="{FF2B5EF4-FFF2-40B4-BE49-F238E27FC236}">
-                  <a16:creationId xmlns:a16="http://schemas.microsoft.com/office/drawing/2014/main" xmlns="" id="{2146B420-36A0-4D0B-9233-827F6EE145CA}"/>
+                  <a16:creationId xmlns="" xmlns:a16="http://schemas.microsoft.com/office/drawing/2014/main" id="{2146B420-36A0-4D0B-9233-827F6EE145CA}"/>
                 </a:ext>
               </a:extLst>
             </p:cNvPr>
@@ -17026,7 +17023,7 @@
             <p:cNvPr id="12" name="Straight Connector 11">
               <a:extLst>
                 <a:ext uri="{FF2B5EF4-FFF2-40B4-BE49-F238E27FC236}">
-                  <a16:creationId xmlns:a16="http://schemas.microsoft.com/office/drawing/2014/main" xmlns="" id="{03AF7267-76D1-4929-9C05-18730E59F6DC}"/>
+                  <a16:creationId xmlns="" xmlns:a16="http://schemas.microsoft.com/office/drawing/2014/main" id="{03AF7267-76D1-4929-9C05-18730E59F6DC}"/>
                 </a:ext>
               </a:extLst>
             </p:cNvPr>
@@ -17069,7 +17066,7 @@
             <p:cNvPr id="16" name="Isosceles Triangle 15">
               <a:extLst>
                 <a:ext uri="{FF2B5EF4-FFF2-40B4-BE49-F238E27FC236}">
-                  <a16:creationId xmlns:a16="http://schemas.microsoft.com/office/drawing/2014/main" xmlns="" id="{BF9E7EFB-0E75-4EE6-AB73-DDA9454A8F98}"/>
+                  <a16:creationId xmlns="" xmlns:a16="http://schemas.microsoft.com/office/drawing/2014/main" id="{BF9E7EFB-0E75-4EE6-AB73-DDA9454A8F98}"/>
                 </a:ext>
               </a:extLst>
             </p:cNvPr>
@@ -17121,7 +17118,7 @@
             <p:cNvPr id="17" name="Straight Connector 16">
               <a:extLst>
                 <a:ext uri="{FF2B5EF4-FFF2-40B4-BE49-F238E27FC236}">
-                  <a16:creationId xmlns:a16="http://schemas.microsoft.com/office/drawing/2014/main" xmlns="" id="{1594C0D8-8E64-4876-8F3C-748597D9FF39}"/>
+                  <a16:creationId xmlns="" xmlns:a16="http://schemas.microsoft.com/office/drawing/2014/main" id="{1594C0D8-8E64-4876-8F3C-748597D9FF39}"/>
                 </a:ext>
               </a:extLst>
             </p:cNvPr>
@@ -17164,7 +17161,7 @@
             <p:cNvPr id="23" name="Rectangle 22">
               <a:extLst>
                 <a:ext uri="{FF2B5EF4-FFF2-40B4-BE49-F238E27FC236}">
-                  <a16:creationId xmlns:a16="http://schemas.microsoft.com/office/drawing/2014/main" xmlns="" id="{F1D0F582-6136-46AF-9D2E-F863BFE7A794}"/>
+                  <a16:creationId xmlns="" xmlns:a16="http://schemas.microsoft.com/office/drawing/2014/main" id="{F1D0F582-6136-46AF-9D2E-F863BFE7A794}"/>
                 </a:ext>
               </a:extLst>
             </p:cNvPr>
@@ -17216,7 +17213,7 @@
             <p:cNvPr id="25" name="Straight Connector 24">
               <a:extLst>
                 <a:ext uri="{FF2B5EF4-FFF2-40B4-BE49-F238E27FC236}">
-                  <a16:creationId xmlns:a16="http://schemas.microsoft.com/office/drawing/2014/main" xmlns="" id="{74EA430B-5D80-4466-B1FE-AE4CE4D84167}"/>
+                  <a16:creationId xmlns="" xmlns:a16="http://schemas.microsoft.com/office/drawing/2014/main" id="{74EA430B-5D80-4466-B1FE-AE4CE4D84167}"/>
                 </a:ext>
               </a:extLst>
             </p:cNvPr>
@@ -17259,7 +17256,7 @@
             <p:cNvPr id="26" name="Straight Connector 25">
               <a:extLst>
                 <a:ext uri="{FF2B5EF4-FFF2-40B4-BE49-F238E27FC236}">
-                  <a16:creationId xmlns:a16="http://schemas.microsoft.com/office/drawing/2014/main" xmlns="" id="{2F726E7E-679F-4201-BEA1-CF1B3DE568C8}"/>
+                  <a16:creationId xmlns="" xmlns:a16="http://schemas.microsoft.com/office/drawing/2014/main" id="{2F726E7E-679F-4201-BEA1-CF1B3DE568C8}"/>
                 </a:ext>
               </a:extLst>
             </p:cNvPr>
@@ -17302,7 +17299,7 @@
             <p:cNvPr id="28" name="Isosceles Triangle 27">
               <a:extLst>
                 <a:ext uri="{FF2B5EF4-FFF2-40B4-BE49-F238E27FC236}">
-                  <a16:creationId xmlns:a16="http://schemas.microsoft.com/office/drawing/2014/main" xmlns="" id="{627EA443-A12F-4877-9DE5-D3B72D6A09D8}"/>
+                  <a16:creationId xmlns="" xmlns:a16="http://schemas.microsoft.com/office/drawing/2014/main" id="{627EA443-A12F-4877-9DE5-D3B72D6A09D8}"/>
                 </a:ext>
               </a:extLst>
             </p:cNvPr>
@@ -17354,7 +17351,7 @@
             <p:cNvPr id="29" name="Rectangle 28">
               <a:extLst>
                 <a:ext uri="{FF2B5EF4-FFF2-40B4-BE49-F238E27FC236}">
-                  <a16:creationId xmlns:a16="http://schemas.microsoft.com/office/drawing/2014/main" xmlns="" id="{AC13F99A-D701-417E-B959-D72E7AFDA05C}"/>
+                  <a16:creationId xmlns="" xmlns:a16="http://schemas.microsoft.com/office/drawing/2014/main" id="{AC13F99A-D701-417E-B959-D72E7AFDA05C}"/>
                 </a:ext>
               </a:extLst>
             </p:cNvPr>
@@ -17408,7 +17405,7 @@
             <p:cNvPr id="66" name="Straight Connector 65">
               <a:extLst>
                 <a:ext uri="{FF2B5EF4-FFF2-40B4-BE49-F238E27FC236}">
-                  <a16:creationId xmlns:a16="http://schemas.microsoft.com/office/drawing/2014/main" xmlns="" id="{54632096-0FE8-40DE-A22B-F50AD3133EC9}"/>
+                  <a16:creationId xmlns="" xmlns:a16="http://schemas.microsoft.com/office/drawing/2014/main" id="{54632096-0FE8-40DE-A22B-F50AD3133EC9}"/>
                 </a:ext>
               </a:extLst>
             </p:cNvPr>
@@ -17451,7 +17448,7 @@
             <p:cNvPr id="74" name="Straight Connector 73">
               <a:extLst>
                 <a:ext uri="{FF2B5EF4-FFF2-40B4-BE49-F238E27FC236}">
-                  <a16:creationId xmlns:a16="http://schemas.microsoft.com/office/drawing/2014/main" xmlns="" id="{AC8AAC73-6E94-4086-9831-9B94DCF31BCF}"/>
+                  <a16:creationId xmlns="" xmlns:a16="http://schemas.microsoft.com/office/drawing/2014/main" id="{AC8AAC73-6E94-4086-9831-9B94DCF31BCF}"/>
                 </a:ext>
               </a:extLst>
             </p:cNvPr>
@@ -17494,7 +17491,7 @@
             <p:cNvPr id="94" name="Rectangle 93">
               <a:extLst>
                 <a:ext uri="{FF2B5EF4-FFF2-40B4-BE49-F238E27FC236}">
-                  <a16:creationId xmlns:a16="http://schemas.microsoft.com/office/drawing/2014/main" xmlns="" id="{67736EBA-4C50-469C-B783-E517DC6751A1}"/>
+                  <a16:creationId xmlns="" xmlns:a16="http://schemas.microsoft.com/office/drawing/2014/main" id="{67736EBA-4C50-469C-B783-E517DC6751A1}"/>
                 </a:ext>
               </a:extLst>
             </p:cNvPr>
@@ -17547,7 +17544,7 @@
           <p:cNvPr id="7" name="Group 6">
             <a:extLst>
               <a:ext uri="{FF2B5EF4-FFF2-40B4-BE49-F238E27FC236}">
-                <a16:creationId xmlns:a16="http://schemas.microsoft.com/office/drawing/2014/main" xmlns="" id="{072F9B5D-AC4E-4A95-850A-874895BEB9EA}"/>
+                <a16:creationId xmlns="" xmlns:a16="http://schemas.microsoft.com/office/drawing/2014/main" id="{072F9B5D-AC4E-4A95-850A-874895BEB9EA}"/>
               </a:ext>
             </a:extLst>
           </p:cNvPr>
@@ -17567,7 +17564,7 @@
             <p:cNvPr id="99" name="Straight Connector 98">
               <a:extLst>
                 <a:ext uri="{FF2B5EF4-FFF2-40B4-BE49-F238E27FC236}">
-                  <a16:creationId xmlns:a16="http://schemas.microsoft.com/office/drawing/2014/main" xmlns="" id="{6ECE9C8F-99BC-4746-85EA-B6AE0815D869}"/>
+                  <a16:creationId xmlns="" xmlns:a16="http://schemas.microsoft.com/office/drawing/2014/main" id="{6ECE9C8F-99BC-4746-85EA-B6AE0815D869}"/>
                 </a:ext>
               </a:extLst>
             </p:cNvPr>
@@ -17608,7 +17605,7 @@
             <p:cNvPr id="103" name="Straight Connector 102">
               <a:extLst>
                 <a:ext uri="{FF2B5EF4-FFF2-40B4-BE49-F238E27FC236}">
-                  <a16:creationId xmlns:a16="http://schemas.microsoft.com/office/drawing/2014/main" xmlns="" id="{5CA985A1-58CE-4D9C-AB62-C19FCC180D95}"/>
+                  <a16:creationId xmlns="" xmlns:a16="http://schemas.microsoft.com/office/drawing/2014/main" id="{5CA985A1-58CE-4D9C-AB62-C19FCC180D95}"/>
                 </a:ext>
               </a:extLst>
             </p:cNvPr>
@@ -17651,7 +17648,7 @@
             <p:cNvPr id="104" name="Rectangle 103">
               <a:extLst>
                 <a:ext uri="{FF2B5EF4-FFF2-40B4-BE49-F238E27FC236}">
-                  <a16:creationId xmlns:a16="http://schemas.microsoft.com/office/drawing/2014/main" xmlns="" id="{F25BA23B-F213-4A90-8EF1-8FB19F342BEE}"/>
+                  <a16:creationId xmlns="" xmlns:a16="http://schemas.microsoft.com/office/drawing/2014/main" id="{F25BA23B-F213-4A90-8EF1-8FB19F342BEE}"/>
                 </a:ext>
               </a:extLst>
             </p:cNvPr>
@@ -17703,7 +17700,7 @@
             <p:cNvPr id="105" name="Straight Connector 104">
               <a:extLst>
                 <a:ext uri="{FF2B5EF4-FFF2-40B4-BE49-F238E27FC236}">
-                  <a16:creationId xmlns:a16="http://schemas.microsoft.com/office/drawing/2014/main" xmlns="" id="{D6E838D4-6428-4010-972F-51C9D6C7C14D}"/>
+                  <a16:creationId xmlns="" xmlns:a16="http://schemas.microsoft.com/office/drawing/2014/main" id="{D6E838D4-6428-4010-972F-51C9D6C7C14D}"/>
                 </a:ext>
               </a:extLst>
             </p:cNvPr>
@@ -17746,7 +17743,7 @@
             <p:cNvPr id="106" name="Straight Connector 105">
               <a:extLst>
                 <a:ext uri="{FF2B5EF4-FFF2-40B4-BE49-F238E27FC236}">
-                  <a16:creationId xmlns:a16="http://schemas.microsoft.com/office/drawing/2014/main" xmlns="" id="{BE6ECDB1-63AC-4CF1-92E9-3450EBF930CC}"/>
+                  <a16:creationId xmlns="" xmlns:a16="http://schemas.microsoft.com/office/drawing/2014/main" id="{BE6ECDB1-63AC-4CF1-92E9-3450EBF930CC}"/>
                 </a:ext>
               </a:extLst>
             </p:cNvPr>
@@ -17789,7 +17786,7 @@
             <p:cNvPr id="107" name="Isosceles Triangle 106">
               <a:extLst>
                 <a:ext uri="{FF2B5EF4-FFF2-40B4-BE49-F238E27FC236}">
-                  <a16:creationId xmlns:a16="http://schemas.microsoft.com/office/drawing/2014/main" xmlns="" id="{16C87518-22DF-452C-9123-BED344752714}"/>
+                  <a16:creationId xmlns="" xmlns:a16="http://schemas.microsoft.com/office/drawing/2014/main" id="{16C87518-22DF-452C-9123-BED344752714}"/>
                 </a:ext>
               </a:extLst>
             </p:cNvPr>
@@ -17841,7 +17838,7 @@
             <p:cNvPr id="108" name="Rectangle 107">
               <a:extLst>
                 <a:ext uri="{FF2B5EF4-FFF2-40B4-BE49-F238E27FC236}">
-                  <a16:creationId xmlns:a16="http://schemas.microsoft.com/office/drawing/2014/main" xmlns="" id="{CF333E49-E8B0-43B3-AD76-F8135FB0C162}"/>
+                  <a16:creationId xmlns="" xmlns:a16="http://schemas.microsoft.com/office/drawing/2014/main" id="{CF333E49-E8B0-43B3-AD76-F8135FB0C162}"/>
                 </a:ext>
               </a:extLst>
             </p:cNvPr>
@@ -17895,7 +17892,7 @@
             <p:cNvPr id="109" name="Straight Connector 108">
               <a:extLst>
                 <a:ext uri="{FF2B5EF4-FFF2-40B4-BE49-F238E27FC236}">
-                  <a16:creationId xmlns:a16="http://schemas.microsoft.com/office/drawing/2014/main" xmlns="" id="{6A39D844-176B-4486-A0D2-EC5880E38AD8}"/>
+                  <a16:creationId xmlns="" xmlns:a16="http://schemas.microsoft.com/office/drawing/2014/main" id="{6A39D844-176B-4486-A0D2-EC5880E38AD8}"/>
                 </a:ext>
               </a:extLst>
             </p:cNvPr>
@@ -17938,7 +17935,7 @@
             <p:cNvPr id="110" name="Straight Connector 109">
               <a:extLst>
                 <a:ext uri="{FF2B5EF4-FFF2-40B4-BE49-F238E27FC236}">
-                  <a16:creationId xmlns:a16="http://schemas.microsoft.com/office/drawing/2014/main" xmlns="" id="{4992A096-E1A3-4D68-8B5A-8860B85E6BBE}"/>
+                  <a16:creationId xmlns="" xmlns:a16="http://schemas.microsoft.com/office/drawing/2014/main" id="{4992A096-E1A3-4D68-8B5A-8860B85E6BBE}"/>
                 </a:ext>
               </a:extLst>
             </p:cNvPr>
@@ -17981,7 +17978,7 @@
             <p:cNvPr id="111" name="Rectangle 110">
               <a:extLst>
                 <a:ext uri="{FF2B5EF4-FFF2-40B4-BE49-F238E27FC236}">
-                  <a16:creationId xmlns:a16="http://schemas.microsoft.com/office/drawing/2014/main" xmlns="" id="{49DAE2C2-25BB-4C2E-A982-D02717ECA92A}"/>
+                  <a16:creationId xmlns="" xmlns:a16="http://schemas.microsoft.com/office/drawing/2014/main" id="{49DAE2C2-25BB-4C2E-A982-D02717ECA92A}"/>
                 </a:ext>
               </a:extLst>
             </p:cNvPr>
@@ -18034,7 +18031,7 @@
           <p:cNvPr id="112" name="Content Placeholder 6">
             <a:extLst>
               <a:ext uri="{FF2B5EF4-FFF2-40B4-BE49-F238E27FC236}">
-                <a16:creationId xmlns:a16="http://schemas.microsoft.com/office/drawing/2014/main" xmlns="" id="{14DEBC71-E8CF-459C-BB79-177A4BDAE8E3}"/>
+                <a16:creationId xmlns="" xmlns:a16="http://schemas.microsoft.com/office/drawing/2014/main" id="{14DEBC71-E8CF-459C-BB79-177A4BDAE8E3}"/>
               </a:ext>
             </a:extLst>
           </p:cNvPr>
@@ -18243,7 +18240,7 @@
           <p:cNvPr id="5" name="Straight Connector 4">
             <a:extLst>
               <a:ext uri="{FF2B5EF4-FFF2-40B4-BE49-F238E27FC236}">
-                <a16:creationId xmlns:a16="http://schemas.microsoft.com/office/drawing/2014/main" xmlns="" id="{8C2DB7FB-9109-4887-8625-124DD9F8A881}"/>
+                <a16:creationId xmlns="" xmlns:a16="http://schemas.microsoft.com/office/drawing/2014/main" id="{8C2DB7FB-9109-4887-8625-124DD9F8A881}"/>
               </a:ext>
             </a:extLst>
           </p:cNvPr>
@@ -19167,7 +19164,7 @@
           <p:cNvPr id="3" name="Group 2">
             <a:extLst>
               <a:ext uri="{FF2B5EF4-FFF2-40B4-BE49-F238E27FC236}">
-                <a16:creationId xmlns:a16="http://schemas.microsoft.com/office/drawing/2014/main" xmlns="" id="{FCDE87D1-8591-4038-B6D3-70BE723EDC19}"/>
+                <a16:creationId xmlns="" xmlns:a16="http://schemas.microsoft.com/office/drawing/2014/main" id="{FCDE87D1-8591-4038-B6D3-70BE723EDC19}"/>
               </a:ext>
             </a:extLst>
           </p:cNvPr>
@@ -19187,7 +19184,7 @@
             <p:cNvPr id="11" name="Straight Connector 10">
               <a:extLst>
                 <a:ext uri="{FF2B5EF4-FFF2-40B4-BE49-F238E27FC236}">
-                  <a16:creationId xmlns:a16="http://schemas.microsoft.com/office/drawing/2014/main" xmlns="" id="{2146B420-36A0-4D0B-9233-827F6EE145CA}"/>
+                  <a16:creationId xmlns="" xmlns:a16="http://schemas.microsoft.com/office/drawing/2014/main" id="{2146B420-36A0-4D0B-9233-827F6EE145CA}"/>
                 </a:ext>
               </a:extLst>
             </p:cNvPr>
@@ -19228,7 +19225,7 @@
             <p:cNvPr id="12" name="Straight Connector 11">
               <a:extLst>
                 <a:ext uri="{FF2B5EF4-FFF2-40B4-BE49-F238E27FC236}">
-                  <a16:creationId xmlns:a16="http://schemas.microsoft.com/office/drawing/2014/main" xmlns="" id="{03AF7267-76D1-4929-9C05-18730E59F6DC}"/>
+                  <a16:creationId xmlns="" xmlns:a16="http://schemas.microsoft.com/office/drawing/2014/main" id="{03AF7267-76D1-4929-9C05-18730E59F6DC}"/>
                 </a:ext>
               </a:extLst>
             </p:cNvPr>
@@ -19271,7 +19268,7 @@
             <p:cNvPr id="16" name="Isosceles Triangle 15">
               <a:extLst>
                 <a:ext uri="{FF2B5EF4-FFF2-40B4-BE49-F238E27FC236}">
-                  <a16:creationId xmlns:a16="http://schemas.microsoft.com/office/drawing/2014/main" xmlns="" id="{BF9E7EFB-0E75-4EE6-AB73-DDA9454A8F98}"/>
+                  <a16:creationId xmlns="" xmlns:a16="http://schemas.microsoft.com/office/drawing/2014/main" id="{BF9E7EFB-0E75-4EE6-AB73-DDA9454A8F98}"/>
                 </a:ext>
               </a:extLst>
             </p:cNvPr>
@@ -19323,7 +19320,7 @@
             <p:cNvPr id="17" name="Straight Connector 16">
               <a:extLst>
                 <a:ext uri="{FF2B5EF4-FFF2-40B4-BE49-F238E27FC236}">
-                  <a16:creationId xmlns:a16="http://schemas.microsoft.com/office/drawing/2014/main" xmlns="" id="{1594C0D8-8E64-4876-8F3C-748597D9FF39}"/>
+                  <a16:creationId xmlns="" xmlns:a16="http://schemas.microsoft.com/office/drawing/2014/main" id="{1594C0D8-8E64-4876-8F3C-748597D9FF39}"/>
                 </a:ext>
               </a:extLst>
             </p:cNvPr>
@@ -19366,7 +19363,7 @@
             <p:cNvPr id="23" name="Rectangle 22">
               <a:extLst>
                 <a:ext uri="{FF2B5EF4-FFF2-40B4-BE49-F238E27FC236}">
-                  <a16:creationId xmlns:a16="http://schemas.microsoft.com/office/drawing/2014/main" xmlns="" id="{F1D0F582-6136-46AF-9D2E-F863BFE7A794}"/>
+                  <a16:creationId xmlns="" xmlns:a16="http://schemas.microsoft.com/office/drawing/2014/main" id="{F1D0F582-6136-46AF-9D2E-F863BFE7A794}"/>
                 </a:ext>
               </a:extLst>
             </p:cNvPr>
@@ -19418,7 +19415,7 @@
             <p:cNvPr id="25" name="Straight Connector 24">
               <a:extLst>
                 <a:ext uri="{FF2B5EF4-FFF2-40B4-BE49-F238E27FC236}">
-                  <a16:creationId xmlns:a16="http://schemas.microsoft.com/office/drawing/2014/main" xmlns="" id="{74EA430B-5D80-4466-B1FE-AE4CE4D84167}"/>
+                  <a16:creationId xmlns="" xmlns:a16="http://schemas.microsoft.com/office/drawing/2014/main" id="{74EA430B-5D80-4466-B1FE-AE4CE4D84167}"/>
                 </a:ext>
               </a:extLst>
             </p:cNvPr>
@@ -19461,7 +19458,7 @@
             <p:cNvPr id="26" name="Straight Connector 25">
               <a:extLst>
                 <a:ext uri="{FF2B5EF4-FFF2-40B4-BE49-F238E27FC236}">
-                  <a16:creationId xmlns:a16="http://schemas.microsoft.com/office/drawing/2014/main" xmlns="" id="{2F726E7E-679F-4201-BEA1-CF1B3DE568C8}"/>
+                  <a16:creationId xmlns="" xmlns:a16="http://schemas.microsoft.com/office/drawing/2014/main" id="{2F726E7E-679F-4201-BEA1-CF1B3DE568C8}"/>
                 </a:ext>
               </a:extLst>
             </p:cNvPr>
@@ -19504,7 +19501,7 @@
             <p:cNvPr id="28" name="Isosceles Triangle 27">
               <a:extLst>
                 <a:ext uri="{FF2B5EF4-FFF2-40B4-BE49-F238E27FC236}">
-                  <a16:creationId xmlns:a16="http://schemas.microsoft.com/office/drawing/2014/main" xmlns="" id="{627EA443-A12F-4877-9DE5-D3B72D6A09D8}"/>
+                  <a16:creationId xmlns="" xmlns:a16="http://schemas.microsoft.com/office/drawing/2014/main" id="{627EA443-A12F-4877-9DE5-D3B72D6A09D8}"/>
                 </a:ext>
               </a:extLst>
             </p:cNvPr>
@@ -19556,7 +19553,7 @@
             <p:cNvPr id="29" name="Rectangle 28">
               <a:extLst>
                 <a:ext uri="{FF2B5EF4-FFF2-40B4-BE49-F238E27FC236}">
-                  <a16:creationId xmlns:a16="http://schemas.microsoft.com/office/drawing/2014/main" xmlns="" id="{AC13F99A-D701-417E-B959-D72E7AFDA05C}"/>
+                  <a16:creationId xmlns="" xmlns:a16="http://schemas.microsoft.com/office/drawing/2014/main" id="{AC13F99A-D701-417E-B959-D72E7AFDA05C}"/>
                 </a:ext>
               </a:extLst>
             </p:cNvPr>
@@ -19610,7 +19607,7 @@
             <p:cNvPr id="66" name="Straight Connector 65">
               <a:extLst>
                 <a:ext uri="{FF2B5EF4-FFF2-40B4-BE49-F238E27FC236}">
-                  <a16:creationId xmlns:a16="http://schemas.microsoft.com/office/drawing/2014/main" xmlns="" id="{54632096-0FE8-40DE-A22B-F50AD3133EC9}"/>
+                  <a16:creationId xmlns="" xmlns:a16="http://schemas.microsoft.com/office/drawing/2014/main" id="{54632096-0FE8-40DE-A22B-F50AD3133EC9}"/>
                 </a:ext>
               </a:extLst>
             </p:cNvPr>
@@ -19653,7 +19650,7 @@
             <p:cNvPr id="74" name="Straight Connector 73">
               <a:extLst>
                 <a:ext uri="{FF2B5EF4-FFF2-40B4-BE49-F238E27FC236}">
-                  <a16:creationId xmlns:a16="http://schemas.microsoft.com/office/drawing/2014/main" xmlns="" id="{AC8AAC73-6E94-4086-9831-9B94DCF31BCF}"/>
+                  <a16:creationId xmlns="" xmlns:a16="http://schemas.microsoft.com/office/drawing/2014/main" id="{AC8AAC73-6E94-4086-9831-9B94DCF31BCF}"/>
                 </a:ext>
               </a:extLst>
             </p:cNvPr>
@@ -19696,7 +19693,7 @@
             <p:cNvPr id="94" name="Rectangle 93">
               <a:extLst>
                 <a:ext uri="{FF2B5EF4-FFF2-40B4-BE49-F238E27FC236}">
-                  <a16:creationId xmlns:a16="http://schemas.microsoft.com/office/drawing/2014/main" xmlns="" id="{67736EBA-4C50-469C-B783-E517DC6751A1}"/>
+                  <a16:creationId xmlns="" xmlns:a16="http://schemas.microsoft.com/office/drawing/2014/main" id="{67736EBA-4C50-469C-B783-E517DC6751A1}"/>
                 </a:ext>
               </a:extLst>
             </p:cNvPr>
@@ -19749,7 +19746,7 @@
           <p:cNvPr id="7" name="Group 6">
             <a:extLst>
               <a:ext uri="{FF2B5EF4-FFF2-40B4-BE49-F238E27FC236}">
-                <a16:creationId xmlns:a16="http://schemas.microsoft.com/office/drawing/2014/main" xmlns="" id="{072F9B5D-AC4E-4A95-850A-874895BEB9EA}"/>
+                <a16:creationId xmlns="" xmlns:a16="http://schemas.microsoft.com/office/drawing/2014/main" id="{072F9B5D-AC4E-4A95-850A-874895BEB9EA}"/>
               </a:ext>
             </a:extLst>
           </p:cNvPr>
@@ -19769,7 +19766,7 @@
             <p:cNvPr id="99" name="Straight Connector 98">
               <a:extLst>
                 <a:ext uri="{FF2B5EF4-FFF2-40B4-BE49-F238E27FC236}">
-                  <a16:creationId xmlns:a16="http://schemas.microsoft.com/office/drawing/2014/main" xmlns="" id="{6ECE9C8F-99BC-4746-85EA-B6AE0815D869}"/>
+                  <a16:creationId xmlns="" xmlns:a16="http://schemas.microsoft.com/office/drawing/2014/main" id="{6ECE9C8F-99BC-4746-85EA-B6AE0815D869}"/>
                 </a:ext>
               </a:extLst>
             </p:cNvPr>
@@ -19810,7 +19807,7 @@
             <p:cNvPr id="103" name="Straight Connector 102">
               <a:extLst>
                 <a:ext uri="{FF2B5EF4-FFF2-40B4-BE49-F238E27FC236}">
-                  <a16:creationId xmlns:a16="http://schemas.microsoft.com/office/drawing/2014/main" xmlns="" id="{5CA985A1-58CE-4D9C-AB62-C19FCC180D95}"/>
+                  <a16:creationId xmlns="" xmlns:a16="http://schemas.microsoft.com/office/drawing/2014/main" id="{5CA985A1-58CE-4D9C-AB62-C19FCC180D95}"/>
                 </a:ext>
               </a:extLst>
             </p:cNvPr>
@@ -19853,7 +19850,7 @@
             <p:cNvPr id="104" name="Rectangle 103">
               <a:extLst>
                 <a:ext uri="{FF2B5EF4-FFF2-40B4-BE49-F238E27FC236}">
-                  <a16:creationId xmlns:a16="http://schemas.microsoft.com/office/drawing/2014/main" xmlns="" id="{F25BA23B-F213-4A90-8EF1-8FB19F342BEE}"/>
+                  <a16:creationId xmlns="" xmlns:a16="http://schemas.microsoft.com/office/drawing/2014/main" id="{F25BA23B-F213-4A90-8EF1-8FB19F342BEE}"/>
                 </a:ext>
               </a:extLst>
             </p:cNvPr>
@@ -19905,7 +19902,7 @@
             <p:cNvPr id="105" name="Straight Connector 104">
               <a:extLst>
                 <a:ext uri="{FF2B5EF4-FFF2-40B4-BE49-F238E27FC236}">
-                  <a16:creationId xmlns:a16="http://schemas.microsoft.com/office/drawing/2014/main" xmlns="" id="{D6E838D4-6428-4010-972F-51C9D6C7C14D}"/>
+                  <a16:creationId xmlns="" xmlns:a16="http://schemas.microsoft.com/office/drawing/2014/main" id="{D6E838D4-6428-4010-972F-51C9D6C7C14D}"/>
                 </a:ext>
               </a:extLst>
             </p:cNvPr>
@@ -19948,7 +19945,7 @@
             <p:cNvPr id="106" name="Straight Connector 105">
               <a:extLst>
                 <a:ext uri="{FF2B5EF4-FFF2-40B4-BE49-F238E27FC236}">
-                  <a16:creationId xmlns:a16="http://schemas.microsoft.com/office/drawing/2014/main" xmlns="" id="{BE6ECDB1-63AC-4CF1-92E9-3450EBF930CC}"/>
+                  <a16:creationId xmlns="" xmlns:a16="http://schemas.microsoft.com/office/drawing/2014/main" id="{BE6ECDB1-63AC-4CF1-92E9-3450EBF930CC}"/>
                 </a:ext>
               </a:extLst>
             </p:cNvPr>
@@ -19991,7 +19988,7 @@
             <p:cNvPr id="107" name="Isosceles Triangle 106">
               <a:extLst>
                 <a:ext uri="{FF2B5EF4-FFF2-40B4-BE49-F238E27FC236}">
-                  <a16:creationId xmlns:a16="http://schemas.microsoft.com/office/drawing/2014/main" xmlns="" id="{16C87518-22DF-452C-9123-BED344752714}"/>
+                  <a16:creationId xmlns="" xmlns:a16="http://schemas.microsoft.com/office/drawing/2014/main" id="{16C87518-22DF-452C-9123-BED344752714}"/>
                 </a:ext>
               </a:extLst>
             </p:cNvPr>
@@ -20043,7 +20040,7 @@
             <p:cNvPr id="108" name="Rectangle 107">
               <a:extLst>
                 <a:ext uri="{FF2B5EF4-FFF2-40B4-BE49-F238E27FC236}">
-                  <a16:creationId xmlns:a16="http://schemas.microsoft.com/office/drawing/2014/main" xmlns="" id="{CF333E49-E8B0-43B3-AD76-F8135FB0C162}"/>
+                  <a16:creationId xmlns="" xmlns:a16="http://schemas.microsoft.com/office/drawing/2014/main" id="{CF333E49-E8B0-43B3-AD76-F8135FB0C162}"/>
                 </a:ext>
               </a:extLst>
             </p:cNvPr>
@@ -20097,7 +20094,7 @@
             <p:cNvPr id="109" name="Straight Connector 108">
               <a:extLst>
                 <a:ext uri="{FF2B5EF4-FFF2-40B4-BE49-F238E27FC236}">
-                  <a16:creationId xmlns:a16="http://schemas.microsoft.com/office/drawing/2014/main" xmlns="" id="{6A39D844-176B-4486-A0D2-EC5880E38AD8}"/>
+                  <a16:creationId xmlns="" xmlns:a16="http://schemas.microsoft.com/office/drawing/2014/main" id="{6A39D844-176B-4486-A0D2-EC5880E38AD8}"/>
                 </a:ext>
               </a:extLst>
             </p:cNvPr>
@@ -20140,7 +20137,7 @@
             <p:cNvPr id="110" name="Straight Connector 109">
               <a:extLst>
                 <a:ext uri="{FF2B5EF4-FFF2-40B4-BE49-F238E27FC236}">
-                  <a16:creationId xmlns:a16="http://schemas.microsoft.com/office/drawing/2014/main" xmlns="" id="{4992A096-E1A3-4D68-8B5A-8860B85E6BBE}"/>
+                  <a16:creationId xmlns="" xmlns:a16="http://schemas.microsoft.com/office/drawing/2014/main" id="{4992A096-E1A3-4D68-8B5A-8860B85E6BBE}"/>
                 </a:ext>
               </a:extLst>
             </p:cNvPr>
@@ -20183,7 +20180,7 @@
             <p:cNvPr id="111" name="Rectangle 110">
               <a:extLst>
                 <a:ext uri="{FF2B5EF4-FFF2-40B4-BE49-F238E27FC236}">
-                  <a16:creationId xmlns:a16="http://schemas.microsoft.com/office/drawing/2014/main" xmlns="" id="{49DAE2C2-25BB-4C2E-A982-D02717ECA92A}"/>
+                  <a16:creationId xmlns="" xmlns:a16="http://schemas.microsoft.com/office/drawing/2014/main" id="{49DAE2C2-25BB-4C2E-A982-D02717ECA92A}"/>
                 </a:ext>
               </a:extLst>
             </p:cNvPr>
@@ -20236,7 +20233,1885 @@
           <p:cNvPr id="112" name="Content Placeholder 6">
             <a:extLst>
               <a:ext uri="{FF2B5EF4-FFF2-40B4-BE49-F238E27FC236}">
-                <a16:creationId xmlns:a16="http://schemas.microsoft.com/office/drawing/2014/main" xmlns="" id="{14DEBC71-E8CF-459C-BB79-177A4BDAE8E3}"/>
+                <a16:creationId xmlns="" xmlns:a16="http://schemas.microsoft.com/office/drawing/2014/main" id="{14DEBC71-E8CF-459C-BB79-177A4BDAE8E3}"/>
+              </a:ext>
+            </a:extLst>
+          </p:cNvPr>
+          <p:cNvSpPr txBox="1">
+            <a:spLocks/>
+          </p:cNvSpPr>
+          <p:nvPr/>
+        </p:nvSpPr>
+        <p:spPr>
+          <a:xfrm>
+            <a:off x="290371" y="390750"/>
+            <a:ext cx="6601083" cy="447980"/>
+          </a:xfrm>
+          <a:prstGeom prst="rect">
+            <a:avLst/>
+          </a:prstGeom>
+        </p:spPr>
+        <p:txBody>
+          <a:bodyPr vert="horz" lIns="91440" tIns="45720" rIns="91440" bIns="45720" rtlCol="0">
+            <a:noAutofit/>
+          </a:bodyPr>
+          <a:lstStyle>
+            <a:lvl1pPr marL="0" indent="0" algn="ctr" defTabSz="914400" rtl="0" eaLnBrk="1" latinLnBrk="0" hangingPunct="1">
+              <a:lnSpc>
+                <a:spcPct val="90000"/>
+              </a:lnSpc>
+              <a:spcBef>
+                <a:spcPts val="1000"/>
+              </a:spcBef>
+              <a:buFont typeface="Arial" panose="020B0604020202020204" pitchFamily="34" charset="0"/>
+              <a:buNone/>
+              <a:defRPr sz="2400" kern="1200">
+                <a:solidFill>
+                  <a:schemeClr val="tx1"/>
+                </a:solidFill>
+                <a:latin typeface="+mn-lt"/>
+                <a:ea typeface="+mn-ea"/>
+                <a:cs typeface="+mn-cs"/>
+              </a:defRPr>
+            </a:lvl1pPr>
+            <a:lvl2pPr marL="457200" indent="0" algn="ctr" defTabSz="914400" rtl="0" eaLnBrk="1" latinLnBrk="0" hangingPunct="1">
+              <a:lnSpc>
+                <a:spcPct val="90000"/>
+              </a:lnSpc>
+              <a:spcBef>
+                <a:spcPts val="500"/>
+              </a:spcBef>
+              <a:buFont typeface="Arial" panose="020B0604020202020204" pitchFamily="34" charset="0"/>
+              <a:buNone/>
+              <a:defRPr sz="2000" kern="1200">
+                <a:solidFill>
+                  <a:schemeClr val="tx1"/>
+                </a:solidFill>
+                <a:latin typeface="+mn-lt"/>
+                <a:ea typeface="+mn-ea"/>
+                <a:cs typeface="+mn-cs"/>
+              </a:defRPr>
+            </a:lvl2pPr>
+            <a:lvl3pPr marL="914400" indent="0" algn="ctr" defTabSz="914400" rtl="0" eaLnBrk="1" latinLnBrk="0" hangingPunct="1">
+              <a:lnSpc>
+                <a:spcPct val="90000"/>
+              </a:lnSpc>
+              <a:spcBef>
+                <a:spcPts val="500"/>
+              </a:spcBef>
+              <a:buFont typeface="Arial" panose="020B0604020202020204" pitchFamily="34" charset="0"/>
+              <a:buNone/>
+              <a:defRPr sz="1800" kern="1200">
+                <a:solidFill>
+                  <a:schemeClr val="tx1"/>
+                </a:solidFill>
+                <a:latin typeface="+mn-lt"/>
+                <a:ea typeface="+mn-ea"/>
+                <a:cs typeface="+mn-cs"/>
+              </a:defRPr>
+            </a:lvl3pPr>
+            <a:lvl4pPr marL="1371600" indent="0" algn="ctr" defTabSz="914400" rtl="0" eaLnBrk="1" latinLnBrk="0" hangingPunct="1">
+              <a:lnSpc>
+                <a:spcPct val="90000"/>
+              </a:lnSpc>
+              <a:spcBef>
+                <a:spcPts val="500"/>
+              </a:spcBef>
+              <a:buFont typeface="Arial" panose="020B0604020202020204" pitchFamily="34" charset="0"/>
+              <a:buNone/>
+              <a:defRPr sz="1600" kern="1200">
+                <a:solidFill>
+                  <a:schemeClr val="tx1"/>
+                </a:solidFill>
+                <a:latin typeface="+mn-lt"/>
+                <a:ea typeface="+mn-ea"/>
+                <a:cs typeface="+mn-cs"/>
+              </a:defRPr>
+            </a:lvl4pPr>
+            <a:lvl5pPr marL="1828800" indent="0" algn="ctr" defTabSz="914400" rtl="0" eaLnBrk="1" latinLnBrk="0" hangingPunct="1">
+              <a:lnSpc>
+                <a:spcPct val="90000"/>
+              </a:lnSpc>
+              <a:spcBef>
+                <a:spcPts val="500"/>
+              </a:spcBef>
+              <a:buFont typeface="Arial" panose="020B0604020202020204" pitchFamily="34" charset="0"/>
+              <a:buNone/>
+              <a:defRPr sz="1600" kern="1200">
+                <a:solidFill>
+                  <a:schemeClr val="tx1"/>
+                </a:solidFill>
+                <a:latin typeface="+mn-lt"/>
+                <a:ea typeface="+mn-ea"/>
+                <a:cs typeface="+mn-cs"/>
+              </a:defRPr>
+            </a:lvl5pPr>
+            <a:lvl6pPr marL="2286000" indent="0" algn="ctr" defTabSz="914400" rtl="0" eaLnBrk="1" latinLnBrk="0" hangingPunct="1">
+              <a:lnSpc>
+                <a:spcPct val="90000"/>
+              </a:lnSpc>
+              <a:spcBef>
+                <a:spcPts val="500"/>
+              </a:spcBef>
+              <a:buFont typeface="Arial" panose="020B0604020202020204" pitchFamily="34" charset="0"/>
+              <a:buNone/>
+              <a:defRPr sz="1600" kern="1200">
+                <a:solidFill>
+                  <a:schemeClr val="tx1"/>
+                </a:solidFill>
+                <a:latin typeface="+mn-lt"/>
+                <a:ea typeface="+mn-ea"/>
+                <a:cs typeface="+mn-cs"/>
+              </a:defRPr>
+            </a:lvl6pPr>
+            <a:lvl7pPr marL="2743200" indent="0" algn="ctr" defTabSz="914400" rtl="0" eaLnBrk="1" latinLnBrk="0" hangingPunct="1">
+              <a:lnSpc>
+                <a:spcPct val="90000"/>
+              </a:lnSpc>
+              <a:spcBef>
+                <a:spcPts val="500"/>
+              </a:spcBef>
+              <a:buFont typeface="Arial" panose="020B0604020202020204" pitchFamily="34" charset="0"/>
+              <a:buNone/>
+              <a:defRPr sz="1600" kern="1200">
+                <a:solidFill>
+                  <a:schemeClr val="tx1"/>
+                </a:solidFill>
+                <a:latin typeface="+mn-lt"/>
+                <a:ea typeface="+mn-ea"/>
+                <a:cs typeface="+mn-cs"/>
+              </a:defRPr>
+            </a:lvl7pPr>
+            <a:lvl8pPr marL="3200400" indent="0" algn="ctr" defTabSz="914400" rtl="0" eaLnBrk="1" latinLnBrk="0" hangingPunct="1">
+              <a:lnSpc>
+                <a:spcPct val="90000"/>
+              </a:lnSpc>
+              <a:spcBef>
+                <a:spcPts val="500"/>
+              </a:spcBef>
+              <a:buFont typeface="Arial" panose="020B0604020202020204" pitchFamily="34" charset="0"/>
+              <a:buNone/>
+              <a:defRPr sz="1600" kern="1200">
+                <a:solidFill>
+                  <a:schemeClr val="tx1"/>
+                </a:solidFill>
+                <a:latin typeface="+mn-lt"/>
+                <a:ea typeface="+mn-ea"/>
+                <a:cs typeface="+mn-cs"/>
+              </a:defRPr>
+            </a:lvl8pPr>
+            <a:lvl9pPr marL="3657600" indent="0" algn="ctr" defTabSz="914400" rtl="0" eaLnBrk="1" latinLnBrk="0" hangingPunct="1">
+              <a:lnSpc>
+                <a:spcPct val="90000"/>
+              </a:lnSpc>
+              <a:spcBef>
+                <a:spcPts val="500"/>
+              </a:spcBef>
+              <a:buFont typeface="Arial" panose="020B0604020202020204" pitchFamily="34" charset="0"/>
+              <a:buNone/>
+              <a:defRPr sz="1600" kern="1200">
+                <a:solidFill>
+                  <a:schemeClr val="tx1"/>
+                </a:solidFill>
+                <a:latin typeface="+mn-lt"/>
+                <a:ea typeface="+mn-ea"/>
+                <a:cs typeface="+mn-cs"/>
+              </a:defRPr>
+            </a:lvl9pPr>
+          </a:lstStyle>
+          <a:p>
+            <a:pPr algn="l"/>
+            <a:r>
+              <a:rPr lang="en-US" sz="2600" b="1" dirty="0" smtClean="0">
+                <a:solidFill>
+                  <a:srgbClr val="0064A2"/>
+                </a:solidFill>
+              </a:rPr>
+              <a:t>Screenshot Reference</a:t>
+            </a:r>
+            <a:endParaRPr lang="en-US" sz="2600" dirty="0">
+              <a:solidFill>
+                <a:srgbClr val="0064A2"/>
+              </a:solidFill>
+            </a:endParaRPr>
+          </a:p>
+        </p:txBody>
+      </p:sp>
+      <p:cxnSp>
+        <p:nvCxnSpPr>
+          <p:cNvPr id="5" name="Straight Connector 4">
+            <a:extLst>
+              <a:ext uri="{FF2B5EF4-FFF2-40B4-BE49-F238E27FC236}">
+                <a16:creationId xmlns="" xmlns:a16="http://schemas.microsoft.com/office/drawing/2014/main" id="{8C2DB7FB-9109-4887-8625-124DD9F8A881}"/>
+              </a:ext>
+            </a:extLst>
+          </p:cNvPr>
+          <p:cNvCxnSpPr>
+            <a:cxnSpLocks/>
+          </p:cNvCxnSpPr>
+          <p:nvPr/>
+        </p:nvCxnSpPr>
+        <p:spPr>
+          <a:xfrm>
+            <a:off x="373492" y="838730"/>
+            <a:ext cx="11008493" cy="0"/>
+          </a:xfrm>
+          <a:prstGeom prst="line">
+            <a:avLst/>
+          </a:prstGeom>
+        </p:spPr>
+        <p:style>
+          <a:lnRef idx="1">
+            <a:schemeClr val="accent1"/>
+          </a:lnRef>
+          <a:fillRef idx="0">
+            <a:schemeClr val="accent1"/>
+          </a:fillRef>
+          <a:effectRef idx="0">
+            <a:schemeClr val="accent1"/>
+          </a:effectRef>
+          <a:fontRef idx="minor">
+            <a:schemeClr val="tx1"/>
+          </a:fontRef>
+        </p:style>
+      </p:cxnSp>
+      <p:pic>
+        <p:nvPicPr>
+          <p:cNvPr id="1026" name="Picture 2"/>
+          <p:cNvPicPr>
+            <a:picLocks noChangeAspect="1" noChangeArrowheads="1"/>
+          </p:cNvPicPr>
+          <p:nvPr/>
+        </p:nvPicPr>
+        <p:blipFill>
+          <a:blip r:embed="rId2">
+            <a:extLst>
+              <a:ext uri="{28A0092B-C50C-407E-A947-70E740481C1C}">
+                <a14:useLocalDpi xmlns:a14="http://schemas.microsoft.com/office/drawing/2010/main" val="0"/>
+              </a:ext>
+            </a:extLst>
+          </a:blip>
+          <a:srcRect/>
+          <a:stretch>
+            <a:fillRect/>
+          </a:stretch>
+        </p:blipFill>
+        <p:spPr bwMode="auto">
+          <a:xfrm>
+            <a:off x="646927" y="1341580"/>
+            <a:ext cx="3028950" cy="5286375"/>
+          </a:xfrm>
+          <a:prstGeom prst="rect">
+            <a:avLst/>
+          </a:prstGeom>
+          <a:noFill/>
+          <a:ln>
+            <a:noFill/>
+          </a:ln>
+          <a:effectLst/>
+          <a:extLst>
+            <a:ext uri="{909E8E84-426E-40DD-AFC4-6F175D3DCCD1}">
+              <a14:hiddenFill xmlns:a14="http://schemas.microsoft.com/office/drawing/2010/main">
+                <a:solidFill>
+                  <a:schemeClr val="accent1"/>
+                </a:solidFill>
+              </a14:hiddenFill>
+            </a:ext>
+            <a:ext uri="{91240B29-F687-4F45-9708-019B960494DF}">
+              <a14:hiddenLine xmlns:a14="http://schemas.microsoft.com/office/drawing/2010/main" w="9525">
+                <a:solidFill>
+                  <a:schemeClr val="tx1"/>
+                </a:solidFill>
+                <a:miter lim="800000"/>
+                <a:headEnd/>
+                <a:tailEnd/>
+              </a14:hiddenLine>
+            </a:ext>
+            <a:ext uri="{AF507438-7753-43E0-B8FC-AC1667EBCBE1}">
+              <a14:hiddenEffects xmlns:a14="http://schemas.microsoft.com/office/drawing/2010/main">
+                <a:effectLst>
+                  <a:outerShdw dist="35921" dir="2700000" algn="ctr" rotWithShape="0">
+                    <a:schemeClr val="bg2"/>
+                  </a:outerShdw>
+                </a:effectLst>
+              </a14:hiddenEffects>
+            </a:ext>
+          </a:extLst>
+        </p:spPr>
+      </p:pic>
+      <p:sp>
+        <p:nvSpPr>
+          <p:cNvPr id="34" name="Text Placeholder 10"/>
+          <p:cNvSpPr txBox="1">
+            <a:spLocks/>
+          </p:cNvSpPr>
+          <p:nvPr/>
+        </p:nvSpPr>
+        <p:spPr>
+          <a:xfrm>
+            <a:off x="808079" y="912885"/>
+            <a:ext cx="2631158" cy="477329"/>
+          </a:xfrm>
+          <a:prstGeom prst="rect">
+            <a:avLst/>
+          </a:prstGeom>
+        </p:spPr>
+        <p:txBody>
+          <a:bodyPr vert="horz" lIns="91440" tIns="45720" rIns="91440" bIns="45720" rtlCol="0">
+            <a:normAutofit/>
+          </a:bodyPr>
+          <a:lstStyle>
+            <a:lvl1pPr marL="0" indent="0" algn="ctr" defTabSz="914400" rtl="0" eaLnBrk="1" latinLnBrk="0" hangingPunct="1">
+              <a:lnSpc>
+                <a:spcPct val="90000"/>
+              </a:lnSpc>
+              <a:spcBef>
+                <a:spcPts val="1000"/>
+              </a:spcBef>
+              <a:buFont typeface="Arial" panose="020B0604020202020204" pitchFamily="34" charset="0"/>
+              <a:buNone/>
+              <a:defRPr sz="2400" kern="1200">
+                <a:solidFill>
+                  <a:schemeClr val="tx1"/>
+                </a:solidFill>
+                <a:latin typeface="+mn-lt"/>
+                <a:ea typeface="+mn-ea"/>
+                <a:cs typeface="+mn-cs"/>
+              </a:defRPr>
+            </a:lvl1pPr>
+            <a:lvl2pPr marL="457200" indent="0" algn="ctr" defTabSz="914400" rtl="0" eaLnBrk="1" latinLnBrk="0" hangingPunct="1">
+              <a:lnSpc>
+                <a:spcPct val="90000"/>
+              </a:lnSpc>
+              <a:spcBef>
+                <a:spcPts val="500"/>
+              </a:spcBef>
+              <a:buFont typeface="Arial" panose="020B0604020202020204" pitchFamily="34" charset="0"/>
+              <a:buNone/>
+              <a:defRPr sz="2000" kern="1200">
+                <a:solidFill>
+                  <a:schemeClr val="tx1"/>
+                </a:solidFill>
+                <a:latin typeface="+mn-lt"/>
+                <a:ea typeface="+mn-ea"/>
+                <a:cs typeface="+mn-cs"/>
+              </a:defRPr>
+            </a:lvl2pPr>
+            <a:lvl3pPr marL="914400" indent="0" algn="ctr" defTabSz="914400" rtl="0" eaLnBrk="1" latinLnBrk="0" hangingPunct="1">
+              <a:lnSpc>
+                <a:spcPct val="90000"/>
+              </a:lnSpc>
+              <a:spcBef>
+                <a:spcPts val="500"/>
+              </a:spcBef>
+              <a:buFont typeface="Arial" panose="020B0604020202020204" pitchFamily="34" charset="0"/>
+              <a:buNone/>
+              <a:defRPr sz="1800" kern="1200">
+                <a:solidFill>
+                  <a:schemeClr val="tx1"/>
+                </a:solidFill>
+                <a:latin typeface="+mn-lt"/>
+                <a:ea typeface="+mn-ea"/>
+                <a:cs typeface="+mn-cs"/>
+              </a:defRPr>
+            </a:lvl3pPr>
+            <a:lvl4pPr marL="1371600" indent="0" algn="ctr" defTabSz="914400" rtl="0" eaLnBrk="1" latinLnBrk="0" hangingPunct="1">
+              <a:lnSpc>
+                <a:spcPct val="90000"/>
+              </a:lnSpc>
+              <a:spcBef>
+                <a:spcPts val="500"/>
+              </a:spcBef>
+              <a:buFont typeface="Arial" panose="020B0604020202020204" pitchFamily="34" charset="0"/>
+              <a:buNone/>
+              <a:defRPr sz="1600" kern="1200">
+                <a:solidFill>
+                  <a:schemeClr val="tx1"/>
+                </a:solidFill>
+                <a:latin typeface="+mn-lt"/>
+                <a:ea typeface="+mn-ea"/>
+                <a:cs typeface="+mn-cs"/>
+              </a:defRPr>
+            </a:lvl4pPr>
+            <a:lvl5pPr marL="1828800" indent="0" algn="ctr" defTabSz="914400" rtl="0" eaLnBrk="1" latinLnBrk="0" hangingPunct="1">
+              <a:lnSpc>
+                <a:spcPct val="90000"/>
+              </a:lnSpc>
+              <a:spcBef>
+                <a:spcPts val="500"/>
+              </a:spcBef>
+              <a:buFont typeface="Arial" panose="020B0604020202020204" pitchFamily="34" charset="0"/>
+              <a:buNone/>
+              <a:defRPr sz="1600" kern="1200">
+                <a:solidFill>
+                  <a:schemeClr val="tx1"/>
+                </a:solidFill>
+                <a:latin typeface="+mn-lt"/>
+                <a:ea typeface="+mn-ea"/>
+                <a:cs typeface="+mn-cs"/>
+              </a:defRPr>
+            </a:lvl5pPr>
+            <a:lvl6pPr marL="2286000" indent="0" algn="ctr" defTabSz="914400" rtl="0" eaLnBrk="1" latinLnBrk="0" hangingPunct="1">
+              <a:lnSpc>
+                <a:spcPct val="90000"/>
+              </a:lnSpc>
+              <a:spcBef>
+                <a:spcPts val="500"/>
+              </a:spcBef>
+              <a:buFont typeface="Arial" panose="020B0604020202020204" pitchFamily="34" charset="0"/>
+              <a:buNone/>
+              <a:defRPr sz="1600" kern="1200">
+                <a:solidFill>
+                  <a:schemeClr val="tx1"/>
+                </a:solidFill>
+                <a:latin typeface="+mn-lt"/>
+                <a:ea typeface="+mn-ea"/>
+                <a:cs typeface="+mn-cs"/>
+              </a:defRPr>
+            </a:lvl6pPr>
+            <a:lvl7pPr marL="2743200" indent="0" algn="ctr" defTabSz="914400" rtl="0" eaLnBrk="1" latinLnBrk="0" hangingPunct="1">
+              <a:lnSpc>
+                <a:spcPct val="90000"/>
+              </a:lnSpc>
+              <a:spcBef>
+                <a:spcPts val="500"/>
+              </a:spcBef>
+              <a:buFont typeface="Arial" panose="020B0604020202020204" pitchFamily="34" charset="0"/>
+              <a:buNone/>
+              <a:defRPr sz="1600" kern="1200">
+                <a:solidFill>
+                  <a:schemeClr val="tx1"/>
+                </a:solidFill>
+                <a:latin typeface="+mn-lt"/>
+                <a:ea typeface="+mn-ea"/>
+                <a:cs typeface="+mn-cs"/>
+              </a:defRPr>
+            </a:lvl7pPr>
+            <a:lvl8pPr marL="3200400" indent="0" algn="ctr" defTabSz="914400" rtl="0" eaLnBrk="1" latinLnBrk="0" hangingPunct="1">
+              <a:lnSpc>
+                <a:spcPct val="90000"/>
+              </a:lnSpc>
+              <a:spcBef>
+                <a:spcPts val="500"/>
+              </a:spcBef>
+              <a:buFont typeface="Arial" panose="020B0604020202020204" pitchFamily="34" charset="0"/>
+              <a:buNone/>
+              <a:defRPr sz="1600" kern="1200">
+                <a:solidFill>
+                  <a:schemeClr val="tx1"/>
+                </a:solidFill>
+                <a:latin typeface="+mn-lt"/>
+                <a:ea typeface="+mn-ea"/>
+                <a:cs typeface="+mn-cs"/>
+              </a:defRPr>
+            </a:lvl8pPr>
+            <a:lvl9pPr marL="3657600" indent="0" algn="ctr" defTabSz="914400" rtl="0" eaLnBrk="1" latinLnBrk="0" hangingPunct="1">
+              <a:lnSpc>
+                <a:spcPct val="90000"/>
+              </a:lnSpc>
+              <a:spcBef>
+                <a:spcPts val="500"/>
+              </a:spcBef>
+              <a:buFont typeface="Arial" panose="020B0604020202020204" pitchFamily="34" charset="0"/>
+              <a:buNone/>
+              <a:defRPr sz="1600" kern="1200">
+                <a:solidFill>
+                  <a:schemeClr val="tx1"/>
+                </a:solidFill>
+                <a:latin typeface="+mn-lt"/>
+                <a:ea typeface="+mn-ea"/>
+                <a:cs typeface="+mn-cs"/>
+              </a:defRPr>
+            </a:lvl9pPr>
+          </a:lstStyle>
+          <a:p>
+            <a:r>
+              <a:rPr lang="en-US" sz="2000" dirty="0" smtClean="0">
+                <a:solidFill>
+                  <a:schemeClr val="accent6"/>
+                </a:solidFill>
+              </a:rPr>
+              <a:t>Farmer Interface</a:t>
+            </a:r>
+            <a:endParaRPr lang="en-US" sz="2000" dirty="0">
+              <a:solidFill>
+                <a:schemeClr val="accent6"/>
+              </a:solidFill>
+            </a:endParaRPr>
+          </a:p>
+        </p:txBody>
+      </p:sp>
+      <p:pic>
+        <p:nvPicPr>
+          <p:cNvPr id="1027" name="Picture 3"/>
+          <p:cNvPicPr>
+            <a:picLocks noChangeAspect="1" noChangeArrowheads="1"/>
+          </p:cNvPicPr>
+          <p:nvPr/>
+        </p:nvPicPr>
+        <p:blipFill>
+          <a:blip r:embed="rId3">
+            <a:extLst>
+              <a:ext uri="{28A0092B-C50C-407E-A947-70E740481C1C}">
+                <a14:useLocalDpi xmlns:a14="http://schemas.microsoft.com/office/drawing/2010/main" val="0"/>
+              </a:ext>
+            </a:extLst>
+          </a:blip>
+          <a:srcRect/>
+          <a:stretch>
+            <a:fillRect/>
+          </a:stretch>
+        </p:blipFill>
+        <p:spPr bwMode="auto">
+          <a:xfrm>
+            <a:off x="4954137" y="1341580"/>
+            <a:ext cx="3048000" cy="5286375"/>
+          </a:xfrm>
+          <a:prstGeom prst="rect">
+            <a:avLst/>
+          </a:prstGeom>
+          <a:noFill/>
+          <a:ln>
+            <a:noFill/>
+          </a:ln>
+          <a:effectLst/>
+          <a:extLst>
+            <a:ext uri="{909E8E84-426E-40DD-AFC4-6F175D3DCCD1}">
+              <a14:hiddenFill xmlns:a14="http://schemas.microsoft.com/office/drawing/2010/main">
+                <a:solidFill>
+                  <a:schemeClr val="accent1"/>
+                </a:solidFill>
+              </a14:hiddenFill>
+            </a:ext>
+            <a:ext uri="{91240B29-F687-4F45-9708-019B960494DF}">
+              <a14:hiddenLine xmlns:a14="http://schemas.microsoft.com/office/drawing/2010/main" w="9525">
+                <a:solidFill>
+                  <a:schemeClr val="tx1"/>
+                </a:solidFill>
+                <a:miter lim="800000"/>
+                <a:headEnd/>
+                <a:tailEnd/>
+              </a14:hiddenLine>
+            </a:ext>
+            <a:ext uri="{AF507438-7753-43E0-B8FC-AC1667EBCBE1}">
+              <a14:hiddenEffects xmlns:a14="http://schemas.microsoft.com/office/drawing/2010/main">
+                <a:effectLst>
+                  <a:outerShdw dist="35921" dir="2700000" algn="ctr" rotWithShape="0">
+                    <a:schemeClr val="bg2"/>
+                  </a:outerShdw>
+                </a:effectLst>
+              </a14:hiddenEffects>
+            </a:ext>
+          </a:extLst>
+        </p:spPr>
+      </p:pic>
+      <p:sp>
+        <p:nvSpPr>
+          <p:cNvPr id="35" name="Text Placeholder 10"/>
+          <p:cNvSpPr txBox="1">
+            <a:spLocks/>
+          </p:cNvSpPr>
+          <p:nvPr/>
+        </p:nvSpPr>
+        <p:spPr>
+          <a:xfrm>
+            <a:off x="5162558" y="934266"/>
+            <a:ext cx="2631158" cy="477329"/>
+          </a:xfrm>
+          <a:prstGeom prst="rect">
+            <a:avLst/>
+          </a:prstGeom>
+        </p:spPr>
+        <p:txBody>
+          <a:bodyPr vert="horz" lIns="91440" tIns="45720" rIns="91440" bIns="45720" rtlCol="0">
+            <a:normAutofit/>
+          </a:bodyPr>
+          <a:lstStyle>
+            <a:lvl1pPr marL="0" indent="0" algn="ctr" defTabSz="914400" rtl="0" eaLnBrk="1" latinLnBrk="0" hangingPunct="1">
+              <a:lnSpc>
+                <a:spcPct val="90000"/>
+              </a:lnSpc>
+              <a:spcBef>
+                <a:spcPts val="1000"/>
+              </a:spcBef>
+              <a:buFont typeface="Arial" panose="020B0604020202020204" pitchFamily="34" charset="0"/>
+              <a:buNone/>
+              <a:defRPr sz="2400" kern="1200">
+                <a:solidFill>
+                  <a:schemeClr val="tx1"/>
+                </a:solidFill>
+                <a:latin typeface="+mn-lt"/>
+                <a:ea typeface="+mn-ea"/>
+                <a:cs typeface="+mn-cs"/>
+              </a:defRPr>
+            </a:lvl1pPr>
+            <a:lvl2pPr marL="457200" indent="0" algn="ctr" defTabSz="914400" rtl="0" eaLnBrk="1" latinLnBrk="0" hangingPunct="1">
+              <a:lnSpc>
+                <a:spcPct val="90000"/>
+              </a:lnSpc>
+              <a:spcBef>
+                <a:spcPts val="500"/>
+              </a:spcBef>
+              <a:buFont typeface="Arial" panose="020B0604020202020204" pitchFamily="34" charset="0"/>
+              <a:buNone/>
+              <a:defRPr sz="2000" kern="1200">
+                <a:solidFill>
+                  <a:schemeClr val="tx1"/>
+                </a:solidFill>
+                <a:latin typeface="+mn-lt"/>
+                <a:ea typeface="+mn-ea"/>
+                <a:cs typeface="+mn-cs"/>
+              </a:defRPr>
+            </a:lvl2pPr>
+            <a:lvl3pPr marL="914400" indent="0" algn="ctr" defTabSz="914400" rtl="0" eaLnBrk="1" latinLnBrk="0" hangingPunct="1">
+              <a:lnSpc>
+                <a:spcPct val="90000"/>
+              </a:lnSpc>
+              <a:spcBef>
+                <a:spcPts val="500"/>
+              </a:spcBef>
+              <a:buFont typeface="Arial" panose="020B0604020202020204" pitchFamily="34" charset="0"/>
+              <a:buNone/>
+              <a:defRPr sz="1800" kern="1200">
+                <a:solidFill>
+                  <a:schemeClr val="tx1"/>
+                </a:solidFill>
+                <a:latin typeface="+mn-lt"/>
+                <a:ea typeface="+mn-ea"/>
+                <a:cs typeface="+mn-cs"/>
+              </a:defRPr>
+            </a:lvl3pPr>
+            <a:lvl4pPr marL="1371600" indent="0" algn="ctr" defTabSz="914400" rtl="0" eaLnBrk="1" latinLnBrk="0" hangingPunct="1">
+              <a:lnSpc>
+                <a:spcPct val="90000"/>
+              </a:lnSpc>
+              <a:spcBef>
+                <a:spcPts val="500"/>
+              </a:spcBef>
+              <a:buFont typeface="Arial" panose="020B0604020202020204" pitchFamily="34" charset="0"/>
+              <a:buNone/>
+              <a:defRPr sz="1600" kern="1200">
+                <a:solidFill>
+                  <a:schemeClr val="tx1"/>
+                </a:solidFill>
+                <a:latin typeface="+mn-lt"/>
+                <a:ea typeface="+mn-ea"/>
+                <a:cs typeface="+mn-cs"/>
+              </a:defRPr>
+            </a:lvl4pPr>
+            <a:lvl5pPr marL="1828800" indent="0" algn="ctr" defTabSz="914400" rtl="0" eaLnBrk="1" latinLnBrk="0" hangingPunct="1">
+              <a:lnSpc>
+                <a:spcPct val="90000"/>
+              </a:lnSpc>
+              <a:spcBef>
+                <a:spcPts val="500"/>
+              </a:spcBef>
+              <a:buFont typeface="Arial" panose="020B0604020202020204" pitchFamily="34" charset="0"/>
+              <a:buNone/>
+              <a:defRPr sz="1600" kern="1200">
+                <a:solidFill>
+                  <a:schemeClr val="tx1"/>
+                </a:solidFill>
+                <a:latin typeface="+mn-lt"/>
+                <a:ea typeface="+mn-ea"/>
+                <a:cs typeface="+mn-cs"/>
+              </a:defRPr>
+            </a:lvl5pPr>
+            <a:lvl6pPr marL="2286000" indent="0" algn="ctr" defTabSz="914400" rtl="0" eaLnBrk="1" latinLnBrk="0" hangingPunct="1">
+              <a:lnSpc>
+                <a:spcPct val="90000"/>
+              </a:lnSpc>
+              <a:spcBef>
+                <a:spcPts val="500"/>
+              </a:spcBef>
+              <a:buFont typeface="Arial" panose="020B0604020202020204" pitchFamily="34" charset="0"/>
+              <a:buNone/>
+              <a:defRPr sz="1600" kern="1200">
+                <a:solidFill>
+                  <a:schemeClr val="tx1"/>
+                </a:solidFill>
+                <a:latin typeface="+mn-lt"/>
+                <a:ea typeface="+mn-ea"/>
+                <a:cs typeface="+mn-cs"/>
+              </a:defRPr>
+            </a:lvl6pPr>
+            <a:lvl7pPr marL="2743200" indent="0" algn="ctr" defTabSz="914400" rtl="0" eaLnBrk="1" latinLnBrk="0" hangingPunct="1">
+              <a:lnSpc>
+                <a:spcPct val="90000"/>
+              </a:lnSpc>
+              <a:spcBef>
+                <a:spcPts val="500"/>
+              </a:spcBef>
+              <a:buFont typeface="Arial" panose="020B0604020202020204" pitchFamily="34" charset="0"/>
+              <a:buNone/>
+              <a:defRPr sz="1600" kern="1200">
+                <a:solidFill>
+                  <a:schemeClr val="tx1"/>
+                </a:solidFill>
+                <a:latin typeface="+mn-lt"/>
+                <a:ea typeface="+mn-ea"/>
+                <a:cs typeface="+mn-cs"/>
+              </a:defRPr>
+            </a:lvl7pPr>
+            <a:lvl8pPr marL="3200400" indent="0" algn="ctr" defTabSz="914400" rtl="0" eaLnBrk="1" latinLnBrk="0" hangingPunct="1">
+              <a:lnSpc>
+                <a:spcPct val="90000"/>
+              </a:lnSpc>
+              <a:spcBef>
+                <a:spcPts val="500"/>
+              </a:spcBef>
+              <a:buFont typeface="Arial" panose="020B0604020202020204" pitchFamily="34" charset="0"/>
+              <a:buNone/>
+              <a:defRPr sz="1600" kern="1200">
+                <a:solidFill>
+                  <a:schemeClr val="tx1"/>
+                </a:solidFill>
+                <a:latin typeface="+mn-lt"/>
+                <a:ea typeface="+mn-ea"/>
+                <a:cs typeface="+mn-cs"/>
+              </a:defRPr>
+            </a:lvl8pPr>
+            <a:lvl9pPr marL="3657600" indent="0" algn="ctr" defTabSz="914400" rtl="0" eaLnBrk="1" latinLnBrk="0" hangingPunct="1">
+              <a:lnSpc>
+                <a:spcPct val="90000"/>
+              </a:lnSpc>
+              <a:spcBef>
+                <a:spcPts val="500"/>
+              </a:spcBef>
+              <a:buFont typeface="Arial" panose="020B0604020202020204" pitchFamily="34" charset="0"/>
+              <a:buNone/>
+              <a:defRPr sz="1600" kern="1200">
+                <a:solidFill>
+                  <a:schemeClr val="tx1"/>
+                </a:solidFill>
+                <a:latin typeface="+mn-lt"/>
+                <a:ea typeface="+mn-ea"/>
+                <a:cs typeface="+mn-cs"/>
+              </a:defRPr>
+            </a:lvl9pPr>
+          </a:lstStyle>
+          <a:p>
+            <a:r>
+              <a:rPr lang="en-US" sz="2000" dirty="0" smtClean="0">
+                <a:solidFill>
+                  <a:schemeClr val="accent6"/>
+                </a:solidFill>
+              </a:rPr>
+              <a:t>User Interface</a:t>
+            </a:r>
+            <a:endParaRPr lang="en-US" sz="2000" dirty="0">
+              <a:solidFill>
+                <a:schemeClr val="accent6"/>
+              </a:solidFill>
+            </a:endParaRPr>
+          </a:p>
+        </p:txBody>
+      </p:sp>
+    </p:spTree>
+    <p:extLst>
+      <p:ext uri="{BB962C8B-B14F-4D97-AF65-F5344CB8AC3E}">
+        <p14:creationId xmlns:p14="http://schemas.microsoft.com/office/powerpoint/2010/main" val="2999488879"/>
+      </p:ext>
+    </p:extLst>
+  </p:cSld>
+  <p:clrMapOvr>
+    <a:masterClrMapping/>
+  </p:clrMapOvr>
+</p:sld>
+</file>
+
+<file path=ppt/slides/slide6.xml><?xml version="1.0" encoding="utf-8"?>
+<p:sld xmlns:a="http://schemas.openxmlformats.org/drawingml/2006/main" xmlns:r="http://schemas.openxmlformats.org/officeDocument/2006/relationships" xmlns:p="http://schemas.openxmlformats.org/presentationml/2006/main">
+  <p:cSld>
+    <p:spTree>
+      <p:nvGrpSpPr>
+        <p:cNvPr id="1" name=""/>
+        <p:cNvGrpSpPr/>
+        <p:nvPr/>
+      </p:nvGrpSpPr>
+      <p:grpSpPr>
+        <a:xfrm>
+          <a:off x="0" y="0"/>
+          <a:ext cx="0" cy="0"/>
+          <a:chOff x="0" y="0"/>
+          <a:chExt cx="0" cy="0"/>
+        </a:xfrm>
+      </p:grpSpPr>
+      <p:grpSp>
+        <p:nvGrpSpPr>
+          <p:cNvPr id="3" name="Group 2">
+            <a:extLst>
+              <a:ext uri="{FF2B5EF4-FFF2-40B4-BE49-F238E27FC236}">
+                <a16:creationId xmlns="" xmlns:a16="http://schemas.microsoft.com/office/drawing/2014/main" id="{FCDE87D1-8591-4038-B6D3-70BE723EDC19}"/>
+              </a:ext>
+            </a:extLst>
+          </p:cNvPr>
+          <p:cNvGrpSpPr/>
+          <p:nvPr/>
+        </p:nvGrpSpPr>
+        <p:grpSpPr>
+          <a:xfrm flipH="1">
+            <a:off x="10676511" y="84628"/>
+            <a:ext cx="1410126" cy="1549037"/>
+            <a:chOff x="159087" y="112647"/>
+            <a:chExt cx="2335319" cy="2217712"/>
+          </a:xfrm>
+        </p:grpSpPr>
+        <p:cxnSp>
+          <p:nvCxnSpPr>
+            <p:cNvPr id="11" name="Straight Connector 10">
+              <a:extLst>
+                <a:ext uri="{FF2B5EF4-FFF2-40B4-BE49-F238E27FC236}">
+                  <a16:creationId xmlns="" xmlns:a16="http://schemas.microsoft.com/office/drawing/2014/main" id="{2146B420-36A0-4D0B-9233-827F6EE145CA}"/>
+                </a:ext>
+              </a:extLst>
+            </p:cNvPr>
+            <p:cNvCxnSpPr/>
+            <p:nvPr/>
+          </p:nvCxnSpPr>
+          <p:spPr>
+            <a:xfrm>
+              <a:off x="444934" y="341971"/>
+              <a:ext cx="0" cy="747132"/>
+            </a:xfrm>
+            <a:prstGeom prst="line">
+              <a:avLst/>
+            </a:prstGeom>
+            <a:ln w="28575">
+              <a:solidFill>
+                <a:srgbClr val="00B0F0"/>
+              </a:solidFill>
+            </a:ln>
+          </p:spPr>
+          <p:style>
+            <a:lnRef idx="1">
+              <a:schemeClr val="accent6"/>
+            </a:lnRef>
+            <a:fillRef idx="0">
+              <a:schemeClr val="accent6"/>
+            </a:fillRef>
+            <a:effectRef idx="0">
+              <a:schemeClr val="accent6"/>
+            </a:effectRef>
+            <a:fontRef idx="minor">
+              <a:schemeClr val="tx1"/>
+            </a:fontRef>
+          </p:style>
+        </p:cxnSp>
+        <p:cxnSp>
+          <p:nvCxnSpPr>
+            <p:cNvPr id="12" name="Straight Connector 11">
+              <a:extLst>
+                <a:ext uri="{FF2B5EF4-FFF2-40B4-BE49-F238E27FC236}">
+                  <a16:creationId xmlns="" xmlns:a16="http://schemas.microsoft.com/office/drawing/2014/main" id="{03AF7267-76D1-4929-9C05-18730E59F6DC}"/>
+                </a:ext>
+              </a:extLst>
+            </p:cNvPr>
+            <p:cNvCxnSpPr>
+              <a:cxnSpLocks/>
+            </p:cNvCxnSpPr>
+            <p:nvPr/>
+          </p:nvCxnSpPr>
+          <p:spPr>
+            <a:xfrm flipH="1">
+              <a:off x="1565943" y="723345"/>
+              <a:ext cx="527825" cy="0"/>
+            </a:xfrm>
+            <a:prstGeom prst="line">
+              <a:avLst/>
+            </a:prstGeom>
+            <a:ln w="28575">
+              <a:solidFill>
+                <a:srgbClr val="00CC99"/>
+              </a:solidFill>
+            </a:ln>
+          </p:spPr>
+          <p:style>
+            <a:lnRef idx="1">
+              <a:schemeClr val="accent6"/>
+            </a:lnRef>
+            <a:fillRef idx="0">
+              <a:schemeClr val="accent6"/>
+            </a:fillRef>
+            <a:effectRef idx="0">
+              <a:schemeClr val="accent6"/>
+            </a:effectRef>
+            <a:fontRef idx="minor">
+              <a:schemeClr val="tx1"/>
+            </a:fontRef>
+          </p:style>
+        </p:cxnSp>
+        <p:sp>
+          <p:nvSpPr>
+            <p:cNvPr id="16" name="Isosceles Triangle 15">
+              <a:extLst>
+                <a:ext uri="{FF2B5EF4-FFF2-40B4-BE49-F238E27FC236}">
+                  <a16:creationId xmlns="" xmlns:a16="http://schemas.microsoft.com/office/drawing/2014/main" id="{BF9E7EFB-0E75-4EE6-AB73-DDA9454A8F98}"/>
+                </a:ext>
+              </a:extLst>
+            </p:cNvPr>
+            <p:cNvSpPr/>
+            <p:nvPr/>
+          </p:nvSpPr>
+          <p:spPr>
+            <a:xfrm rot="16200000">
+              <a:off x="1914281" y="607701"/>
+              <a:ext cx="268297" cy="231290"/>
+            </a:xfrm>
+            <a:prstGeom prst="triangle">
+              <a:avLst/>
+            </a:prstGeom>
+            <a:solidFill>
+              <a:srgbClr val="264460"/>
+            </a:solidFill>
+            <a:ln>
+              <a:noFill/>
+            </a:ln>
+          </p:spPr>
+          <p:style>
+            <a:lnRef idx="2">
+              <a:schemeClr val="accent1">
+                <a:shade val="50000"/>
+              </a:schemeClr>
+            </a:lnRef>
+            <a:fillRef idx="1">
+              <a:schemeClr val="accent1"/>
+            </a:fillRef>
+            <a:effectRef idx="0">
+              <a:schemeClr val="accent1"/>
+            </a:effectRef>
+            <a:fontRef idx="minor">
+              <a:schemeClr val="lt1"/>
+            </a:fontRef>
+          </p:style>
+          <p:txBody>
+            <a:bodyPr rtlCol="0" anchor="ctr"/>
+            <a:lstStyle/>
+            <a:p>
+              <a:pPr algn="ctr"/>
+              <a:endParaRPr lang="en-US" dirty="0"/>
+            </a:p>
+          </p:txBody>
+        </p:sp>
+        <p:cxnSp>
+          <p:nvCxnSpPr>
+            <p:cNvPr id="17" name="Straight Connector 16">
+              <a:extLst>
+                <a:ext uri="{FF2B5EF4-FFF2-40B4-BE49-F238E27FC236}">
+                  <a16:creationId xmlns="" xmlns:a16="http://schemas.microsoft.com/office/drawing/2014/main" id="{1594C0D8-8E64-4876-8F3C-748597D9FF39}"/>
+                </a:ext>
+              </a:extLst>
+            </p:cNvPr>
+            <p:cNvCxnSpPr>
+              <a:cxnSpLocks/>
+            </p:cNvCxnSpPr>
+            <p:nvPr/>
+          </p:nvCxnSpPr>
+          <p:spPr>
+            <a:xfrm>
+              <a:off x="801249" y="1606292"/>
+              <a:ext cx="0" cy="375524"/>
+            </a:xfrm>
+            <a:prstGeom prst="line">
+              <a:avLst/>
+            </a:prstGeom>
+            <a:ln w="28575">
+              <a:solidFill>
+                <a:srgbClr val="264460"/>
+              </a:solidFill>
+            </a:ln>
+          </p:spPr>
+          <p:style>
+            <a:lnRef idx="1">
+              <a:schemeClr val="accent6"/>
+            </a:lnRef>
+            <a:fillRef idx="0">
+              <a:schemeClr val="accent6"/>
+            </a:fillRef>
+            <a:effectRef idx="0">
+              <a:schemeClr val="accent6"/>
+            </a:effectRef>
+            <a:fontRef idx="minor">
+              <a:schemeClr val="tx1"/>
+            </a:fontRef>
+          </p:style>
+        </p:cxnSp>
+        <p:sp>
+          <p:nvSpPr>
+            <p:cNvPr id="23" name="Rectangle 22">
+              <a:extLst>
+                <a:ext uri="{FF2B5EF4-FFF2-40B4-BE49-F238E27FC236}">
+                  <a16:creationId xmlns="" xmlns:a16="http://schemas.microsoft.com/office/drawing/2014/main" id="{F1D0F582-6136-46AF-9D2E-F863BFE7A794}"/>
+                </a:ext>
+              </a:extLst>
+            </p:cNvPr>
+            <p:cNvSpPr/>
+            <p:nvPr/>
+          </p:nvSpPr>
+          <p:spPr>
+            <a:xfrm>
+              <a:off x="548496" y="112647"/>
+              <a:ext cx="475810" cy="475810"/>
+            </a:xfrm>
+            <a:prstGeom prst="rect">
+              <a:avLst/>
+            </a:prstGeom>
+            <a:solidFill>
+              <a:srgbClr val="32A3DB"/>
+            </a:solidFill>
+            <a:ln>
+              <a:noFill/>
+            </a:ln>
+          </p:spPr>
+          <p:style>
+            <a:lnRef idx="2">
+              <a:schemeClr val="accent1">
+                <a:shade val="50000"/>
+              </a:schemeClr>
+            </a:lnRef>
+            <a:fillRef idx="1">
+              <a:schemeClr val="accent1"/>
+            </a:fillRef>
+            <a:effectRef idx="0">
+              <a:schemeClr val="accent1"/>
+            </a:effectRef>
+            <a:fontRef idx="minor">
+              <a:schemeClr val="lt1"/>
+            </a:fontRef>
+          </p:style>
+          <p:txBody>
+            <a:bodyPr rtlCol="0" anchor="ctr"/>
+            <a:lstStyle/>
+            <a:p>
+              <a:pPr algn="ctr"/>
+              <a:endParaRPr lang="en-US"/>
+            </a:p>
+          </p:txBody>
+        </p:sp>
+        <p:cxnSp>
+          <p:nvCxnSpPr>
+            <p:cNvPr id="25" name="Straight Connector 24">
+              <a:extLst>
+                <a:ext uri="{FF2B5EF4-FFF2-40B4-BE49-F238E27FC236}">
+                  <a16:creationId xmlns="" xmlns:a16="http://schemas.microsoft.com/office/drawing/2014/main" id="{74EA430B-5D80-4466-B1FE-AE4CE4D84167}"/>
+                </a:ext>
+              </a:extLst>
+            </p:cNvPr>
+            <p:cNvCxnSpPr>
+              <a:cxnSpLocks/>
+            </p:cNvCxnSpPr>
+            <p:nvPr/>
+          </p:nvCxnSpPr>
+          <p:spPr>
+            <a:xfrm flipH="1">
+              <a:off x="1114087" y="352508"/>
+              <a:ext cx="527825" cy="0"/>
+            </a:xfrm>
+            <a:prstGeom prst="line">
+              <a:avLst/>
+            </a:prstGeom>
+            <a:ln w="28575">
+              <a:solidFill>
+                <a:srgbClr val="F05A66"/>
+              </a:solidFill>
+            </a:ln>
+          </p:spPr>
+          <p:style>
+            <a:lnRef idx="1">
+              <a:schemeClr val="accent6"/>
+            </a:lnRef>
+            <a:fillRef idx="0">
+              <a:schemeClr val="accent6"/>
+            </a:fillRef>
+            <a:effectRef idx="0">
+              <a:schemeClr val="accent6"/>
+            </a:effectRef>
+            <a:fontRef idx="minor">
+              <a:schemeClr val="tx1"/>
+            </a:fontRef>
+          </p:style>
+        </p:cxnSp>
+        <p:cxnSp>
+          <p:nvCxnSpPr>
+            <p:cNvPr id="26" name="Straight Connector 25">
+              <a:extLst>
+                <a:ext uri="{FF2B5EF4-FFF2-40B4-BE49-F238E27FC236}">
+                  <a16:creationId xmlns="" xmlns:a16="http://schemas.microsoft.com/office/drawing/2014/main" id="{2F726E7E-679F-4201-BEA1-CF1B3DE568C8}"/>
+                </a:ext>
+              </a:extLst>
+            </p:cNvPr>
+            <p:cNvCxnSpPr>
+              <a:cxnSpLocks/>
+            </p:cNvCxnSpPr>
+            <p:nvPr/>
+          </p:nvCxnSpPr>
+          <p:spPr>
+            <a:xfrm>
+              <a:off x="203927" y="1670702"/>
+              <a:ext cx="0" cy="659657"/>
+            </a:xfrm>
+            <a:prstGeom prst="line">
+              <a:avLst/>
+            </a:prstGeom>
+            <a:ln w="28575">
+              <a:solidFill>
+                <a:srgbClr val="A5CE4C"/>
+              </a:solidFill>
+            </a:ln>
+          </p:spPr>
+          <p:style>
+            <a:lnRef idx="1">
+              <a:schemeClr val="accent6"/>
+            </a:lnRef>
+            <a:fillRef idx="0">
+              <a:schemeClr val="accent6"/>
+            </a:fillRef>
+            <a:effectRef idx="0">
+              <a:schemeClr val="accent6"/>
+            </a:effectRef>
+            <a:fontRef idx="minor">
+              <a:schemeClr val="tx1"/>
+            </a:fontRef>
+          </p:style>
+        </p:cxnSp>
+        <p:sp>
+          <p:nvSpPr>
+            <p:cNvPr id="28" name="Isosceles Triangle 27">
+              <a:extLst>
+                <a:ext uri="{FF2B5EF4-FFF2-40B4-BE49-F238E27FC236}">
+                  <a16:creationId xmlns="" xmlns:a16="http://schemas.microsoft.com/office/drawing/2014/main" id="{627EA443-A12F-4877-9DE5-D3B72D6A09D8}"/>
+                </a:ext>
+              </a:extLst>
+            </p:cNvPr>
+            <p:cNvSpPr/>
+            <p:nvPr/>
+          </p:nvSpPr>
+          <p:spPr>
+            <a:xfrm rot="5400000">
+              <a:off x="1183962" y="1145928"/>
+              <a:ext cx="112959" cy="97377"/>
+            </a:xfrm>
+            <a:prstGeom prst="triangle">
+              <a:avLst/>
+            </a:prstGeom>
+            <a:solidFill>
+              <a:srgbClr val="A5CE4C"/>
+            </a:solidFill>
+            <a:ln>
+              <a:noFill/>
+            </a:ln>
+          </p:spPr>
+          <p:style>
+            <a:lnRef idx="2">
+              <a:schemeClr val="accent1">
+                <a:shade val="50000"/>
+              </a:schemeClr>
+            </a:lnRef>
+            <a:fillRef idx="1">
+              <a:schemeClr val="accent1"/>
+            </a:fillRef>
+            <a:effectRef idx="0">
+              <a:schemeClr val="accent1"/>
+            </a:effectRef>
+            <a:fontRef idx="minor">
+              <a:schemeClr val="lt1"/>
+            </a:fontRef>
+          </p:style>
+          <p:txBody>
+            <a:bodyPr rtlCol="0" anchor="ctr"/>
+            <a:lstStyle/>
+            <a:p>
+              <a:pPr algn="ctr"/>
+              <a:endParaRPr lang="en-US"/>
+            </a:p>
+          </p:txBody>
+        </p:sp>
+        <p:sp>
+          <p:nvSpPr>
+            <p:cNvPr id="29" name="Rectangle 28">
+              <a:extLst>
+                <a:ext uri="{FF2B5EF4-FFF2-40B4-BE49-F238E27FC236}">
+                  <a16:creationId xmlns="" xmlns:a16="http://schemas.microsoft.com/office/drawing/2014/main" id="{AC13F99A-D701-417E-B959-D72E7AFDA05C}"/>
+                </a:ext>
+              </a:extLst>
+            </p:cNvPr>
+            <p:cNvSpPr/>
+            <p:nvPr/>
+          </p:nvSpPr>
+          <p:spPr>
+            <a:xfrm>
+              <a:off x="1057836" y="588457"/>
+              <a:ext cx="375524" cy="375524"/>
+            </a:xfrm>
+            <a:prstGeom prst="rect">
+              <a:avLst/>
+            </a:prstGeom>
+            <a:solidFill>
+              <a:schemeClr val="bg1">
+                <a:lumMod val="75000"/>
+              </a:schemeClr>
+            </a:solidFill>
+            <a:ln>
+              <a:noFill/>
+            </a:ln>
+          </p:spPr>
+          <p:style>
+            <a:lnRef idx="2">
+              <a:schemeClr val="accent1">
+                <a:shade val="50000"/>
+              </a:schemeClr>
+            </a:lnRef>
+            <a:fillRef idx="1">
+              <a:schemeClr val="accent1"/>
+            </a:fillRef>
+            <a:effectRef idx="0">
+              <a:schemeClr val="accent1"/>
+            </a:effectRef>
+            <a:fontRef idx="minor">
+              <a:schemeClr val="lt1"/>
+            </a:fontRef>
+          </p:style>
+          <p:txBody>
+            <a:bodyPr rtlCol="0" anchor="ctr"/>
+            <a:lstStyle/>
+            <a:p>
+              <a:pPr algn="ctr"/>
+              <a:endParaRPr lang="en-US"/>
+            </a:p>
+          </p:txBody>
+        </p:sp>
+        <p:cxnSp>
+          <p:nvCxnSpPr>
+            <p:cNvPr id="66" name="Straight Connector 65">
+              <a:extLst>
+                <a:ext uri="{FF2B5EF4-FFF2-40B4-BE49-F238E27FC236}">
+                  <a16:creationId xmlns="" xmlns:a16="http://schemas.microsoft.com/office/drawing/2014/main" id="{54632096-0FE8-40DE-A22B-F50AD3133EC9}"/>
+                </a:ext>
+              </a:extLst>
+            </p:cNvPr>
+            <p:cNvCxnSpPr>
+              <a:cxnSpLocks/>
+            </p:cNvCxnSpPr>
+            <p:nvPr/>
+          </p:nvCxnSpPr>
+          <p:spPr>
+            <a:xfrm flipH="1">
+              <a:off x="382925" y="2021659"/>
+              <a:ext cx="234177" cy="0"/>
+            </a:xfrm>
+            <a:prstGeom prst="line">
+              <a:avLst/>
+            </a:prstGeom>
+            <a:ln w="28575">
+              <a:solidFill>
+                <a:srgbClr val="0064A2"/>
+              </a:solidFill>
+            </a:ln>
+          </p:spPr>
+          <p:style>
+            <a:lnRef idx="1">
+              <a:schemeClr val="accent6"/>
+            </a:lnRef>
+            <a:fillRef idx="0">
+              <a:schemeClr val="accent6"/>
+            </a:fillRef>
+            <a:effectRef idx="0">
+              <a:schemeClr val="accent6"/>
+            </a:effectRef>
+            <a:fontRef idx="minor">
+              <a:schemeClr val="tx1"/>
+            </a:fontRef>
+          </p:style>
+        </p:cxnSp>
+        <p:cxnSp>
+          <p:nvCxnSpPr>
+            <p:cNvPr id="74" name="Straight Connector 73">
+              <a:extLst>
+                <a:ext uri="{FF2B5EF4-FFF2-40B4-BE49-F238E27FC236}">
+                  <a16:creationId xmlns="" xmlns:a16="http://schemas.microsoft.com/office/drawing/2014/main" id="{AC8AAC73-6E94-4086-9831-9B94DCF31BCF}"/>
+                </a:ext>
+              </a:extLst>
+            </p:cNvPr>
+            <p:cNvCxnSpPr>
+              <a:cxnSpLocks/>
+            </p:cNvCxnSpPr>
+            <p:nvPr/>
+          </p:nvCxnSpPr>
+          <p:spPr>
+            <a:xfrm flipH="1">
+              <a:off x="1890841" y="156930"/>
+              <a:ext cx="603565" cy="0"/>
+            </a:xfrm>
+            <a:prstGeom prst="line">
+              <a:avLst/>
+            </a:prstGeom>
+            <a:ln w="38100">
+              <a:solidFill>
+                <a:srgbClr val="00B0F0"/>
+              </a:solidFill>
+            </a:ln>
+          </p:spPr>
+          <p:style>
+            <a:lnRef idx="1">
+              <a:schemeClr val="accent6"/>
+            </a:lnRef>
+            <a:fillRef idx="0">
+              <a:schemeClr val="accent6"/>
+            </a:fillRef>
+            <a:effectRef idx="0">
+              <a:schemeClr val="accent6"/>
+            </a:effectRef>
+            <a:fontRef idx="minor">
+              <a:schemeClr val="tx1"/>
+            </a:fontRef>
+          </p:style>
+        </p:cxnSp>
+        <p:sp>
+          <p:nvSpPr>
+            <p:cNvPr id="94" name="Rectangle 93">
+              <a:extLst>
+                <a:ext uri="{FF2B5EF4-FFF2-40B4-BE49-F238E27FC236}">
+                  <a16:creationId xmlns="" xmlns:a16="http://schemas.microsoft.com/office/drawing/2014/main" id="{67736EBA-4C50-469C-B783-E517DC6751A1}"/>
+                </a:ext>
+              </a:extLst>
+            </p:cNvPr>
+            <p:cNvSpPr/>
+            <p:nvPr/>
+          </p:nvSpPr>
+          <p:spPr>
+            <a:xfrm rot="10800000">
+              <a:off x="159087" y="716588"/>
+              <a:ext cx="782817" cy="782817"/>
+            </a:xfrm>
+            <a:prstGeom prst="rect">
+              <a:avLst/>
+            </a:prstGeom>
+            <a:solidFill>
+              <a:srgbClr val="A5CE4C"/>
+            </a:solidFill>
+            <a:ln>
+              <a:noFill/>
+            </a:ln>
+          </p:spPr>
+          <p:style>
+            <a:lnRef idx="2">
+              <a:schemeClr val="accent1">
+                <a:shade val="50000"/>
+              </a:schemeClr>
+            </a:lnRef>
+            <a:fillRef idx="1">
+              <a:schemeClr val="accent1"/>
+            </a:fillRef>
+            <a:effectRef idx="0">
+              <a:schemeClr val="accent1"/>
+            </a:effectRef>
+            <a:fontRef idx="minor">
+              <a:schemeClr val="lt1"/>
+            </a:fontRef>
+          </p:style>
+          <p:txBody>
+            <a:bodyPr rtlCol="0" anchor="ctr"/>
+            <a:lstStyle/>
+            <a:p>
+              <a:pPr algn="ctr"/>
+              <a:endParaRPr lang="en-US"/>
+            </a:p>
+          </p:txBody>
+        </p:sp>
+      </p:grpSp>
+      <p:grpSp>
+        <p:nvGrpSpPr>
+          <p:cNvPr id="7" name="Group 6">
+            <a:extLst>
+              <a:ext uri="{FF2B5EF4-FFF2-40B4-BE49-F238E27FC236}">
+                <a16:creationId xmlns="" xmlns:a16="http://schemas.microsoft.com/office/drawing/2014/main" id="{072F9B5D-AC4E-4A95-850A-874895BEB9EA}"/>
+              </a:ext>
+            </a:extLst>
+          </p:cNvPr>
+          <p:cNvGrpSpPr/>
+          <p:nvPr/>
+        </p:nvGrpSpPr>
+        <p:grpSpPr>
+          <a:xfrm rot="5400000">
+            <a:off x="215639" y="5752080"/>
+            <a:ext cx="917019" cy="1116409"/>
+            <a:chOff x="11236083" y="5625008"/>
+            <a:chExt cx="917019" cy="1116409"/>
+          </a:xfrm>
+        </p:grpSpPr>
+        <p:cxnSp>
+          <p:nvCxnSpPr>
+            <p:cNvPr id="99" name="Straight Connector 98">
+              <a:extLst>
+                <a:ext uri="{FF2B5EF4-FFF2-40B4-BE49-F238E27FC236}">
+                  <a16:creationId xmlns="" xmlns:a16="http://schemas.microsoft.com/office/drawing/2014/main" id="{6ECE9C8F-99BC-4746-85EA-B6AE0815D869}"/>
+                </a:ext>
+              </a:extLst>
+            </p:cNvPr>
+            <p:cNvCxnSpPr/>
+            <p:nvPr/>
+          </p:nvCxnSpPr>
+          <p:spPr>
+            <a:xfrm rot="10800000">
+              <a:off x="12153102" y="6309608"/>
+              <a:ext cx="0" cy="273716"/>
+            </a:xfrm>
+            <a:prstGeom prst="line">
+              <a:avLst/>
+            </a:prstGeom>
+            <a:ln w="28575">
+              <a:solidFill>
+                <a:srgbClr val="00B0F0"/>
+              </a:solidFill>
+            </a:ln>
+          </p:spPr>
+          <p:style>
+            <a:lnRef idx="1">
+              <a:schemeClr val="accent6"/>
+            </a:lnRef>
+            <a:fillRef idx="0">
+              <a:schemeClr val="accent6"/>
+            </a:fillRef>
+            <a:effectRef idx="0">
+              <a:schemeClr val="accent6"/>
+            </a:effectRef>
+            <a:fontRef idx="minor">
+              <a:schemeClr val="tx1"/>
+            </a:fontRef>
+          </p:style>
+        </p:cxnSp>
+        <p:cxnSp>
+          <p:nvCxnSpPr>
+            <p:cNvPr id="103" name="Straight Connector 102">
+              <a:extLst>
+                <a:ext uri="{FF2B5EF4-FFF2-40B4-BE49-F238E27FC236}">
+                  <a16:creationId xmlns="" xmlns:a16="http://schemas.microsoft.com/office/drawing/2014/main" id="{5CA985A1-58CE-4D9C-AB62-C19FCC180D95}"/>
+                </a:ext>
+              </a:extLst>
+            </p:cNvPr>
+            <p:cNvCxnSpPr>
+              <a:cxnSpLocks/>
+            </p:cNvCxnSpPr>
+            <p:nvPr/>
+          </p:nvCxnSpPr>
+          <p:spPr>
+            <a:xfrm rot="10800000">
+              <a:off x="11856381" y="6072859"/>
+              <a:ext cx="0" cy="137575"/>
+            </a:xfrm>
+            <a:prstGeom prst="line">
+              <a:avLst/>
+            </a:prstGeom>
+            <a:ln w="28575">
+              <a:solidFill>
+                <a:srgbClr val="264460"/>
+              </a:solidFill>
+            </a:ln>
+          </p:spPr>
+          <p:style>
+            <a:lnRef idx="1">
+              <a:schemeClr val="accent6"/>
+            </a:lnRef>
+            <a:fillRef idx="0">
+              <a:schemeClr val="accent6"/>
+            </a:fillRef>
+            <a:effectRef idx="0">
+              <a:schemeClr val="accent6"/>
+            </a:effectRef>
+            <a:fontRef idx="minor">
+              <a:schemeClr val="tx1"/>
+            </a:fontRef>
+          </p:style>
+        </p:cxnSp>
+        <p:sp>
+          <p:nvSpPr>
+            <p:cNvPr id="104" name="Rectangle 103">
+              <a:extLst>
+                <a:ext uri="{FF2B5EF4-FFF2-40B4-BE49-F238E27FC236}">
+                  <a16:creationId xmlns="" xmlns:a16="http://schemas.microsoft.com/office/drawing/2014/main" id="{F25BA23B-F213-4A90-8EF1-8FB19F342BEE}"/>
+                </a:ext>
+              </a:extLst>
+            </p:cNvPr>
+            <p:cNvSpPr/>
+            <p:nvPr/>
+          </p:nvSpPr>
+          <p:spPr>
+            <a:xfrm rot="10800000">
+              <a:off x="11822804" y="6558861"/>
+              <a:ext cx="174316" cy="174316"/>
+            </a:xfrm>
+            <a:prstGeom prst="rect">
+              <a:avLst/>
+            </a:prstGeom>
+            <a:solidFill>
+              <a:srgbClr val="32A3DB"/>
+            </a:solidFill>
+            <a:ln>
+              <a:noFill/>
+            </a:ln>
+          </p:spPr>
+          <p:style>
+            <a:lnRef idx="2">
+              <a:schemeClr val="accent1">
+                <a:shade val="50000"/>
+              </a:schemeClr>
+            </a:lnRef>
+            <a:fillRef idx="1">
+              <a:schemeClr val="accent1"/>
+            </a:fillRef>
+            <a:effectRef idx="0">
+              <a:schemeClr val="accent1"/>
+            </a:effectRef>
+            <a:fontRef idx="minor">
+              <a:schemeClr val="lt1"/>
+            </a:fontRef>
+          </p:style>
+          <p:txBody>
+            <a:bodyPr rtlCol="0" anchor="ctr"/>
+            <a:lstStyle/>
+            <a:p>
+              <a:pPr algn="ctr"/>
+              <a:endParaRPr lang="en-US"/>
+            </a:p>
+          </p:txBody>
+        </p:sp>
+        <p:cxnSp>
+          <p:nvCxnSpPr>
+            <p:cNvPr id="105" name="Straight Connector 104">
+              <a:extLst>
+                <a:ext uri="{FF2B5EF4-FFF2-40B4-BE49-F238E27FC236}">
+                  <a16:creationId xmlns="" xmlns:a16="http://schemas.microsoft.com/office/drawing/2014/main" id="{D6E838D4-6428-4010-972F-51C9D6C7C14D}"/>
+                </a:ext>
+              </a:extLst>
+            </p:cNvPr>
+            <p:cNvCxnSpPr>
+              <a:cxnSpLocks/>
+            </p:cNvCxnSpPr>
+            <p:nvPr/>
+          </p:nvCxnSpPr>
+          <p:spPr>
+            <a:xfrm rot="10800000" flipH="1">
+              <a:off x="11548399" y="6669766"/>
+              <a:ext cx="193372" cy="0"/>
+            </a:xfrm>
+            <a:prstGeom prst="line">
+              <a:avLst/>
+            </a:prstGeom>
+            <a:ln w="28575">
+              <a:solidFill>
+                <a:srgbClr val="F05A66"/>
+              </a:solidFill>
+            </a:ln>
+          </p:spPr>
+          <p:style>
+            <a:lnRef idx="1">
+              <a:schemeClr val="accent6"/>
+            </a:lnRef>
+            <a:fillRef idx="0">
+              <a:schemeClr val="accent6"/>
+            </a:fillRef>
+            <a:effectRef idx="0">
+              <a:schemeClr val="accent6"/>
+            </a:effectRef>
+            <a:fontRef idx="minor">
+              <a:schemeClr val="tx1"/>
+            </a:fontRef>
+          </p:style>
+        </p:cxnSp>
+        <p:cxnSp>
+          <p:nvCxnSpPr>
+            <p:cNvPr id="106" name="Straight Connector 105">
+              <a:extLst>
+                <a:ext uri="{FF2B5EF4-FFF2-40B4-BE49-F238E27FC236}">
+                  <a16:creationId xmlns="" xmlns:a16="http://schemas.microsoft.com/office/drawing/2014/main" id="{BE6ECDB1-63AC-4CF1-92E9-3450EBF930CC}"/>
+                </a:ext>
+              </a:extLst>
+            </p:cNvPr>
+            <p:cNvCxnSpPr>
+              <a:cxnSpLocks/>
+            </p:cNvCxnSpPr>
+            <p:nvPr/>
+          </p:nvCxnSpPr>
+          <p:spPr>
+            <a:xfrm rot="10800000">
+              <a:off x="12075214" y="5887843"/>
+              <a:ext cx="0" cy="241669"/>
+            </a:xfrm>
+            <a:prstGeom prst="line">
+              <a:avLst/>
+            </a:prstGeom>
+            <a:ln w="28575">
+              <a:solidFill>
+                <a:srgbClr val="A5CE4C"/>
+              </a:solidFill>
+            </a:ln>
+          </p:spPr>
+          <p:style>
+            <a:lnRef idx="1">
+              <a:schemeClr val="accent6"/>
+            </a:lnRef>
+            <a:fillRef idx="0">
+              <a:schemeClr val="accent6"/>
+            </a:fillRef>
+            <a:effectRef idx="0">
+              <a:schemeClr val="accent6"/>
+            </a:effectRef>
+            <a:fontRef idx="minor">
+              <a:schemeClr val="tx1"/>
+            </a:fontRef>
+          </p:style>
+        </p:cxnSp>
+        <p:sp>
+          <p:nvSpPr>
+            <p:cNvPr id="107" name="Isosceles Triangle 106">
+              <a:extLst>
+                <a:ext uri="{FF2B5EF4-FFF2-40B4-BE49-F238E27FC236}">
+                  <a16:creationId xmlns="" xmlns:a16="http://schemas.microsoft.com/office/drawing/2014/main" id="{16C87518-22DF-452C-9123-BED344752714}"/>
+                </a:ext>
+              </a:extLst>
+            </p:cNvPr>
+            <p:cNvSpPr/>
+            <p:nvPr/>
+          </p:nvSpPr>
+          <p:spPr>
+            <a:xfrm>
+              <a:off x="11785134" y="6440565"/>
+              <a:ext cx="60967" cy="52558"/>
+            </a:xfrm>
+            <a:prstGeom prst="triangle">
+              <a:avLst/>
+            </a:prstGeom>
+            <a:solidFill>
+              <a:srgbClr val="F05A66"/>
+            </a:solidFill>
+            <a:ln>
+              <a:noFill/>
+            </a:ln>
+          </p:spPr>
+          <p:style>
+            <a:lnRef idx="2">
+              <a:schemeClr val="accent1">
+                <a:shade val="50000"/>
+              </a:schemeClr>
+            </a:lnRef>
+            <a:fillRef idx="1">
+              <a:schemeClr val="accent1"/>
+            </a:fillRef>
+            <a:effectRef idx="0">
+              <a:schemeClr val="accent1"/>
+            </a:effectRef>
+            <a:fontRef idx="minor">
+              <a:schemeClr val="lt1"/>
+            </a:fontRef>
+          </p:style>
+          <p:txBody>
+            <a:bodyPr rtlCol="0" anchor="ctr"/>
+            <a:lstStyle/>
+            <a:p>
+              <a:pPr algn="ctr"/>
+              <a:endParaRPr lang="en-US" dirty="0"/>
+            </a:p>
+          </p:txBody>
+        </p:sp>
+        <p:sp>
+          <p:nvSpPr>
+            <p:cNvPr id="108" name="Rectangle 107">
+              <a:extLst>
+                <a:ext uri="{FF2B5EF4-FFF2-40B4-BE49-F238E27FC236}">
+                  <a16:creationId xmlns="" xmlns:a16="http://schemas.microsoft.com/office/drawing/2014/main" id="{CF333E49-E8B0-43B3-AD76-F8135FB0C162}"/>
+                </a:ext>
+              </a:extLst>
+            </p:cNvPr>
+            <p:cNvSpPr/>
+            <p:nvPr/>
+          </p:nvSpPr>
+          <p:spPr>
+            <a:xfrm rot="10800000">
+              <a:off x="11934495" y="6309607"/>
+              <a:ext cx="137575" cy="137575"/>
+            </a:xfrm>
+            <a:prstGeom prst="rect">
+              <a:avLst/>
+            </a:prstGeom>
+            <a:solidFill>
+              <a:schemeClr val="bg1">
+                <a:lumMod val="75000"/>
+              </a:schemeClr>
+            </a:solidFill>
+            <a:ln>
+              <a:noFill/>
+            </a:ln>
+          </p:spPr>
+          <p:style>
+            <a:lnRef idx="2">
+              <a:schemeClr val="accent1">
+                <a:shade val="50000"/>
+              </a:schemeClr>
+            </a:lnRef>
+            <a:fillRef idx="1">
+              <a:schemeClr val="accent1"/>
+            </a:fillRef>
+            <a:effectRef idx="0">
+              <a:schemeClr val="accent1"/>
+            </a:effectRef>
+            <a:fontRef idx="minor">
+              <a:schemeClr val="lt1"/>
+            </a:fontRef>
+          </p:style>
+          <p:txBody>
+            <a:bodyPr rtlCol="0" anchor="ctr"/>
+            <a:lstStyle/>
+            <a:p>
+              <a:pPr algn="ctr"/>
+              <a:endParaRPr lang="en-US"/>
+            </a:p>
+          </p:txBody>
+        </p:sp>
+        <p:cxnSp>
+          <p:nvCxnSpPr>
+            <p:cNvPr id="109" name="Straight Connector 108">
+              <a:extLst>
+                <a:ext uri="{FF2B5EF4-FFF2-40B4-BE49-F238E27FC236}">
+                  <a16:creationId xmlns="" xmlns:a16="http://schemas.microsoft.com/office/drawing/2014/main" id="{6A39D844-176B-4486-A0D2-EC5880E38AD8}"/>
+                </a:ext>
+              </a:extLst>
+            </p:cNvPr>
+            <p:cNvCxnSpPr>
+              <a:cxnSpLocks/>
+            </p:cNvCxnSpPr>
+            <p:nvPr/>
+          </p:nvCxnSpPr>
+          <p:spPr>
+            <a:xfrm rot="10800000" flipH="1">
+              <a:off x="11901127" y="5956631"/>
+              <a:ext cx="85792" cy="0"/>
+            </a:xfrm>
+            <a:prstGeom prst="line">
+              <a:avLst/>
+            </a:prstGeom>
+            <a:ln w="28575">
+              <a:solidFill>
+                <a:srgbClr val="0064A2"/>
+              </a:solidFill>
+            </a:ln>
+          </p:spPr>
+          <p:style>
+            <a:lnRef idx="1">
+              <a:schemeClr val="accent6"/>
+            </a:lnRef>
+            <a:fillRef idx="0">
+              <a:schemeClr val="accent6"/>
+            </a:fillRef>
+            <a:effectRef idx="0">
+              <a:schemeClr val="accent6"/>
+            </a:effectRef>
+            <a:fontRef idx="minor">
+              <a:schemeClr val="tx1"/>
+            </a:fontRef>
+          </p:style>
+        </p:cxnSp>
+        <p:cxnSp>
+          <p:nvCxnSpPr>
+            <p:cNvPr id="110" name="Straight Connector 109">
+              <a:extLst>
+                <a:ext uri="{FF2B5EF4-FFF2-40B4-BE49-F238E27FC236}">
+                  <a16:creationId xmlns="" xmlns:a16="http://schemas.microsoft.com/office/drawing/2014/main" id="{4992A096-E1A3-4D68-8B5A-8860B85E6BBE}"/>
+                </a:ext>
+              </a:extLst>
+            </p:cNvPr>
+            <p:cNvCxnSpPr>
+              <a:cxnSpLocks/>
+            </p:cNvCxnSpPr>
+            <p:nvPr/>
+          </p:nvCxnSpPr>
+          <p:spPr>
+            <a:xfrm rot="10800000" flipH="1">
+              <a:off x="11236083" y="6741417"/>
+              <a:ext cx="221120" cy="0"/>
+            </a:xfrm>
+            <a:prstGeom prst="line">
+              <a:avLst/>
+            </a:prstGeom>
+            <a:ln w="38100">
+              <a:solidFill>
+                <a:srgbClr val="00B0F0"/>
+              </a:solidFill>
+            </a:ln>
+          </p:spPr>
+          <p:style>
+            <a:lnRef idx="1">
+              <a:schemeClr val="accent6"/>
+            </a:lnRef>
+            <a:fillRef idx="0">
+              <a:schemeClr val="accent6"/>
+            </a:fillRef>
+            <a:effectRef idx="0">
+              <a:schemeClr val="accent6"/>
+            </a:effectRef>
+            <a:fontRef idx="minor">
+              <a:schemeClr val="tx1"/>
+            </a:fontRef>
+          </p:style>
+        </p:cxnSp>
+        <p:sp>
+          <p:nvSpPr>
+            <p:cNvPr id="111" name="Rectangle 110">
+              <a:extLst>
+                <a:ext uri="{FF2B5EF4-FFF2-40B4-BE49-F238E27FC236}">
+                  <a16:creationId xmlns="" xmlns:a16="http://schemas.microsoft.com/office/drawing/2014/main" id="{49DAE2C2-25BB-4C2E-A982-D02717ECA92A}"/>
+                </a:ext>
+              </a:extLst>
+            </p:cNvPr>
+            <p:cNvSpPr/>
+            <p:nvPr/>
+          </p:nvSpPr>
+          <p:spPr>
+            <a:xfrm>
+              <a:off x="11991039" y="5625008"/>
+              <a:ext cx="162062" cy="162061"/>
+            </a:xfrm>
+            <a:prstGeom prst="rect">
+              <a:avLst/>
+            </a:prstGeom>
+            <a:solidFill>
+              <a:srgbClr val="A5CE4C"/>
+            </a:solidFill>
+            <a:ln>
+              <a:noFill/>
+            </a:ln>
+          </p:spPr>
+          <p:style>
+            <a:lnRef idx="2">
+              <a:schemeClr val="accent1">
+                <a:shade val="50000"/>
+              </a:schemeClr>
+            </a:lnRef>
+            <a:fillRef idx="1">
+              <a:schemeClr val="accent1"/>
+            </a:fillRef>
+            <a:effectRef idx="0">
+              <a:schemeClr val="accent1"/>
+            </a:effectRef>
+            <a:fontRef idx="minor">
+              <a:schemeClr val="lt1"/>
+            </a:fontRef>
+          </p:style>
+          <p:txBody>
+            <a:bodyPr rtlCol="0" anchor="ctr"/>
+            <a:lstStyle/>
+            <a:p>
+              <a:pPr algn="ctr"/>
+              <a:endParaRPr lang="en-US"/>
+            </a:p>
+          </p:txBody>
+        </p:sp>
+      </p:grpSp>
+      <p:sp>
+        <p:nvSpPr>
+          <p:cNvPr id="112" name="Content Placeholder 6">
+            <a:extLst>
+              <a:ext uri="{FF2B5EF4-FFF2-40B4-BE49-F238E27FC236}">
+                <a16:creationId xmlns="" xmlns:a16="http://schemas.microsoft.com/office/drawing/2014/main" id="{14DEBC71-E8CF-459C-BB79-177A4BDAE8E3}"/>
               </a:ext>
             </a:extLst>
           </p:cNvPr>
@@ -20445,7 +22320,7 @@
           <p:cNvPr id="5" name="Straight Connector 4">
             <a:extLst>
               <a:ext uri="{FF2B5EF4-FFF2-40B4-BE49-F238E27FC236}">
-                <a16:creationId xmlns:a16="http://schemas.microsoft.com/office/drawing/2014/main" xmlns="" id="{8C2DB7FB-9109-4887-8625-124DD9F8A881}"/>
+                <a16:creationId xmlns="" xmlns:a16="http://schemas.microsoft.com/office/drawing/2014/main" id="{8C2DB7FB-9109-4887-8625-124DD9F8A881}"/>
               </a:ext>
             </a:extLst>
           </p:cNvPr>
@@ -20768,7 +22643,7 @@
 </p:sld>
 </file>
 
-<file path=ppt/slides/slide6.xml><?xml version="1.0" encoding="utf-8"?>
+<file path=ppt/slides/slide7.xml><?xml version="1.0" encoding="utf-8"?>
 <p:sld xmlns:a="http://schemas.openxmlformats.org/drawingml/2006/main" xmlns:r="http://schemas.openxmlformats.org/officeDocument/2006/relationships" xmlns:p="http://schemas.openxmlformats.org/presentationml/2006/main">
   <p:cSld>
     <p:spTree>
@@ -20790,7 +22665,7 @@
           <p:cNvPr id="3" name="Group 2">
             <a:extLst>
               <a:ext uri="{FF2B5EF4-FFF2-40B4-BE49-F238E27FC236}">
-                <a16:creationId xmlns:a16="http://schemas.microsoft.com/office/drawing/2014/main" xmlns="" id="{FCDE87D1-8591-4038-B6D3-70BE723EDC19}"/>
+                <a16:creationId xmlns="" xmlns:a16="http://schemas.microsoft.com/office/drawing/2014/main" id="{FCDE87D1-8591-4038-B6D3-70BE723EDC19}"/>
               </a:ext>
             </a:extLst>
           </p:cNvPr>
@@ -20810,7 +22685,7 @@
             <p:cNvPr id="11" name="Straight Connector 10">
               <a:extLst>
                 <a:ext uri="{FF2B5EF4-FFF2-40B4-BE49-F238E27FC236}">
-                  <a16:creationId xmlns:a16="http://schemas.microsoft.com/office/drawing/2014/main" xmlns="" id="{2146B420-36A0-4D0B-9233-827F6EE145CA}"/>
+                  <a16:creationId xmlns="" xmlns:a16="http://schemas.microsoft.com/office/drawing/2014/main" id="{2146B420-36A0-4D0B-9233-827F6EE145CA}"/>
                 </a:ext>
               </a:extLst>
             </p:cNvPr>
@@ -20851,7 +22726,7 @@
             <p:cNvPr id="12" name="Straight Connector 11">
               <a:extLst>
                 <a:ext uri="{FF2B5EF4-FFF2-40B4-BE49-F238E27FC236}">
-                  <a16:creationId xmlns:a16="http://schemas.microsoft.com/office/drawing/2014/main" xmlns="" id="{03AF7267-76D1-4929-9C05-18730E59F6DC}"/>
+                  <a16:creationId xmlns="" xmlns:a16="http://schemas.microsoft.com/office/drawing/2014/main" id="{03AF7267-76D1-4929-9C05-18730E59F6DC}"/>
                 </a:ext>
               </a:extLst>
             </p:cNvPr>
@@ -20894,7 +22769,7 @@
             <p:cNvPr id="16" name="Isosceles Triangle 15">
               <a:extLst>
                 <a:ext uri="{FF2B5EF4-FFF2-40B4-BE49-F238E27FC236}">
-                  <a16:creationId xmlns:a16="http://schemas.microsoft.com/office/drawing/2014/main" xmlns="" id="{BF9E7EFB-0E75-4EE6-AB73-DDA9454A8F98}"/>
+                  <a16:creationId xmlns="" xmlns:a16="http://schemas.microsoft.com/office/drawing/2014/main" id="{BF9E7EFB-0E75-4EE6-AB73-DDA9454A8F98}"/>
                 </a:ext>
               </a:extLst>
             </p:cNvPr>
@@ -20946,7 +22821,7 @@
             <p:cNvPr id="17" name="Straight Connector 16">
               <a:extLst>
                 <a:ext uri="{FF2B5EF4-FFF2-40B4-BE49-F238E27FC236}">
-                  <a16:creationId xmlns:a16="http://schemas.microsoft.com/office/drawing/2014/main" xmlns="" id="{1594C0D8-8E64-4876-8F3C-748597D9FF39}"/>
+                  <a16:creationId xmlns="" xmlns:a16="http://schemas.microsoft.com/office/drawing/2014/main" id="{1594C0D8-8E64-4876-8F3C-748597D9FF39}"/>
                 </a:ext>
               </a:extLst>
             </p:cNvPr>
@@ -20989,7 +22864,7 @@
             <p:cNvPr id="23" name="Rectangle 22">
               <a:extLst>
                 <a:ext uri="{FF2B5EF4-FFF2-40B4-BE49-F238E27FC236}">
-                  <a16:creationId xmlns:a16="http://schemas.microsoft.com/office/drawing/2014/main" xmlns="" id="{F1D0F582-6136-46AF-9D2E-F863BFE7A794}"/>
+                  <a16:creationId xmlns="" xmlns:a16="http://schemas.microsoft.com/office/drawing/2014/main" id="{F1D0F582-6136-46AF-9D2E-F863BFE7A794}"/>
                 </a:ext>
               </a:extLst>
             </p:cNvPr>
@@ -21041,7 +22916,7 @@
             <p:cNvPr id="25" name="Straight Connector 24">
               <a:extLst>
                 <a:ext uri="{FF2B5EF4-FFF2-40B4-BE49-F238E27FC236}">
-                  <a16:creationId xmlns:a16="http://schemas.microsoft.com/office/drawing/2014/main" xmlns="" id="{74EA430B-5D80-4466-B1FE-AE4CE4D84167}"/>
+                  <a16:creationId xmlns="" xmlns:a16="http://schemas.microsoft.com/office/drawing/2014/main" id="{74EA430B-5D80-4466-B1FE-AE4CE4D84167}"/>
                 </a:ext>
               </a:extLst>
             </p:cNvPr>
@@ -21084,7 +22959,7 @@
             <p:cNvPr id="26" name="Straight Connector 25">
               <a:extLst>
                 <a:ext uri="{FF2B5EF4-FFF2-40B4-BE49-F238E27FC236}">
-                  <a16:creationId xmlns:a16="http://schemas.microsoft.com/office/drawing/2014/main" xmlns="" id="{2F726E7E-679F-4201-BEA1-CF1B3DE568C8}"/>
+                  <a16:creationId xmlns="" xmlns:a16="http://schemas.microsoft.com/office/drawing/2014/main" id="{2F726E7E-679F-4201-BEA1-CF1B3DE568C8}"/>
                 </a:ext>
               </a:extLst>
             </p:cNvPr>
@@ -21127,7 +23002,7 @@
             <p:cNvPr id="28" name="Isosceles Triangle 27">
               <a:extLst>
                 <a:ext uri="{FF2B5EF4-FFF2-40B4-BE49-F238E27FC236}">
-                  <a16:creationId xmlns:a16="http://schemas.microsoft.com/office/drawing/2014/main" xmlns="" id="{627EA443-A12F-4877-9DE5-D3B72D6A09D8}"/>
+                  <a16:creationId xmlns="" xmlns:a16="http://schemas.microsoft.com/office/drawing/2014/main" id="{627EA443-A12F-4877-9DE5-D3B72D6A09D8}"/>
                 </a:ext>
               </a:extLst>
             </p:cNvPr>
@@ -21179,7 +23054,7 @@
             <p:cNvPr id="29" name="Rectangle 28">
               <a:extLst>
                 <a:ext uri="{FF2B5EF4-FFF2-40B4-BE49-F238E27FC236}">
-                  <a16:creationId xmlns:a16="http://schemas.microsoft.com/office/drawing/2014/main" xmlns="" id="{AC13F99A-D701-417E-B959-D72E7AFDA05C}"/>
+                  <a16:creationId xmlns="" xmlns:a16="http://schemas.microsoft.com/office/drawing/2014/main" id="{AC13F99A-D701-417E-B959-D72E7AFDA05C}"/>
                 </a:ext>
               </a:extLst>
             </p:cNvPr>
@@ -21233,7 +23108,7 @@
             <p:cNvPr id="66" name="Straight Connector 65">
               <a:extLst>
                 <a:ext uri="{FF2B5EF4-FFF2-40B4-BE49-F238E27FC236}">
-                  <a16:creationId xmlns:a16="http://schemas.microsoft.com/office/drawing/2014/main" xmlns="" id="{54632096-0FE8-40DE-A22B-F50AD3133EC9}"/>
+                  <a16:creationId xmlns="" xmlns:a16="http://schemas.microsoft.com/office/drawing/2014/main" id="{54632096-0FE8-40DE-A22B-F50AD3133EC9}"/>
                 </a:ext>
               </a:extLst>
             </p:cNvPr>
@@ -21276,7 +23151,7 @@
             <p:cNvPr id="74" name="Straight Connector 73">
               <a:extLst>
                 <a:ext uri="{FF2B5EF4-FFF2-40B4-BE49-F238E27FC236}">
-                  <a16:creationId xmlns:a16="http://schemas.microsoft.com/office/drawing/2014/main" xmlns="" id="{AC8AAC73-6E94-4086-9831-9B94DCF31BCF}"/>
+                  <a16:creationId xmlns="" xmlns:a16="http://schemas.microsoft.com/office/drawing/2014/main" id="{AC8AAC73-6E94-4086-9831-9B94DCF31BCF}"/>
                 </a:ext>
               </a:extLst>
             </p:cNvPr>
@@ -21319,7 +23194,7 @@
             <p:cNvPr id="94" name="Rectangle 93">
               <a:extLst>
                 <a:ext uri="{FF2B5EF4-FFF2-40B4-BE49-F238E27FC236}">
-                  <a16:creationId xmlns:a16="http://schemas.microsoft.com/office/drawing/2014/main" xmlns="" id="{67736EBA-4C50-469C-B783-E517DC6751A1}"/>
+                  <a16:creationId xmlns="" xmlns:a16="http://schemas.microsoft.com/office/drawing/2014/main" id="{67736EBA-4C50-469C-B783-E517DC6751A1}"/>
                 </a:ext>
               </a:extLst>
             </p:cNvPr>
@@ -21372,7 +23247,7 @@
           <p:cNvPr id="7" name="Group 6">
             <a:extLst>
               <a:ext uri="{FF2B5EF4-FFF2-40B4-BE49-F238E27FC236}">
-                <a16:creationId xmlns:a16="http://schemas.microsoft.com/office/drawing/2014/main" xmlns="" id="{072F9B5D-AC4E-4A95-850A-874895BEB9EA}"/>
+                <a16:creationId xmlns="" xmlns:a16="http://schemas.microsoft.com/office/drawing/2014/main" id="{072F9B5D-AC4E-4A95-850A-874895BEB9EA}"/>
               </a:ext>
             </a:extLst>
           </p:cNvPr>
@@ -21392,7 +23267,7 @@
             <p:cNvPr id="99" name="Straight Connector 98">
               <a:extLst>
                 <a:ext uri="{FF2B5EF4-FFF2-40B4-BE49-F238E27FC236}">
-                  <a16:creationId xmlns:a16="http://schemas.microsoft.com/office/drawing/2014/main" xmlns="" id="{6ECE9C8F-99BC-4746-85EA-B6AE0815D869}"/>
+                  <a16:creationId xmlns="" xmlns:a16="http://schemas.microsoft.com/office/drawing/2014/main" id="{6ECE9C8F-99BC-4746-85EA-B6AE0815D869}"/>
                 </a:ext>
               </a:extLst>
             </p:cNvPr>
@@ -21433,7 +23308,7 @@
             <p:cNvPr id="103" name="Straight Connector 102">
               <a:extLst>
                 <a:ext uri="{FF2B5EF4-FFF2-40B4-BE49-F238E27FC236}">
-                  <a16:creationId xmlns:a16="http://schemas.microsoft.com/office/drawing/2014/main" xmlns="" id="{5CA985A1-58CE-4D9C-AB62-C19FCC180D95}"/>
+                  <a16:creationId xmlns="" xmlns:a16="http://schemas.microsoft.com/office/drawing/2014/main" id="{5CA985A1-58CE-4D9C-AB62-C19FCC180D95}"/>
                 </a:ext>
               </a:extLst>
             </p:cNvPr>
@@ -21476,7 +23351,7 @@
             <p:cNvPr id="104" name="Rectangle 103">
               <a:extLst>
                 <a:ext uri="{FF2B5EF4-FFF2-40B4-BE49-F238E27FC236}">
-                  <a16:creationId xmlns:a16="http://schemas.microsoft.com/office/drawing/2014/main" xmlns="" id="{F25BA23B-F213-4A90-8EF1-8FB19F342BEE}"/>
+                  <a16:creationId xmlns="" xmlns:a16="http://schemas.microsoft.com/office/drawing/2014/main" id="{F25BA23B-F213-4A90-8EF1-8FB19F342BEE}"/>
                 </a:ext>
               </a:extLst>
             </p:cNvPr>
@@ -21528,7 +23403,7 @@
             <p:cNvPr id="105" name="Straight Connector 104">
               <a:extLst>
                 <a:ext uri="{FF2B5EF4-FFF2-40B4-BE49-F238E27FC236}">
-                  <a16:creationId xmlns:a16="http://schemas.microsoft.com/office/drawing/2014/main" xmlns="" id="{D6E838D4-6428-4010-972F-51C9D6C7C14D}"/>
+                  <a16:creationId xmlns="" xmlns:a16="http://schemas.microsoft.com/office/drawing/2014/main" id="{D6E838D4-6428-4010-972F-51C9D6C7C14D}"/>
                 </a:ext>
               </a:extLst>
             </p:cNvPr>
@@ -21571,7 +23446,7 @@
             <p:cNvPr id="106" name="Straight Connector 105">
               <a:extLst>
                 <a:ext uri="{FF2B5EF4-FFF2-40B4-BE49-F238E27FC236}">
-                  <a16:creationId xmlns:a16="http://schemas.microsoft.com/office/drawing/2014/main" xmlns="" id="{BE6ECDB1-63AC-4CF1-92E9-3450EBF930CC}"/>
+                  <a16:creationId xmlns="" xmlns:a16="http://schemas.microsoft.com/office/drawing/2014/main" id="{BE6ECDB1-63AC-4CF1-92E9-3450EBF930CC}"/>
                 </a:ext>
               </a:extLst>
             </p:cNvPr>
@@ -21614,7 +23489,7 @@
             <p:cNvPr id="107" name="Isosceles Triangle 106">
               <a:extLst>
                 <a:ext uri="{FF2B5EF4-FFF2-40B4-BE49-F238E27FC236}">
-                  <a16:creationId xmlns:a16="http://schemas.microsoft.com/office/drawing/2014/main" xmlns="" id="{16C87518-22DF-452C-9123-BED344752714}"/>
+                  <a16:creationId xmlns="" xmlns:a16="http://schemas.microsoft.com/office/drawing/2014/main" id="{16C87518-22DF-452C-9123-BED344752714}"/>
                 </a:ext>
               </a:extLst>
             </p:cNvPr>
@@ -21666,7 +23541,7 @@
             <p:cNvPr id="108" name="Rectangle 107">
               <a:extLst>
                 <a:ext uri="{FF2B5EF4-FFF2-40B4-BE49-F238E27FC236}">
-                  <a16:creationId xmlns:a16="http://schemas.microsoft.com/office/drawing/2014/main" xmlns="" id="{CF333E49-E8B0-43B3-AD76-F8135FB0C162}"/>
+                  <a16:creationId xmlns="" xmlns:a16="http://schemas.microsoft.com/office/drawing/2014/main" id="{CF333E49-E8B0-43B3-AD76-F8135FB0C162}"/>
                 </a:ext>
               </a:extLst>
             </p:cNvPr>
@@ -21720,7 +23595,7 @@
             <p:cNvPr id="109" name="Straight Connector 108">
               <a:extLst>
                 <a:ext uri="{FF2B5EF4-FFF2-40B4-BE49-F238E27FC236}">
-                  <a16:creationId xmlns:a16="http://schemas.microsoft.com/office/drawing/2014/main" xmlns="" id="{6A39D844-176B-4486-A0D2-EC5880E38AD8}"/>
+                  <a16:creationId xmlns="" xmlns:a16="http://schemas.microsoft.com/office/drawing/2014/main" id="{6A39D844-176B-4486-A0D2-EC5880E38AD8}"/>
                 </a:ext>
               </a:extLst>
             </p:cNvPr>
@@ -21763,7 +23638,7 @@
             <p:cNvPr id="110" name="Straight Connector 109">
               <a:extLst>
                 <a:ext uri="{FF2B5EF4-FFF2-40B4-BE49-F238E27FC236}">
-                  <a16:creationId xmlns:a16="http://schemas.microsoft.com/office/drawing/2014/main" xmlns="" id="{4992A096-E1A3-4D68-8B5A-8860B85E6BBE}"/>
+                  <a16:creationId xmlns="" xmlns:a16="http://schemas.microsoft.com/office/drawing/2014/main" id="{4992A096-E1A3-4D68-8B5A-8860B85E6BBE}"/>
                 </a:ext>
               </a:extLst>
             </p:cNvPr>
@@ -21806,7 +23681,7 @@
             <p:cNvPr id="111" name="Rectangle 110">
               <a:extLst>
                 <a:ext uri="{FF2B5EF4-FFF2-40B4-BE49-F238E27FC236}">
-                  <a16:creationId xmlns:a16="http://schemas.microsoft.com/office/drawing/2014/main" xmlns="" id="{49DAE2C2-25BB-4C2E-A982-D02717ECA92A}"/>
+                  <a16:creationId xmlns="" xmlns:a16="http://schemas.microsoft.com/office/drawing/2014/main" id="{49DAE2C2-25BB-4C2E-A982-D02717ECA92A}"/>
                 </a:ext>
               </a:extLst>
             </p:cNvPr>
@@ -21859,7 +23734,7 @@
           <p:cNvPr id="112" name="Content Placeholder 6">
             <a:extLst>
               <a:ext uri="{FF2B5EF4-FFF2-40B4-BE49-F238E27FC236}">
-                <a16:creationId xmlns:a16="http://schemas.microsoft.com/office/drawing/2014/main" xmlns="" id="{14DEBC71-E8CF-459C-BB79-177A4BDAE8E3}"/>
+                <a16:creationId xmlns="" xmlns:a16="http://schemas.microsoft.com/office/drawing/2014/main" id="{14DEBC71-E8CF-459C-BB79-177A4BDAE8E3}"/>
               </a:ext>
             </a:extLst>
           </p:cNvPr>
@@ -22068,7 +23943,7 @@
           <p:cNvPr id="5" name="Straight Connector 4">
             <a:extLst>
               <a:ext uri="{FF2B5EF4-FFF2-40B4-BE49-F238E27FC236}">
-                <a16:creationId xmlns:a16="http://schemas.microsoft.com/office/drawing/2014/main" xmlns="" id="{8C2DB7FB-9109-4887-8625-124DD9F8A881}"/>
+                <a16:creationId xmlns="" xmlns:a16="http://schemas.microsoft.com/office/drawing/2014/main" id="{8C2DB7FB-9109-4887-8625-124DD9F8A881}"/>
               </a:ext>
             </a:extLst>
           </p:cNvPr>
@@ -22389,7 +24264,7 @@
 </p:sld>
 </file>
 
-<file path=ppt/slides/slide7.xml><?xml version="1.0" encoding="utf-8"?>
+<file path=ppt/slides/slide8.xml><?xml version="1.0" encoding="utf-8"?>
 <p:sld xmlns:a="http://schemas.openxmlformats.org/drawingml/2006/main" xmlns:r="http://schemas.openxmlformats.org/officeDocument/2006/relationships" xmlns:p="http://schemas.openxmlformats.org/presentationml/2006/main">
   <p:cSld>
     <p:spTree>
@@ -22411,7 +24286,7 @@
           <p:cNvPr id="11" name="Straight Connector 10">
             <a:extLst>
               <a:ext uri="{FF2B5EF4-FFF2-40B4-BE49-F238E27FC236}">
-                <a16:creationId xmlns:a16="http://schemas.microsoft.com/office/drawing/2014/main" xmlns="" id="{2146B420-36A0-4D0B-9233-827F6EE145CA}"/>
+                <a16:creationId xmlns="" xmlns:a16="http://schemas.microsoft.com/office/drawing/2014/main" id="{2146B420-36A0-4D0B-9233-827F6EE145CA}"/>
               </a:ext>
             </a:extLst>
           </p:cNvPr>
@@ -22452,7 +24327,7 @@
           <p:cNvPr id="12" name="Straight Connector 11">
             <a:extLst>
               <a:ext uri="{FF2B5EF4-FFF2-40B4-BE49-F238E27FC236}">
-                <a16:creationId xmlns:a16="http://schemas.microsoft.com/office/drawing/2014/main" xmlns="" id="{03AF7267-76D1-4929-9C05-18730E59F6DC}"/>
+                <a16:creationId xmlns="" xmlns:a16="http://schemas.microsoft.com/office/drawing/2014/main" id="{03AF7267-76D1-4929-9C05-18730E59F6DC}"/>
               </a:ext>
             </a:extLst>
           </p:cNvPr>
@@ -22495,7 +24370,7 @@
           <p:cNvPr id="14" name="Straight Connector 13">
             <a:extLst>
               <a:ext uri="{FF2B5EF4-FFF2-40B4-BE49-F238E27FC236}">
-                <a16:creationId xmlns:a16="http://schemas.microsoft.com/office/drawing/2014/main" xmlns="" id="{61BF793F-536F-4B18-9FB4-A58DA6AD4ADB}"/>
+                <a16:creationId xmlns="" xmlns:a16="http://schemas.microsoft.com/office/drawing/2014/main" id="{61BF793F-536F-4B18-9FB4-A58DA6AD4ADB}"/>
               </a:ext>
             </a:extLst>
           </p:cNvPr>
@@ -22538,7 +24413,7 @@
           <p:cNvPr id="16" name="Isosceles Triangle 15">
             <a:extLst>
               <a:ext uri="{FF2B5EF4-FFF2-40B4-BE49-F238E27FC236}">
-                <a16:creationId xmlns:a16="http://schemas.microsoft.com/office/drawing/2014/main" xmlns="" id="{BF9E7EFB-0E75-4EE6-AB73-DDA9454A8F98}"/>
+                <a16:creationId xmlns="" xmlns:a16="http://schemas.microsoft.com/office/drawing/2014/main" id="{BF9E7EFB-0E75-4EE6-AB73-DDA9454A8F98}"/>
               </a:ext>
             </a:extLst>
           </p:cNvPr>
@@ -22587,7 +24462,7 @@
           <p:cNvPr id="17" name="Straight Connector 16">
             <a:extLst>
               <a:ext uri="{FF2B5EF4-FFF2-40B4-BE49-F238E27FC236}">
-                <a16:creationId xmlns:a16="http://schemas.microsoft.com/office/drawing/2014/main" xmlns="" id="{1594C0D8-8E64-4876-8F3C-748597D9FF39}"/>
+                <a16:creationId xmlns="" xmlns:a16="http://schemas.microsoft.com/office/drawing/2014/main" id="{1594C0D8-8E64-4876-8F3C-748597D9FF39}"/>
               </a:ext>
             </a:extLst>
           </p:cNvPr>
@@ -22630,7 +24505,7 @@
           <p:cNvPr id="18" name="Straight Connector 17">
             <a:extLst>
               <a:ext uri="{FF2B5EF4-FFF2-40B4-BE49-F238E27FC236}">
-                <a16:creationId xmlns:a16="http://schemas.microsoft.com/office/drawing/2014/main" xmlns="" id="{060AA773-EF53-4CD0-8A3C-784BC7EDBB09}"/>
+                <a16:creationId xmlns="" xmlns:a16="http://schemas.microsoft.com/office/drawing/2014/main" id="{060AA773-EF53-4CD0-8A3C-784BC7EDBB09}"/>
               </a:ext>
             </a:extLst>
           </p:cNvPr>
@@ -22673,7 +24548,7 @@
           <p:cNvPr id="19" name="Straight Connector 18">
             <a:extLst>
               <a:ext uri="{FF2B5EF4-FFF2-40B4-BE49-F238E27FC236}">
-                <a16:creationId xmlns:a16="http://schemas.microsoft.com/office/drawing/2014/main" xmlns="" id="{FE27CC4F-B2BD-41C7-9429-7DF91BA15CAE}"/>
+                <a16:creationId xmlns="" xmlns:a16="http://schemas.microsoft.com/office/drawing/2014/main" id="{FE27CC4F-B2BD-41C7-9429-7DF91BA15CAE}"/>
               </a:ext>
             </a:extLst>
           </p:cNvPr>
@@ -22716,7 +24591,7 @@
           <p:cNvPr id="20" name="Straight Connector 19">
             <a:extLst>
               <a:ext uri="{FF2B5EF4-FFF2-40B4-BE49-F238E27FC236}">
-                <a16:creationId xmlns:a16="http://schemas.microsoft.com/office/drawing/2014/main" xmlns="" id="{8FC490E3-B524-43B0-BA7D-480E3A448CA2}"/>
+                <a16:creationId xmlns="" xmlns:a16="http://schemas.microsoft.com/office/drawing/2014/main" id="{8FC490E3-B524-43B0-BA7D-480E3A448CA2}"/>
               </a:ext>
             </a:extLst>
           </p:cNvPr>
@@ -22757,7 +24632,7 @@
           <p:cNvPr id="21" name="Straight Connector 20">
             <a:extLst>
               <a:ext uri="{FF2B5EF4-FFF2-40B4-BE49-F238E27FC236}">
-                <a16:creationId xmlns:a16="http://schemas.microsoft.com/office/drawing/2014/main" xmlns="" id="{8B206D0E-E433-473D-BD17-9F8223FA8A78}"/>
+                <a16:creationId xmlns="" xmlns:a16="http://schemas.microsoft.com/office/drawing/2014/main" id="{8B206D0E-E433-473D-BD17-9F8223FA8A78}"/>
               </a:ext>
             </a:extLst>
           </p:cNvPr>
@@ -22800,7 +24675,7 @@
           <p:cNvPr id="22" name="Straight Connector 21">
             <a:extLst>
               <a:ext uri="{FF2B5EF4-FFF2-40B4-BE49-F238E27FC236}">
-                <a16:creationId xmlns:a16="http://schemas.microsoft.com/office/drawing/2014/main" xmlns="" id="{6789F2F8-071F-49AC-B83C-4A8F267D4B27}"/>
+                <a16:creationId xmlns="" xmlns:a16="http://schemas.microsoft.com/office/drawing/2014/main" id="{6789F2F8-071F-49AC-B83C-4A8F267D4B27}"/>
               </a:ext>
             </a:extLst>
           </p:cNvPr>
@@ -22843,7 +24718,7 @@
           <p:cNvPr id="23" name="Rectangle 22">
             <a:extLst>
               <a:ext uri="{FF2B5EF4-FFF2-40B4-BE49-F238E27FC236}">
-                <a16:creationId xmlns:a16="http://schemas.microsoft.com/office/drawing/2014/main" xmlns="" id="{F1D0F582-6136-46AF-9D2E-F863BFE7A794}"/>
+                <a16:creationId xmlns="" xmlns:a16="http://schemas.microsoft.com/office/drawing/2014/main" id="{F1D0F582-6136-46AF-9D2E-F863BFE7A794}"/>
               </a:ext>
             </a:extLst>
           </p:cNvPr>
@@ -22895,7 +24770,7 @@
           <p:cNvPr id="25" name="Straight Connector 24">
             <a:extLst>
               <a:ext uri="{FF2B5EF4-FFF2-40B4-BE49-F238E27FC236}">
-                <a16:creationId xmlns:a16="http://schemas.microsoft.com/office/drawing/2014/main" xmlns="" id="{74EA430B-5D80-4466-B1FE-AE4CE4D84167}"/>
+                <a16:creationId xmlns="" xmlns:a16="http://schemas.microsoft.com/office/drawing/2014/main" id="{74EA430B-5D80-4466-B1FE-AE4CE4D84167}"/>
               </a:ext>
             </a:extLst>
           </p:cNvPr>
@@ -22938,7 +24813,7 @@
           <p:cNvPr id="26" name="Straight Connector 25">
             <a:extLst>
               <a:ext uri="{FF2B5EF4-FFF2-40B4-BE49-F238E27FC236}">
-                <a16:creationId xmlns:a16="http://schemas.microsoft.com/office/drawing/2014/main" xmlns="" id="{2F726E7E-679F-4201-BEA1-CF1B3DE568C8}"/>
+                <a16:creationId xmlns="" xmlns:a16="http://schemas.microsoft.com/office/drawing/2014/main" id="{2F726E7E-679F-4201-BEA1-CF1B3DE568C8}"/>
               </a:ext>
             </a:extLst>
           </p:cNvPr>
@@ -22981,7 +24856,7 @@
           <p:cNvPr id="28" name="Isosceles Triangle 27">
             <a:extLst>
               <a:ext uri="{FF2B5EF4-FFF2-40B4-BE49-F238E27FC236}">
-                <a16:creationId xmlns:a16="http://schemas.microsoft.com/office/drawing/2014/main" xmlns="" id="{627EA443-A12F-4877-9DE5-D3B72D6A09D8}"/>
+                <a16:creationId xmlns="" xmlns:a16="http://schemas.microsoft.com/office/drawing/2014/main" id="{627EA443-A12F-4877-9DE5-D3B72D6A09D8}"/>
               </a:ext>
             </a:extLst>
           </p:cNvPr>
@@ -23033,7 +24908,7 @@
           <p:cNvPr id="29" name="Rectangle 28">
             <a:extLst>
               <a:ext uri="{FF2B5EF4-FFF2-40B4-BE49-F238E27FC236}">
-                <a16:creationId xmlns:a16="http://schemas.microsoft.com/office/drawing/2014/main" xmlns="" id="{AC13F99A-D701-417E-B959-D72E7AFDA05C}"/>
+                <a16:creationId xmlns="" xmlns:a16="http://schemas.microsoft.com/office/drawing/2014/main" id="{AC13F99A-D701-417E-B959-D72E7AFDA05C}"/>
               </a:ext>
             </a:extLst>
           </p:cNvPr>
@@ -23087,7 +24962,7 @@
           <p:cNvPr id="31" name="Rectangle 30">
             <a:extLst>
               <a:ext uri="{FF2B5EF4-FFF2-40B4-BE49-F238E27FC236}">
-                <a16:creationId xmlns:a16="http://schemas.microsoft.com/office/drawing/2014/main" xmlns="" id="{5FE36792-F57D-45CE-AB92-8AF5FB80FD93}"/>
+                <a16:creationId xmlns="" xmlns:a16="http://schemas.microsoft.com/office/drawing/2014/main" id="{5FE36792-F57D-45CE-AB92-8AF5FB80FD93}"/>
               </a:ext>
             </a:extLst>
           </p:cNvPr>
@@ -23139,7 +25014,7 @@
           <p:cNvPr id="32" name="Rectangle 31">
             <a:extLst>
               <a:ext uri="{FF2B5EF4-FFF2-40B4-BE49-F238E27FC236}">
-                <a16:creationId xmlns:a16="http://schemas.microsoft.com/office/drawing/2014/main" xmlns="" id="{E8AAE5DD-157B-4943-A0CC-9B5B62896E51}"/>
+                <a16:creationId xmlns="" xmlns:a16="http://schemas.microsoft.com/office/drawing/2014/main" id="{E8AAE5DD-157B-4943-A0CC-9B5B62896E51}"/>
               </a:ext>
             </a:extLst>
           </p:cNvPr>
@@ -23191,7 +25066,7 @@
           <p:cNvPr id="33" name="Straight Connector 32">
             <a:extLst>
               <a:ext uri="{FF2B5EF4-FFF2-40B4-BE49-F238E27FC236}">
-                <a16:creationId xmlns:a16="http://schemas.microsoft.com/office/drawing/2014/main" xmlns="" id="{08603C70-C519-4147-AFEF-393C21088C13}"/>
+                <a16:creationId xmlns="" xmlns:a16="http://schemas.microsoft.com/office/drawing/2014/main" id="{08603C70-C519-4147-AFEF-393C21088C13}"/>
               </a:ext>
             </a:extLst>
           </p:cNvPr>
@@ -23234,7 +25109,7 @@
           <p:cNvPr id="34" name="Straight Connector 33">
             <a:extLst>
               <a:ext uri="{FF2B5EF4-FFF2-40B4-BE49-F238E27FC236}">
-                <a16:creationId xmlns:a16="http://schemas.microsoft.com/office/drawing/2014/main" xmlns="" id="{4B2CD1CA-1859-4CA3-BF48-5DC678C65FC6}"/>
+                <a16:creationId xmlns="" xmlns:a16="http://schemas.microsoft.com/office/drawing/2014/main" id="{4B2CD1CA-1859-4CA3-BF48-5DC678C65FC6}"/>
               </a:ext>
             </a:extLst>
           </p:cNvPr>
@@ -23277,7 +25152,7 @@
           <p:cNvPr id="35" name="Isosceles Triangle 34">
             <a:extLst>
               <a:ext uri="{FF2B5EF4-FFF2-40B4-BE49-F238E27FC236}">
-                <a16:creationId xmlns:a16="http://schemas.microsoft.com/office/drawing/2014/main" xmlns="" id="{564CDA47-2D29-4911-918C-F174644AAA79}"/>
+                <a16:creationId xmlns="" xmlns:a16="http://schemas.microsoft.com/office/drawing/2014/main" id="{564CDA47-2D29-4911-918C-F174644AAA79}"/>
               </a:ext>
             </a:extLst>
           </p:cNvPr>
@@ -23329,7 +25204,7 @@
           <p:cNvPr id="36" name="Straight Connector 35">
             <a:extLst>
               <a:ext uri="{FF2B5EF4-FFF2-40B4-BE49-F238E27FC236}">
-                <a16:creationId xmlns:a16="http://schemas.microsoft.com/office/drawing/2014/main" xmlns="" id="{6A064416-6C72-48E0-916C-E8A2ACE773F7}"/>
+                <a16:creationId xmlns="" xmlns:a16="http://schemas.microsoft.com/office/drawing/2014/main" id="{6A064416-6C72-48E0-916C-E8A2ACE773F7}"/>
               </a:ext>
             </a:extLst>
           </p:cNvPr>
@@ -23372,7 +25247,7 @@
           <p:cNvPr id="37" name="Straight Connector 36">
             <a:extLst>
               <a:ext uri="{FF2B5EF4-FFF2-40B4-BE49-F238E27FC236}">
-                <a16:creationId xmlns:a16="http://schemas.microsoft.com/office/drawing/2014/main" xmlns="" id="{A43A2005-9515-47DA-A35F-A08FFB42A556}"/>
+                <a16:creationId xmlns="" xmlns:a16="http://schemas.microsoft.com/office/drawing/2014/main" id="{A43A2005-9515-47DA-A35F-A08FFB42A556}"/>
               </a:ext>
             </a:extLst>
           </p:cNvPr>
@@ -23413,7 +25288,7 @@
           <p:cNvPr id="38" name="Straight Connector 37">
             <a:extLst>
               <a:ext uri="{FF2B5EF4-FFF2-40B4-BE49-F238E27FC236}">
-                <a16:creationId xmlns:a16="http://schemas.microsoft.com/office/drawing/2014/main" xmlns="" id="{46E641BD-A504-4488-8428-7FC1549F0262}"/>
+                <a16:creationId xmlns="" xmlns:a16="http://schemas.microsoft.com/office/drawing/2014/main" id="{46E641BD-A504-4488-8428-7FC1549F0262}"/>
               </a:ext>
             </a:extLst>
           </p:cNvPr>
@@ -23456,7 +25331,7 @@
           <p:cNvPr id="39" name="Straight Connector 38">
             <a:extLst>
               <a:ext uri="{FF2B5EF4-FFF2-40B4-BE49-F238E27FC236}">
-                <a16:creationId xmlns:a16="http://schemas.microsoft.com/office/drawing/2014/main" xmlns="" id="{8736F59A-4429-4ED2-A845-0D4822D5B996}"/>
+                <a16:creationId xmlns="" xmlns:a16="http://schemas.microsoft.com/office/drawing/2014/main" id="{8736F59A-4429-4ED2-A845-0D4822D5B996}"/>
               </a:ext>
             </a:extLst>
           </p:cNvPr>
@@ -23499,7 +25374,7 @@
           <p:cNvPr id="40" name="Straight Connector 39">
             <a:extLst>
               <a:ext uri="{FF2B5EF4-FFF2-40B4-BE49-F238E27FC236}">
-                <a16:creationId xmlns:a16="http://schemas.microsoft.com/office/drawing/2014/main" xmlns="" id="{7389F5A9-4DB2-4056-9B01-52DCEE34F09C}"/>
+                <a16:creationId xmlns="" xmlns:a16="http://schemas.microsoft.com/office/drawing/2014/main" id="{7389F5A9-4DB2-4056-9B01-52DCEE34F09C}"/>
               </a:ext>
             </a:extLst>
           </p:cNvPr>
@@ -23542,7 +25417,7 @@
           <p:cNvPr id="41" name="Straight Connector 40">
             <a:extLst>
               <a:ext uri="{FF2B5EF4-FFF2-40B4-BE49-F238E27FC236}">
-                <a16:creationId xmlns:a16="http://schemas.microsoft.com/office/drawing/2014/main" xmlns="" id="{F7A23DDE-8140-48AA-A0C3-9EDD2F53D500}"/>
+                <a16:creationId xmlns="" xmlns:a16="http://schemas.microsoft.com/office/drawing/2014/main" id="{F7A23DDE-8140-48AA-A0C3-9EDD2F53D500}"/>
               </a:ext>
             </a:extLst>
           </p:cNvPr>
@@ -23585,7 +25460,7 @@
           <p:cNvPr id="42" name="Isosceles Triangle 41">
             <a:extLst>
               <a:ext uri="{FF2B5EF4-FFF2-40B4-BE49-F238E27FC236}">
-                <a16:creationId xmlns:a16="http://schemas.microsoft.com/office/drawing/2014/main" xmlns="" id="{34FC8168-A4BA-4BC5-84E2-C18E35C7508C}"/>
+                <a16:creationId xmlns="" xmlns:a16="http://schemas.microsoft.com/office/drawing/2014/main" id="{34FC8168-A4BA-4BC5-84E2-C18E35C7508C}"/>
               </a:ext>
             </a:extLst>
           </p:cNvPr>
@@ -23637,7 +25512,7 @@
           <p:cNvPr id="43" name="Straight Connector 42">
             <a:extLst>
               <a:ext uri="{FF2B5EF4-FFF2-40B4-BE49-F238E27FC236}">
-                <a16:creationId xmlns:a16="http://schemas.microsoft.com/office/drawing/2014/main" xmlns="" id="{73C00932-8375-4385-A65D-10BB10B64CB2}"/>
+                <a16:creationId xmlns="" xmlns:a16="http://schemas.microsoft.com/office/drawing/2014/main" id="{73C00932-8375-4385-A65D-10BB10B64CB2}"/>
               </a:ext>
             </a:extLst>
           </p:cNvPr>
@@ -23680,7 +25555,7 @@
           <p:cNvPr id="44" name="Straight Connector 43">
             <a:extLst>
               <a:ext uri="{FF2B5EF4-FFF2-40B4-BE49-F238E27FC236}">
-                <a16:creationId xmlns:a16="http://schemas.microsoft.com/office/drawing/2014/main" xmlns="" id="{15E1C27C-A148-4B0D-8389-B17A75E1A01E}"/>
+                <a16:creationId xmlns="" xmlns:a16="http://schemas.microsoft.com/office/drawing/2014/main" id="{15E1C27C-A148-4B0D-8389-B17A75E1A01E}"/>
               </a:ext>
             </a:extLst>
           </p:cNvPr>
@@ -23723,7 +25598,7 @@
           <p:cNvPr id="46" name="Rectangle 45">
             <a:extLst>
               <a:ext uri="{FF2B5EF4-FFF2-40B4-BE49-F238E27FC236}">
-                <a16:creationId xmlns:a16="http://schemas.microsoft.com/office/drawing/2014/main" xmlns="" id="{DEBC1EB9-152F-4411-802C-B5A50E619E56}"/>
+                <a16:creationId xmlns="" xmlns:a16="http://schemas.microsoft.com/office/drawing/2014/main" id="{DEBC1EB9-152F-4411-802C-B5A50E619E56}"/>
               </a:ext>
             </a:extLst>
           </p:cNvPr>
@@ -23775,7 +25650,7 @@
           <p:cNvPr id="47" name="Rectangle 46">
             <a:extLst>
               <a:ext uri="{FF2B5EF4-FFF2-40B4-BE49-F238E27FC236}">
-                <a16:creationId xmlns:a16="http://schemas.microsoft.com/office/drawing/2014/main" xmlns="" id="{AAF08F5B-8A11-4181-8F8C-C456818C7C66}"/>
+                <a16:creationId xmlns="" xmlns:a16="http://schemas.microsoft.com/office/drawing/2014/main" id="{AAF08F5B-8A11-4181-8F8C-C456818C7C66}"/>
               </a:ext>
             </a:extLst>
           </p:cNvPr>
@@ -23827,7 +25702,7 @@
           <p:cNvPr id="48" name="Straight Connector 47">
             <a:extLst>
               <a:ext uri="{FF2B5EF4-FFF2-40B4-BE49-F238E27FC236}">
-                <a16:creationId xmlns:a16="http://schemas.microsoft.com/office/drawing/2014/main" xmlns="" id="{688331DD-3C8F-4537-B5DB-368CA1476026}"/>
+                <a16:creationId xmlns="" xmlns:a16="http://schemas.microsoft.com/office/drawing/2014/main" id="{688331DD-3C8F-4537-B5DB-368CA1476026}"/>
               </a:ext>
             </a:extLst>
           </p:cNvPr>
@@ -23870,7 +25745,7 @@
           <p:cNvPr id="49" name="Straight Connector 48">
             <a:extLst>
               <a:ext uri="{FF2B5EF4-FFF2-40B4-BE49-F238E27FC236}">
-                <a16:creationId xmlns:a16="http://schemas.microsoft.com/office/drawing/2014/main" xmlns="" id="{52341083-F7DD-4FCE-8E27-B87B3E4E594B}"/>
+                <a16:creationId xmlns="" xmlns:a16="http://schemas.microsoft.com/office/drawing/2014/main" id="{52341083-F7DD-4FCE-8E27-B87B3E4E594B}"/>
               </a:ext>
             </a:extLst>
           </p:cNvPr>
@@ -23913,7 +25788,7 @@
           <p:cNvPr id="50" name="Isosceles Triangle 49">
             <a:extLst>
               <a:ext uri="{FF2B5EF4-FFF2-40B4-BE49-F238E27FC236}">
-                <a16:creationId xmlns:a16="http://schemas.microsoft.com/office/drawing/2014/main" xmlns="" id="{A5A94AA0-A16F-4891-8F68-454A3ABFBD8D}"/>
+                <a16:creationId xmlns="" xmlns:a16="http://schemas.microsoft.com/office/drawing/2014/main" id="{A5A94AA0-A16F-4891-8F68-454A3ABFBD8D}"/>
               </a:ext>
             </a:extLst>
           </p:cNvPr>
@@ -23965,7 +25840,7 @@
           <p:cNvPr id="51" name="Straight Connector 50">
             <a:extLst>
               <a:ext uri="{FF2B5EF4-FFF2-40B4-BE49-F238E27FC236}">
-                <a16:creationId xmlns:a16="http://schemas.microsoft.com/office/drawing/2014/main" xmlns="" id="{DBD216EE-BBB1-411A-A754-CF364B591511}"/>
+                <a16:creationId xmlns="" xmlns:a16="http://schemas.microsoft.com/office/drawing/2014/main" id="{DBD216EE-BBB1-411A-A754-CF364B591511}"/>
               </a:ext>
             </a:extLst>
           </p:cNvPr>
@@ -24008,7 +25883,7 @@
           <p:cNvPr id="52" name="Straight Connector 51">
             <a:extLst>
               <a:ext uri="{FF2B5EF4-FFF2-40B4-BE49-F238E27FC236}">
-                <a16:creationId xmlns:a16="http://schemas.microsoft.com/office/drawing/2014/main" xmlns="" id="{D683E7DD-CAF7-4CC5-B7C0-A97C9E09F996}"/>
+                <a16:creationId xmlns="" xmlns:a16="http://schemas.microsoft.com/office/drawing/2014/main" id="{D683E7DD-CAF7-4CC5-B7C0-A97C9E09F996}"/>
               </a:ext>
             </a:extLst>
           </p:cNvPr>
@@ -24051,7 +25926,7 @@
           <p:cNvPr id="53" name="Straight Connector 52">
             <a:extLst>
               <a:ext uri="{FF2B5EF4-FFF2-40B4-BE49-F238E27FC236}">
-                <a16:creationId xmlns:a16="http://schemas.microsoft.com/office/drawing/2014/main" xmlns="" id="{4C16A1BA-5353-4E15-9369-EC51457D8C12}"/>
+                <a16:creationId xmlns="" xmlns:a16="http://schemas.microsoft.com/office/drawing/2014/main" id="{4C16A1BA-5353-4E15-9369-EC51457D8C12}"/>
               </a:ext>
             </a:extLst>
           </p:cNvPr>
@@ -24094,7 +25969,7 @@
           <p:cNvPr id="54" name="Straight Connector 53">
             <a:extLst>
               <a:ext uri="{FF2B5EF4-FFF2-40B4-BE49-F238E27FC236}">
-                <a16:creationId xmlns:a16="http://schemas.microsoft.com/office/drawing/2014/main" xmlns="" id="{118039DC-6FB7-4A80-AB3D-E0678BD0FE21}"/>
+                <a16:creationId xmlns="" xmlns:a16="http://schemas.microsoft.com/office/drawing/2014/main" id="{118039DC-6FB7-4A80-AB3D-E0678BD0FE21}"/>
               </a:ext>
             </a:extLst>
           </p:cNvPr>
@@ -24137,7 +26012,7 @@
           <p:cNvPr id="55" name="Straight Connector 54">
             <a:extLst>
               <a:ext uri="{FF2B5EF4-FFF2-40B4-BE49-F238E27FC236}">
-                <a16:creationId xmlns:a16="http://schemas.microsoft.com/office/drawing/2014/main" xmlns="" id="{D6DF9E4E-B1C2-4D67-82F5-051C905FFC43}"/>
+                <a16:creationId xmlns="" xmlns:a16="http://schemas.microsoft.com/office/drawing/2014/main" id="{D6DF9E4E-B1C2-4D67-82F5-051C905FFC43}"/>
               </a:ext>
             </a:extLst>
           </p:cNvPr>
@@ -24180,7 +26055,7 @@
           <p:cNvPr id="56" name="Straight Connector 55">
             <a:extLst>
               <a:ext uri="{FF2B5EF4-FFF2-40B4-BE49-F238E27FC236}">
-                <a16:creationId xmlns:a16="http://schemas.microsoft.com/office/drawing/2014/main" xmlns="" id="{25271C66-205C-44C2-B158-16CA6C0956EA}"/>
+                <a16:creationId xmlns="" xmlns:a16="http://schemas.microsoft.com/office/drawing/2014/main" id="{25271C66-205C-44C2-B158-16CA6C0956EA}"/>
               </a:ext>
             </a:extLst>
           </p:cNvPr>
@@ -24223,7 +26098,7 @@
           <p:cNvPr id="58" name="Straight Connector 57">
             <a:extLst>
               <a:ext uri="{FF2B5EF4-FFF2-40B4-BE49-F238E27FC236}">
-                <a16:creationId xmlns:a16="http://schemas.microsoft.com/office/drawing/2014/main" xmlns="" id="{88860B99-42F3-42AA-A34B-F845AABE8707}"/>
+                <a16:creationId xmlns="" xmlns:a16="http://schemas.microsoft.com/office/drawing/2014/main" id="{88860B99-42F3-42AA-A34B-F845AABE8707}"/>
               </a:ext>
             </a:extLst>
           </p:cNvPr>
@@ -24266,7 +26141,7 @@
           <p:cNvPr id="59" name="Straight Connector 58">
             <a:extLst>
               <a:ext uri="{FF2B5EF4-FFF2-40B4-BE49-F238E27FC236}">
-                <a16:creationId xmlns:a16="http://schemas.microsoft.com/office/drawing/2014/main" xmlns="" id="{4DC06792-E418-49F2-9C3A-130CEA832025}"/>
+                <a16:creationId xmlns="" xmlns:a16="http://schemas.microsoft.com/office/drawing/2014/main" id="{4DC06792-E418-49F2-9C3A-130CEA832025}"/>
               </a:ext>
             </a:extLst>
           </p:cNvPr>
@@ -24309,7 +26184,7 @@
           <p:cNvPr id="61" name="Straight Connector 60">
             <a:extLst>
               <a:ext uri="{FF2B5EF4-FFF2-40B4-BE49-F238E27FC236}">
-                <a16:creationId xmlns:a16="http://schemas.microsoft.com/office/drawing/2014/main" xmlns="" id="{8435BA16-339D-447E-85E4-A9C6AD24AFF7}"/>
+                <a16:creationId xmlns="" xmlns:a16="http://schemas.microsoft.com/office/drawing/2014/main" id="{8435BA16-339D-447E-85E4-A9C6AD24AFF7}"/>
               </a:ext>
             </a:extLst>
           </p:cNvPr>
@@ -24352,7 +26227,7 @@
           <p:cNvPr id="66" name="Straight Connector 65">
             <a:extLst>
               <a:ext uri="{FF2B5EF4-FFF2-40B4-BE49-F238E27FC236}">
-                <a16:creationId xmlns:a16="http://schemas.microsoft.com/office/drawing/2014/main" xmlns="" id="{54632096-0FE8-40DE-A22B-F50AD3133EC9}"/>
+                <a16:creationId xmlns="" xmlns:a16="http://schemas.microsoft.com/office/drawing/2014/main" id="{54632096-0FE8-40DE-A22B-F50AD3133EC9}"/>
               </a:ext>
             </a:extLst>
           </p:cNvPr>
@@ -24395,7 +26270,7 @@
           <p:cNvPr id="67" name="Isosceles Triangle 66">
             <a:extLst>
               <a:ext uri="{FF2B5EF4-FFF2-40B4-BE49-F238E27FC236}">
-                <a16:creationId xmlns:a16="http://schemas.microsoft.com/office/drawing/2014/main" xmlns="" id="{6F9D9936-9E40-497C-A740-5CABF5667B8F}"/>
+                <a16:creationId xmlns="" xmlns:a16="http://schemas.microsoft.com/office/drawing/2014/main" id="{6F9D9936-9E40-497C-A740-5CABF5667B8F}"/>
               </a:ext>
             </a:extLst>
           </p:cNvPr>
@@ -24447,7 +26322,7 @@
           <p:cNvPr id="70" name="Straight Connector 69">
             <a:extLst>
               <a:ext uri="{FF2B5EF4-FFF2-40B4-BE49-F238E27FC236}">
-                <a16:creationId xmlns:a16="http://schemas.microsoft.com/office/drawing/2014/main" xmlns="" id="{CDD2F396-7DF1-464F-8123-BE6B1A8E5F37}"/>
+                <a16:creationId xmlns="" xmlns:a16="http://schemas.microsoft.com/office/drawing/2014/main" id="{CDD2F396-7DF1-464F-8123-BE6B1A8E5F37}"/>
               </a:ext>
             </a:extLst>
           </p:cNvPr>
@@ -24490,7 +26365,7 @@
           <p:cNvPr id="71" name="Straight Connector 70">
             <a:extLst>
               <a:ext uri="{FF2B5EF4-FFF2-40B4-BE49-F238E27FC236}">
-                <a16:creationId xmlns:a16="http://schemas.microsoft.com/office/drawing/2014/main" xmlns="" id="{5C929269-7742-47A6-8930-E3CF0E249AA3}"/>
+                <a16:creationId xmlns="" xmlns:a16="http://schemas.microsoft.com/office/drawing/2014/main" id="{5C929269-7742-47A6-8930-E3CF0E249AA3}"/>
               </a:ext>
             </a:extLst>
           </p:cNvPr>
@@ -24533,7 +26408,7 @@
           <p:cNvPr id="72" name="Isosceles Triangle 71">
             <a:extLst>
               <a:ext uri="{FF2B5EF4-FFF2-40B4-BE49-F238E27FC236}">
-                <a16:creationId xmlns:a16="http://schemas.microsoft.com/office/drawing/2014/main" xmlns="" id="{AA45AF28-810B-43E0-8A8D-F4F567664EEF}"/>
+                <a16:creationId xmlns="" xmlns:a16="http://schemas.microsoft.com/office/drawing/2014/main" id="{AA45AF28-810B-43E0-8A8D-F4F567664EEF}"/>
               </a:ext>
             </a:extLst>
           </p:cNvPr>
@@ -24582,7 +26457,7 @@
           <p:cNvPr id="73" name="Straight Connector 72">
             <a:extLst>
               <a:ext uri="{FF2B5EF4-FFF2-40B4-BE49-F238E27FC236}">
-                <a16:creationId xmlns:a16="http://schemas.microsoft.com/office/drawing/2014/main" xmlns="" id="{911015BD-4412-43F9-8F8A-61C26BDF1CA0}"/>
+                <a16:creationId xmlns="" xmlns:a16="http://schemas.microsoft.com/office/drawing/2014/main" id="{911015BD-4412-43F9-8F8A-61C26BDF1CA0}"/>
               </a:ext>
             </a:extLst>
           </p:cNvPr>
@@ -24627,7 +26502,7 @@
           <p:cNvPr id="74" name="Straight Connector 73">
             <a:extLst>
               <a:ext uri="{FF2B5EF4-FFF2-40B4-BE49-F238E27FC236}">
-                <a16:creationId xmlns:a16="http://schemas.microsoft.com/office/drawing/2014/main" xmlns="" id="{AC8AAC73-6E94-4086-9831-9B94DCF31BCF}"/>
+                <a16:creationId xmlns="" xmlns:a16="http://schemas.microsoft.com/office/drawing/2014/main" id="{AC8AAC73-6E94-4086-9831-9B94DCF31BCF}"/>
               </a:ext>
             </a:extLst>
           </p:cNvPr>
@@ -24670,7 +26545,7 @@
           <p:cNvPr id="76" name="Straight Connector 75">
             <a:extLst>
               <a:ext uri="{FF2B5EF4-FFF2-40B4-BE49-F238E27FC236}">
-                <a16:creationId xmlns:a16="http://schemas.microsoft.com/office/drawing/2014/main" xmlns="" id="{B56EAE09-B729-403E-B917-7FC011EDE45B}"/>
+                <a16:creationId xmlns="" xmlns:a16="http://schemas.microsoft.com/office/drawing/2014/main" id="{B56EAE09-B729-403E-B917-7FC011EDE45B}"/>
               </a:ext>
             </a:extLst>
           </p:cNvPr>
@@ -24713,7 +26588,7 @@
           <p:cNvPr id="77" name="Straight Connector 76">
             <a:extLst>
               <a:ext uri="{FF2B5EF4-FFF2-40B4-BE49-F238E27FC236}">
-                <a16:creationId xmlns:a16="http://schemas.microsoft.com/office/drawing/2014/main" xmlns="" id="{8F84F5DB-07BB-48E9-8597-4597025FCBBB}"/>
+                <a16:creationId xmlns="" xmlns:a16="http://schemas.microsoft.com/office/drawing/2014/main" id="{8F84F5DB-07BB-48E9-8597-4597025FCBBB}"/>
               </a:ext>
             </a:extLst>
           </p:cNvPr>
@@ -24756,7 +26631,7 @@
           <p:cNvPr id="78" name="Straight Connector 77">
             <a:extLst>
               <a:ext uri="{FF2B5EF4-FFF2-40B4-BE49-F238E27FC236}">
-                <a16:creationId xmlns:a16="http://schemas.microsoft.com/office/drawing/2014/main" xmlns="" id="{53434B5C-0921-4DBE-9DFD-DB63F84CD373}"/>
+                <a16:creationId xmlns="" xmlns:a16="http://schemas.microsoft.com/office/drawing/2014/main" id="{53434B5C-0921-4DBE-9DFD-DB63F84CD373}"/>
               </a:ext>
             </a:extLst>
           </p:cNvPr>
@@ -24799,7 +26674,7 @@
           <p:cNvPr id="79" name="Isosceles Triangle 78">
             <a:extLst>
               <a:ext uri="{FF2B5EF4-FFF2-40B4-BE49-F238E27FC236}">
-                <a16:creationId xmlns:a16="http://schemas.microsoft.com/office/drawing/2014/main" xmlns="" id="{BF2C25F6-9D1F-4B32-8DDD-434CDB0AED36}"/>
+                <a16:creationId xmlns="" xmlns:a16="http://schemas.microsoft.com/office/drawing/2014/main" id="{BF2C25F6-9D1F-4B32-8DDD-434CDB0AED36}"/>
               </a:ext>
             </a:extLst>
           </p:cNvPr>
@@ -24851,7 +26726,7 @@
           <p:cNvPr id="80" name="Straight Connector 79">
             <a:extLst>
               <a:ext uri="{FF2B5EF4-FFF2-40B4-BE49-F238E27FC236}">
-                <a16:creationId xmlns:a16="http://schemas.microsoft.com/office/drawing/2014/main" xmlns="" id="{6F7F0BCC-751B-4F40-8EE7-41BB2F98A729}"/>
+                <a16:creationId xmlns="" xmlns:a16="http://schemas.microsoft.com/office/drawing/2014/main" id="{6F7F0BCC-751B-4F40-8EE7-41BB2F98A729}"/>
               </a:ext>
             </a:extLst>
           </p:cNvPr>
@@ -24894,7 +26769,7 @@
           <p:cNvPr id="81" name="Straight Connector 80">
             <a:extLst>
               <a:ext uri="{FF2B5EF4-FFF2-40B4-BE49-F238E27FC236}">
-                <a16:creationId xmlns:a16="http://schemas.microsoft.com/office/drawing/2014/main" xmlns="" id="{4A1A71A0-1AD4-43AD-AC6F-E852D1A1F37F}"/>
+                <a16:creationId xmlns="" xmlns:a16="http://schemas.microsoft.com/office/drawing/2014/main" id="{4A1A71A0-1AD4-43AD-AC6F-E852D1A1F37F}"/>
               </a:ext>
             </a:extLst>
           </p:cNvPr>
@@ -24937,7 +26812,7 @@
           <p:cNvPr id="82" name="Rectangle 81">
             <a:extLst>
               <a:ext uri="{FF2B5EF4-FFF2-40B4-BE49-F238E27FC236}">
-                <a16:creationId xmlns:a16="http://schemas.microsoft.com/office/drawing/2014/main" xmlns="" id="{2D9A6CF3-D6FB-409C-BF62-11741E320E36}"/>
+                <a16:creationId xmlns="" xmlns:a16="http://schemas.microsoft.com/office/drawing/2014/main" id="{2D9A6CF3-D6FB-409C-BF62-11741E320E36}"/>
               </a:ext>
             </a:extLst>
           </p:cNvPr>
@@ -24991,7 +26866,7 @@
           <p:cNvPr id="83" name="Rectangle 82">
             <a:extLst>
               <a:ext uri="{FF2B5EF4-FFF2-40B4-BE49-F238E27FC236}">
-                <a16:creationId xmlns:a16="http://schemas.microsoft.com/office/drawing/2014/main" xmlns="" id="{C7CFB15B-A3BE-4BC4-A4B4-7FD5AC45B7F5}"/>
+                <a16:creationId xmlns="" xmlns:a16="http://schemas.microsoft.com/office/drawing/2014/main" id="{C7CFB15B-A3BE-4BC4-A4B4-7FD5AC45B7F5}"/>
               </a:ext>
             </a:extLst>
           </p:cNvPr>
@@ -25043,7 +26918,7 @@
           <p:cNvPr id="84" name="Straight Connector 83">
             <a:extLst>
               <a:ext uri="{FF2B5EF4-FFF2-40B4-BE49-F238E27FC236}">
-                <a16:creationId xmlns:a16="http://schemas.microsoft.com/office/drawing/2014/main" xmlns="" id="{EFEDEA9C-A228-48DF-8208-F036ACE8A2E1}"/>
+                <a16:creationId xmlns="" xmlns:a16="http://schemas.microsoft.com/office/drawing/2014/main" id="{EFEDEA9C-A228-48DF-8208-F036ACE8A2E1}"/>
               </a:ext>
             </a:extLst>
           </p:cNvPr>
@@ -25086,7 +26961,7 @@
           <p:cNvPr id="85" name="Straight Connector 84">
             <a:extLst>
               <a:ext uri="{FF2B5EF4-FFF2-40B4-BE49-F238E27FC236}">
-                <a16:creationId xmlns:a16="http://schemas.microsoft.com/office/drawing/2014/main" xmlns="" id="{0F52C2FC-8CED-4838-9D0C-D91D9CF1A543}"/>
+                <a16:creationId xmlns="" xmlns:a16="http://schemas.microsoft.com/office/drawing/2014/main" id="{0F52C2FC-8CED-4838-9D0C-D91D9CF1A543}"/>
               </a:ext>
             </a:extLst>
           </p:cNvPr>
@@ -25129,7 +27004,7 @@
           <p:cNvPr id="86" name="Isosceles Triangle 85">
             <a:extLst>
               <a:ext uri="{FF2B5EF4-FFF2-40B4-BE49-F238E27FC236}">
-                <a16:creationId xmlns:a16="http://schemas.microsoft.com/office/drawing/2014/main" xmlns="" id="{B7ED0C76-026A-4A74-ABE8-E4C0A55A7F4A}"/>
+                <a16:creationId xmlns="" xmlns:a16="http://schemas.microsoft.com/office/drawing/2014/main" id="{B7ED0C76-026A-4A74-ABE8-E4C0A55A7F4A}"/>
               </a:ext>
             </a:extLst>
           </p:cNvPr>
@@ -25181,7 +27056,7 @@
           <p:cNvPr id="87" name="Straight Connector 86">
             <a:extLst>
               <a:ext uri="{FF2B5EF4-FFF2-40B4-BE49-F238E27FC236}">
-                <a16:creationId xmlns:a16="http://schemas.microsoft.com/office/drawing/2014/main" xmlns="" id="{809D7291-5074-445C-9DE6-B86ED881E03E}"/>
+                <a16:creationId xmlns="" xmlns:a16="http://schemas.microsoft.com/office/drawing/2014/main" id="{809D7291-5074-445C-9DE6-B86ED881E03E}"/>
               </a:ext>
             </a:extLst>
           </p:cNvPr>
@@ -25224,7 +27099,7 @@
           <p:cNvPr id="88" name="Straight Connector 87">
             <a:extLst>
               <a:ext uri="{FF2B5EF4-FFF2-40B4-BE49-F238E27FC236}">
-                <a16:creationId xmlns:a16="http://schemas.microsoft.com/office/drawing/2014/main" xmlns="" id="{7E837AD0-FE98-44EC-9DBD-3D9054C815F5}"/>
+                <a16:creationId xmlns="" xmlns:a16="http://schemas.microsoft.com/office/drawing/2014/main" id="{7E837AD0-FE98-44EC-9DBD-3D9054C815F5}"/>
               </a:ext>
             </a:extLst>
           </p:cNvPr>
@@ -25270,7 +27145,7 @@
           <p:cNvPr id="89" name="Straight Connector 88">
             <a:extLst>
               <a:ext uri="{FF2B5EF4-FFF2-40B4-BE49-F238E27FC236}">
-                <a16:creationId xmlns:a16="http://schemas.microsoft.com/office/drawing/2014/main" xmlns="" id="{72621610-EF04-427B-8480-6465CF900A2D}"/>
+                <a16:creationId xmlns="" xmlns:a16="http://schemas.microsoft.com/office/drawing/2014/main" id="{72621610-EF04-427B-8480-6465CF900A2D}"/>
               </a:ext>
             </a:extLst>
           </p:cNvPr>
@@ -25313,7 +27188,7 @@
           <p:cNvPr id="90" name="Straight Connector 89">
             <a:extLst>
               <a:ext uri="{FF2B5EF4-FFF2-40B4-BE49-F238E27FC236}">
-                <a16:creationId xmlns:a16="http://schemas.microsoft.com/office/drawing/2014/main" xmlns="" id="{CDA495FD-B260-4622-9D46-A065F0966C51}"/>
+                <a16:creationId xmlns="" xmlns:a16="http://schemas.microsoft.com/office/drawing/2014/main" id="{CDA495FD-B260-4622-9D46-A065F0966C51}"/>
               </a:ext>
             </a:extLst>
           </p:cNvPr>
@@ -25356,7 +27231,7 @@
           <p:cNvPr id="91" name="Straight Connector 90">
             <a:extLst>
               <a:ext uri="{FF2B5EF4-FFF2-40B4-BE49-F238E27FC236}">
-                <a16:creationId xmlns:a16="http://schemas.microsoft.com/office/drawing/2014/main" xmlns="" id="{33A2377F-FA0B-4BFC-9859-7A4408ADD22F}"/>
+                <a16:creationId xmlns="" xmlns:a16="http://schemas.microsoft.com/office/drawing/2014/main" id="{33A2377F-FA0B-4BFC-9859-7A4408ADD22F}"/>
               </a:ext>
             </a:extLst>
           </p:cNvPr>
@@ -25399,7 +27274,7 @@
           <p:cNvPr id="92" name="Straight Connector 91">
             <a:extLst>
               <a:ext uri="{FF2B5EF4-FFF2-40B4-BE49-F238E27FC236}">
-                <a16:creationId xmlns:a16="http://schemas.microsoft.com/office/drawing/2014/main" xmlns="" id="{C0A51856-EFBE-4097-B8E6-D16972C0228F}"/>
+                <a16:creationId xmlns="" xmlns:a16="http://schemas.microsoft.com/office/drawing/2014/main" id="{C0A51856-EFBE-4097-B8E6-D16972C0228F}"/>
               </a:ext>
             </a:extLst>
           </p:cNvPr>
@@ -25442,7 +27317,7 @@
           <p:cNvPr id="93" name="Isosceles Triangle 92">
             <a:extLst>
               <a:ext uri="{FF2B5EF4-FFF2-40B4-BE49-F238E27FC236}">
-                <a16:creationId xmlns:a16="http://schemas.microsoft.com/office/drawing/2014/main" xmlns="" id="{57730D24-329A-4438-92CB-6827489E7738}"/>
+                <a16:creationId xmlns="" xmlns:a16="http://schemas.microsoft.com/office/drawing/2014/main" id="{57730D24-329A-4438-92CB-6827489E7738}"/>
               </a:ext>
             </a:extLst>
           </p:cNvPr>
@@ -25494,7 +27369,7 @@
           <p:cNvPr id="94" name="Rectangle 93">
             <a:extLst>
               <a:ext uri="{FF2B5EF4-FFF2-40B4-BE49-F238E27FC236}">
-                <a16:creationId xmlns:a16="http://schemas.microsoft.com/office/drawing/2014/main" xmlns="" id="{67736EBA-4C50-469C-B783-E517DC6751A1}"/>
+                <a16:creationId xmlns="" xmlns:a16="http://schemas.microsoft.com/office/drawing/2014/main" id="{67736EBA-4C50-469C-B783-E517DC6751A1}"/>
               </a:ext>
             </a:extLst>
           </p:cNvPr>
@@ -25546,7 +27421,7 @@
           <p:cNvPr id="95" name="Rectangle 94">
             <a:extLst>
               <a:ext uri="{FF2B5EF4-FFF2-40B4-BE49-F238E27FC236}">
-                <a16:creationId xmlns:a16="http://schemas.microsoft.com/office/drawing/2014/main" xmlns="" id="{537E6895-84BA-4C70-B885-58DC0C5645ED}"/>
+                <a16:creationId xmlns="" xmlns:a16="http://schemas.microsoft.com/office/drawing/2014/main" id="{537E6895-84BA-4C70-B885-58DC0C5645ED}"/>
               </a:ext>
             </a:extLst>
           </p:cNvPr>
@@ -25600,7 +27475,7 @@
           <p:cNvPr id="97" name="TextBox 96">
             <a:extLst>
               <a:ext uri="{FF2B5EF4-FFF2-40B4-BE49-F238E27FC236}">
-                <a16:creationId xmlns:a16="http://schemas.microsoft.com/office/drawing/2014/main" xmlns="" id="{1F306F2E-9899-49B2-AD37-2842FCB072B8}"/>
+                <a16:creationId xmlns="" xmlns:a16="http://schemas.microsoft.com/office/drawing/2014/main" id="{1F306F2E-9899-49B2-AD37-2842FCB072B8}"/>
               </a:ext>
             </a:extLst>
           </p:cNvPr>
@@ -25640,7 +27515,7 @@
           <p:cNvPr id="98" name="Straight Connector 97">
             <a:extLst>
               <a:ext uri="{FF2B5EF4-FFF2-40B4-BE49-F238E27FC236}">
-                <a16:creationId xmlns:a16="http://schemas.microsoft.com/office/drawing/2014/main" xmlns="" id="{F05920BD-1B93-4C1F-9D50-53E94ECB491B}"/>
+                <a16:creationId xmlns="" xmlns:a16="http://schemas.microsoft.com/office/drawing/2014/main" id="{F05920BD-1B93-4C1F-9D50-53E94ECB491B}"/>
               </a:ext>
             </a:extLst>
           </p:cNvPr>
@@ -25683,7 +27558,7 @@
           <p:cNvPr id="101" name="Straight Connector 100">
             <a:extLst>
               <a:ext uri="{FF2B5EF4-FFF2-40B4-BE49-F238E27FC236}">
-                <a16:creationId xmlns:a16="http://schemas.microsoft.com/office/drawing/2014/main" xmlns="" id="{A6B7171F-9D11-4250-B3B4-8B3A873B31E2}"/>
+                <a16:creationId xmlns="" xmlns:a16="http://schemas.microsoft.com/office/drawing/2014/main" id="{A6B7171F-9D11-4250-B3B4-8B3A873B31E2}"/>
               </a:ext>
             </a:extLst>
           </p:cNvPr>
@@ -25726,7 +27601,7 @@
           <p:cNvPr id="103" name="Isosceles Triangle 102">
             <a:extLst>
               <a:ext uri="{FF2B5EF4-FFF2-40B4-BE49-F238E27FC236}">
-                <a16:creationId xmlns:a16="http://schemas.microsoft.com/office/drawing/2014/main" xmlns="" id="{BDD4FF3E-017D-4F00-A5E9-A02EBB9D7B23}"/>
+                <a16:creationId xmlns="" xmlns:a16="http://schemas.microsoft.com/office/drawing/2014/main" id="{BDD4FF3E-017D-4F00-A5E9-A02EBB9D7B23}"/>
               </a:ext>
             </a:extLst>
           </p:cNvPr>
@@ -25778,7 +27653,7 @@
           <p:cNvPr id="96" name="Straight Connector 95">
             <a:extLst>
               <a:ext uri="{FF2B5EF4-FFF2-40B4-BE49-F238E27FC236}">
-                <a16:creationId xmlns:a16="http://schemas.microsoft.com/office/drawing/2014/main" xmlns="" id="{2D475A4D-89EB-41D7-9C08-F79D4094806F}"/>
+                <a16:creationId xmlns="" xmlns:a16="http://schemas.microsoft.com/office/drawing/2014/main" id="{2D475A4D-89EB-41D7-9C08-F79D4094806F}"/>
               </a:ext>
             </a:extLst>
           </p:cNvPr>
@@ -26118,7 +27993,7 @@
   <a:extraClrSchemeLst/>
   <a:extLst>
     <a:ext uri="{05A4C25C-085E-4340-85A3-A5531E510DB2}">
-      <thm15:themeFamily xmlns:thm15="http://schemas.microsoft.com/office/thememl/2012/main" xmlns="" name="Office Theme" id="{62F939B6-93AF-4DB8-9C6B-D6C7DFDC589F}" vid="{4A3C46E8-61CC-4603-A589-7422A47A8E4A}"/>
+      <thm15:themeFamily xmlns="" xmlns:thm15="http://schemas.microsoft.com/office/thememl/2012/main" name="Office Theme" id="{62F939B6-93AF-4DB8-9C6B-D6C7DFDC589F}" vid="{4A3C46E8-61CC-4603-A589-7422A47A8E4A}"/>
     </a:ext>
   </a:extLst>
 </a:theme>
